--- a/CGreen TestDouble ETDD OOC DP ver 0.5.pptx
+++ b/CGreen TestDouble ETDD OOC DP ver 0.5.pptx
@@ -66,6 +66,8 @@
     <p:sldId id="307" r:id="rId61"/>
     <p:sldId id="308" r:id="rId62"/>
     <p:sldId id="309" r:id="rId63"/>
+    <p:sldId id="310" r:id="rId64"/>
+    <p:sldId id="311" r:id="rId65"/>
   </p:sldIdLst>
   <p:sldSz cy="5143500" cx="9144000"/>
   <p:notesSz cx="9144000" cy="6858000"/>
@@ -4709,7 +4711,7 @@
       </p:grpSpPr>
       <p:sp>
         <p:nvSpPr>
-          <p:cNvPr id="328" name="Google Shape;328;g109ac5da2f8_0_156:notes"/>
+          <p:cNvPr id="328" name="Google Shape;328;gd0051f9399_0_2:notes"/>
           <p:cNvSpPr/>
           <p:nvPr>
             <p:ph idx="2" type="sldImg"/>
@@ -4744,7 +4746,7 @@
       </p:sp>
       <p:sp>
         <p:nvSpPr>
-          <p:cNvPr id="329" name="Google Shape;329;g109ac5da2f8_0_156:notes"/>
+          <p:cNvPr id="329" name="Google Shape;329;gd0051f9399_0_2:notes"/>
           <p:cNvSpPr txBox="1"/>
           <p:nvPr>
             <p:ph idx="1" type="body"/>
@@ -4783,7 +4785,7 @@
       </p:sp>
       <p:sp>
         <p:nvSpPr>
-          <p:cNvPr id="330" name="Google Shape;330;g109ac5da2f8_0_156:notes"/>
+          <p:cNvPr id="330" name="Google Shape;330;gd0051f9399_0_2:notes"/>
           <p:cNvSpPr txBox="1"/>
           <p:nvPr>
             <p:ph idx="12" type="sldNum"/>
@@ -4844,7 +4846,7 @@
   <p:cSld>
     <p:spTree>
       <p:nvGrpSpPr>
-        <p:cNvPr id="335" name="Shape 335"/>
+        <p:cNvPr id="334" name="Shape 334"/>
         <p:cNvGrpSpPr/>
         <p:nvPr/>
       </p:nvGrpSpPr>
@@ -4858,7 +4860,7 @@
       </p:grpSpPr>
       <p:sp>
         <p:nvSpPr>
-          <p:cNvPr id="336" name="Google Shape;336;g109ac5da2f8_0_179:notes"/>
+          <p:cNvPr id="335" name="Google Shape;335;g109ac5da2f8_0_156:notes"/>
           <p:cNvSpPr/>
           <p:nvPr>
             <p:ph idx="2" type="sldImg"/>
@@ -4893,7 +4895,7 @@
       </p:sp>
       <p:sp>
         <p:nvSpPr>
-          <p:cNvPr id="337" name="Google Shape;337;g109ac5da2f8_0_179:notes"/>
+          <p:cNvPr id="336" name="Google Shape;336;g109ac5da2f8_0_156:notes"/>
           <p:cNvSpPr txBox="1"/>
           <p:nvPr>
             <p:ph idx="1" type="body"/>
@@ -4932,7 +4934,7 @@
       </p:sp>
       <p:sp>
         <p:nvSpPr>
-          <p:cNvPr id="338" name="Google Shape;338;g109ac5da2f8_0_179:notes"/>
+          <p:cNvPr id="337" name="Google Shape;337;g109ac5da2f8_0_156:notes"/>
           <p:cNvSpPr txBox="1"/>
           <p:nvPr>
             <p:ph idx="12" type="sldNum"/>
@@ -5156,7 +5158,7 @@
       </p:grpSpPr>
       <p:sp>
         <p:nvSpPr>
-          <p:cNvPr id="343" name="Google Shape;343;g109ac5da2f8_0_163:notes"/>
+          <p:cNvPr id="343" name="Google Shape;343;g109ac5da2f8_0_179:notes"/>
           <p:cNvSpPr/>
           <p:nvPr>
             <p:ph idx="2" type="sldImg"/>
@@ -5191,7 +5193,7 @@
       </p:sp>
       <p:sp>
         <p:nvSpPr>
-          <p:cNvPr id="344" name="Google Shape;344;g109ac5da2f8_0_163:notes"/>
+          <p:cNvPr id="344" name="Google Shape;344;g109ac5da2f8_0_179:notes"/>
           <p:cNvSpPr txBox="1"/>
           <p:nvPr>
             <p:ph idx="1" type="body"/>
@@ -5230,7 +5232,7 @@
       </p:sp>
       <p:sp>
         <p:nvSpPr>
-          <p:cNvPr id="345" name="Google Shape;345;g109ac5da2f8_0_163:notes"/>
+          <p:cNvPr id="345" name="Google Shape;345;g109ac5da2f8_0_179:notes"/>
           <p:cNvSpPr txBox="1"/>
           <p:nvPr>
             <p:ph idx="12" type="sldNum"/>
@@ -5291,7 +5293,7 @@
   <p:cSld>
     <p:spTree>
       <p:nvGrpSpPr>
-        <p:cNvPr id="350" name="Shape 350"/>
+        <p:cNvPr id="349" name="Shape 349"/>
         <p:cNvGrpSpPr/>
         <p:nvPr/>
       </p:nvGrpSpPr>
@@ -5305,7 +5307,7 @@
       </p:grpSpPr>
       <p:sp>
         <p:nvSpPr>
-          <p:cNvPr id="351" name="Google Shape;351;g109ac5da2f8_0_188:notes"/>
+          <p:cNvPr id="350" name="Google Shape;350;g109ac5da2f8_0_163:notes"/>
           <p:cNvSpPr/>
           <p:nvPr>
             <p:ph idx="2" type="sldImg"/>
@@ -5340,7 +5342,7 @@
       </p:sp>
       <p:sp>
         <p:nvSpPr>
-          <p:cNvPr id="352" name="Google Shape;352;g109ac5da2f8_0_188:notes"/>
+          <p:cNvPr id="351" name="Google Shape;351;g109ac5da2f8_0_163:notes"/>
           <p:cNvSpPr txBox="1"/>
           <p:nvPr>
             <p:ph idx="1" type="body"/>
@@ -5379,7 +5381,7 @@
       </p:sp>
       <p:sp>
         <p:nvSpPr>
-          <p:cNvPr id="353" name="Google Shape;353;g109ac5da2f8_0_188:notes"/>
+          <p:cNvPr id="352" name="Google Shape;352;g109ac5da2f8_0_163:notes"/>
           <p:cNvSpPr txBox="1"/>
           <p:nvPr>
             <p:ph idx="12" type="sldNum"/>
@@ -5454,7 +5456,7 @@
       </p:grpSpPr>
       <p:sp>
         <p:nvSpPr>
-          <p:cNvPr id="358" name="Google Shape;358;g109878f9710_0_58:notes"/>
+          <p:cNvPr id="358" name="Google Shape;358;g109ac5da2f8_0_188:notes"/>
           <p:cNvSpPr/>
           <p:nvPr>
             <p:ph idx="2" type="sldImg"/>
@@ -5489,7 +5491,7 @@
       </p:sp>
       <p:sp>
         <p:nvSpPr>
-          <p:cNvPr id="359" name="Google Shape;359;g109878f9710_0_58:notes"/>
+          <p:cNvPr id="359" name="Google Shape;359;g109ac5da2f8_0_188:notes"/>
           <p:cNvSpPr txBox="1"/>
           <p:nvPr>
             <p:ph idx="1" type="body"/>
@@ -5528,7 +5530,7 @@
       </p:sp>
       <p:sp>
         <p:nvSpPr>
-          <p:cNvPr id="360" name="Google Shape;360;g109878f9710_0_58:notes"/>
+          <p:cNvPr id="360" name="Google Shape;360;g109ac5da2f8_0_188:notes"/>
           <p:cNvSpPr txBox="1"/>
           <p:nvPr>
             <p:ph idx="12" type="sldNum"/>
@@ -5603,7 +5605,7 @@
       </p:grpSpPr>
       <p:sp>
         <p:nvSpPr>
-          <p:cNvPr id="365" name="Google Shape;365;g109ac5da2f8_0_34:notes"/>
+          <p:cNvPr id="365" name="Google Shape;365;g109878f9710_0_58:notes"/>
           <p:cNvSpPr/>
           <p:nvPr>
             <p:ph idx="2" type="sldImg"/>
@@ -5638,7 +5640,7 @@
       </p:sp>
       <p:sp>
         <p:nvSpPr>
-          <p:cNvPr id="366" name="Google Shape;366;g109ac5da2f8_0_34:notes"/>
+          <p:cNvPr id="366" name="Google Shape;366;g109878f9710_0_58:notes"/>
           <p:cNvSpPr txBox="1"/>
           <p:nvPr>
             <p:ph idx="1" type="body"/>
@@ -5677,7 +5679,7 @@
       </p:sp>
       <p:sp>
         <p:nvSpPr>
-          <p:cNvPr id="367" name="Google Shape;367;g109ac5da2f8_0_34:notes"/>
+          <p:cNvPr id="367" name="Google Shape;367;g109878f9710_0_58:notes"/>
           <p:cNvSpPr txBox="1"/>
           <p:nvPr>
             <p:ph idx="12" type="sldNum"/>
@@ -5752,7 +5754,7 @@
       </p:grpSpPr>
       <p:sp>
         <p:nvSpPr>
-          <p:cNvPr id="372" name="Google Shape;372;g109ac5da2f8_0_69:notes"/>
+          <p:cNvPr id="372" name="Google Shape;372;g109ac5da2f8_0_34:notes"/>
           <p:cNvSpPr/>
           <p:nvPr>
             <p:ph idx="2" type="sldImg"/>
@@ -5787,7 +5789,7 @@
       </p:sp>
       <p:sp>
         <p:nvSpPr>
-          <p:cNvPr id="373" name="Google Shape;373;g109ac5da2f8_0_69:notes"/>
+          <p:cNvPr id="373" name="Google Shape;373;g109ac5da2f8_0_34:notes"/>
           <p:cNvSpPr txBox="1"/>
           <p:nvPr>
             <p:ph idx="1" type="body"/>
@@ -5826,7 +5828,7 @@
       </p:sp>
       <p:sp>
         <p:nvSpPr>
-          <p:cNvPr id="374" name="Google Shape;374;g109ac5da2f8_0_69:notes"/>
+          <p:cNvPr id="374" name="Google Shape;374;g109ac5da2f8_0_34:notes"/>
           <p:cNvSpPr txBox="1"/>
           <p:nvPr>
             <p:ph idx="12" type="sldNum"/>
@@ -5887,7 +5889,7 @@
   <p:cSld>
     <p:spTree>
       <p:nvGrpSpPr>
-        <p:cNvPr id="379" name="Shape 379"/>
+        <p:cNvPr id="378" name="Shape 378"/>
         <p:cNvGrpSpPr/>
         <p:nvPr/>
       </p:nvGrpSpPr>
@@ -5901,7 +5903,7 @@
       </p:grpSpPr>
       <p:sp>
         <p:nvSpPr>
-          <p:cNvPr id="380" name="Google Shape;380;g109ac5da2f8_0_76:notes"/>
+          <p:cNvPr id="379" name="Google Shape;379;g109ac5da2f8_0_69:notes"/>
           <p:cNvSpPr/>
           <p:nvPr>
             <p:ph idx="2" type="sldImg"/>
@@ -5936,7 +5938,7 @@
       </p:sp>
       <p:sp>
         <p:nvSpPr>
-          <p:cNvPr id="381" name="Google Shape;381;g109ac5da2f8_0_76:notes"/>
+          <p:cNvPr id="380" name="Google Shape;380;g109ac5da2f8_0_69:notes"/>
           <p:cNvSpPr txBox="1"/>
           <p:nvPr>
             <p:ph idx="1" type="body"/>
@@ -5975,7 +5977,7 @@
       </p:sp>
       <p:sp>
         <p:nvSpPr>
-          <p:cNvPr id="382" name="Google Shape;382;g109ac5da2f8_0_76:notes"/>
+          <p:cNvPr id="381" name="Google Shape;381;g109ac5da2f8_0_69:notes"/>
           <p:cNvSpPr txBox="1"/>
           <p:nvPr>
             <p:ph idx="12" type="sldNum"/>
@@ -6050,7 +6052,7 @@
       </p:grpSpPr>
       <p:sp>
         <p:nvSpPr>
-          <p:cNvPr id="388" name="Google Shape;388;g109ac5da2f8_0_83:notes"/>
+          <p:cNvPr id="388" name="Google Shape;388;g109ac5da2f8_0_76:notes"/>
           <p:cNvSpPr/>
           <p:nvPr>
             <p:ph idx="2" type="sldImg"/>
@@ -6085,7 +6087,7 @@
       </p:sp>
       <p:sp>
         <p:nvSpPr>
-          <p:cNvPr id="389" name="Google Shape;389;g109ac5da2f8_0_83:notes"/>
+          <p:cNvPr id="389" name="Google Shape;389;g109ac5da2f8_0_76:notes"/>
           <p:cNvSpPr txBox="1"/>
           <p:nvPr>
             <p:ph idx="1" type="body"/>
@@ -6124,7 +6126,7 @@
       </p:sp>
       <p:sp>
         <p:nvSpPr>
-          <p:cNvPr id="390" name="Google Shape;390;g109ac5da2f8_0_83:notes"/>
+          <p:cNvPr id="390" name="Google Shape;390;g109ac5da2f8_0_76:notes"/>
           <p:cNvSpPr txBox="1"/>
           <p:nvPr>
             <p:ph idx="12" type="sldNum"/>
@@ -6185,7 +6187,7 @@
   <p:cSld>
     <p:spTree>
       <p:nvGrpSpPr>
-        <p:cNvPr id="394" name="Shape 394"/>
+        <p:cNvPr id="395" name="Shape 395"/>
         <p:cNvGrpSpPr/>
         <p:nvPr/>
       </p:nvGrpSpPr>
@@ -6199,7 +6201,7 @@
       </p:grpSpPr>
       <p:sp>
         <p:nvSpPr>
-          <p:cNvPr id="395" name="Google Shape;395;g109ac5da2f8_0_89:notes"/>
+          <p:cNvPr id="396" name="Google Shape;396;g109ac5da2f8_0_83:notes"/>
           <p:cNvSpPr/>
           <p:nvPr>
             <p:ph idx="2" type="sldImg"/>
@@ -6234,7 +6236,7 @@
       </p:sp>
       <p:sp>
         <p:nvSpPr>
-          <p:cNvPr id="396" name="Google Shape;396;g109ac5da2f8_0_89:notes"/>
+          <p:cNvPr id="397" name="Google Shape;397;g109ac5da2f8_0_83:notes"/>
           <p:cNvSpPr txBox="1"/>
           <p:nvPr>
             <p:ph idx="1" type="body"/>
@@ -6273,7 +6275,7 @@
       </p:sp>
       <p:sp>
         <p:nvSpPr>
-          <p:cNvPr id="397" name="Google Shape;397;g109ac5da2f8_0_89:notes"/>
+          <p:cNvPr id="398" name="Google Shape;398;g109ac5da2f8_0_83:notes"/>
           <p:cNvSpPr txBox="1"/>
           <p:nvPr>
             <p:ph idx="12" type="sldNum"/>
@@ -6334,7 +6336,7 @@
   <p:cSld>
     <p:spTree>
       <p:nvGrpSpPr>
-        <p:cNvPr id="401" name="Shape 401"/>
+        <p:cNvPr id="402" name="Shape 402"/>
         <p:cNvGrpSpPr/>
         <p:nvPr/>
       </p:nvGrpSpPr>
@@ -6348,7 +6350,7 @@
       </p:grpSpPr>
       <p:sp>
         <p:nvSpPr>
-          <p:cNvPr id="402" name="Google Shape;402;g109ac5da2f8_0_95:notes"/>
+          <p:cNvPr id="403" name="Google Shape;403;g109ac5da2f8_0_89:notes"/>
           <p:cNvSpPr/>
           <p:nvPr>
             <p:ph idx="2" type="sldImg"/>
@@ -6383,7 +6385,7 @@
       </p:sp>
       <p:sp>
         <p:nvSpPr>
-          <p:cNvPr id="403" name="Google Shape;403;g109ac5da2f8_0_95:notes"/>
+          <p:cNvPr id="404" name="Google Shape;404;g109ac5da2f8_0_89:notes"/>
           <p:cNvSpPr txBox="1"/>
           <p:nvPr>
             <p:ph idx="1" type="body"/>
@@ -6422,7 +6424,7 @@
       </p:sp>
       <p:sp>
         <p:nvSpPr>
-          <p:cNvPr id="404" name="Google Shape;404;g109ac5da2f8_0_95:notes"/>
+          <p:cNvPr id="405" name="Google Shape;405;g109ac5da2f8_0_89:notes"/>
           <p:cNvSpPr txBox="1"/>
           <p:nvPr>
             <p:ph idx="12" type="sldNum"/>
@@ -6483,7 +6485,7 @@
   <p:cSld>
     <p:spTree>
       <p:nvGrpSpPr>
-        <p:cNvPr id="408" name="Shape 408"/>
+        <p:cNvPr id="409" name="Shape 409"/>
         <p:cNvGrpSpPr/>
         <p:nvPr/>
       </p:nvGrpSpPr>
@@ -6497,7 +6499,7 @@
       </p:grpSpPr>
       <p:sp>
         <p:nvSpPr>
-          <p:cNvPr id="409" name="Google Shape;409;g109ac5da2f8_0_101:notes"/>
+          <p:cNvPr id="410" name="Google Shape;410;g109ac5da2f8_0_95:notes"/>
           <p:cNvSpPr/>
           <p:nvPr>
             <p:ph idx="2" type="sldImg"/>
@@ -6532,7 +6534,7 @@
       </p:sp>
       <p:sp>
         <p:nvSpPr>
-          <p:cNvPr id="410" name="Google Shape;410;g109ac5da2f8_0_101:notes"/>
+          <p:cNvPr id="411" name="Google Shape;411;g109ac5da2f8_0_95:notes"/>
           <p:cNvSpPr txBox="1"/>
           <p:nvPr>
             <p:ph idx="1" type="body"/>
@@ -6571,7 +6573,7 @@
       </p:sp>
       <p:sp>
         <p:nvSpPr>
-          <p:cNvPr id="411" name="Google Shape;411;g109ac5da2f8_0_101:notes"/>
+          <p:cNvPr id="412" name="Google Shape;412;g109ac5da2f8_0_95:notes"/>
           <p:cNvSpPr txBox="1"/>
           <p:nvPr>
             <p:ph idx="12" type="sldNum"/>
@@ -6781,7 +6783,7 @@
   <p:cSld>
     <p:spTree>
       <p:nvGrpSpPr>
-        <p:cNvPr id="415" name="Shape 415"/>
+        <p:cNvPr id="416" name="Shape 416"/>
         <p:cNvGrpSpPr/>
         <p:nvPr/>
       </p:nvGrpSpPr>
@@ -6795,7 +6797,7 @@
       </p:grpSpPr>
       <p:sp>
         <p:nvSpPr>
-          <p:cNvPr id="416" name="Google Shape;416;g109ac5da2f8_0_107:notes"/>
+          <p:cNvPr id="417" name="Google Shape;417;g109ac5da2f8_0_101:notes"/>
           <p:cNvSpPr/>
           <p:nvPr>
             <p:ph idx="2" type="sldImg"/>
@@ -6830,7 +6832,7 @@
       </p:sp>
       <p:sp>
         <p:nvSpPr>
-          <p:cNvPr id="417" name="Google Shape;417;g109ac5da2f8_0_107:notes"/>
+          <p:cNvPr id="418" name="Google Shape;418;g109ac5da2f8_0_101:notes"/>
           <p:cNvSpPr txBox="1"/>
           <p:nvPr>
             <p:ph idx="1" type="body"/>
@@ -6869,7 +6871,7 @@
       </p:sp>
       <p:sp>
         <p:nvSpPr>
-          <p:cNvPr id="418" name="Google Shape;418;g109ac5da2f8_0_107:notes"/>
+          <p:cNvPr id="419" name="Google Shape;419;g109ac5da2f8_0_101:notes"/>
           <p:cNvSpPr txBox="1"/>
           <p:nvPr>
             <p:ph idx="12" type="sldNum"/>
@@ -6930,7 +6932,7 @@
   <p:cSld>
     <p:spTree>
       <p:nvGrpSpPr>
-        <p:cNvPr id="422" name="Shape 422"/>
+        <p:cNvPr id="423" name="Shape 423"/>
         <p:cNvGrpSpPr/>
         <p:nvPr/>
       </p:nvGrpSpPr>
@@ -6944,7 +6946,7 @@
       </p:grpSpPr>
       <p:sp>
         <p:nvSpPr>
-          <p:cNvPr id="423" name="Google Shape;423;g10963a142db_0_49:notes"/>
+          <p:cNvPr id="424" name="Google Shape;424;g109ac5da2f8_0_107:notes"/>
           <p:cNvSpPr/>
           <p:nvPr>
             <p:ph idx="2" type="sldImg"/>
@@ -6979,7 +6981,7 @@
       </p:sp>
       <p:sp>
         <p:nvSpPr>
-          <p:cNvPr id="424" name="Google Shape;424;g10963a142db_0_49:notes"/>
+          <p:cNvPr id="425" name="Google Shape;425;g109ac5da2f8_0_107:notes"/>
           <p:cNvSpPr txBox="1"/>
           <p:nvPr>
             <p:ph idx="1" type="body"/>
@@ -7018,7 +7020,7 @@
       </p:sp>
       <p:sp>
         <p:nvSpPr>
-          <p:cNvPr id="425" name="Google Shape;425;g10963a142db_0_49:notes"/>
+          <p:cNvPr id="426" name="Google Shape;426;g109ac5da2f8_0_107:notes"/>
           <p:cNvSpPr txBox="1"/>
           <p:nvPr>
             <p:ph idx="12" type="sldNum"/>
@@ -7079,7 +7081,7 @@
   <p:cSld>
     <p:spTree>
       <p:nvGrpSpPr>
-        <p:cNvPr id="429" name="Shape 429"/>
+        <p:cNvPr id="430" name="Shape 430"/>
         <p:cNvGrpSpPr/>
         <p:nvPr/>
       </p:nvGrpSpPr>
@@ -7093,7 +7095,7 @@
       </p:grpSpPr>
       <p:sp>
         <p:nvSpPr>
-          <p:cNvPr id="430" name="Google Shape;430;g109ac5da2f8_0_6:notes"/>
+          <p:cNvPr id="431" name="Google Shape;431;g10963a142db_0_49:notes"/>
           <p:cNvSpPr/>
           <p:nvPr>
             <p:ph idx="2" type="sldImg"/>
@@ -7128,7 +7130,7 @@
       </p:sp>
       <p:sp>
         <p:nvSpPr>
-          <p:cNvPr id="431" name="Google Shape;431;g109ac5da2f8_0_6:notes"/>
+          <p:cNvPr id="432" name="Google Shape;432;g10963a142db_0_49:notes"/>
           <p:cNvSpPr txBox="1"/>
           <p:nvPr>
             <p:ph idx="1" type="body"/>
@@ -7167,7 +7169,7 @@
       </p:sp>
       <p:sp>
         <p:nvSpPr>
-          <p:cNvPr id="432" name="Google Shape;432;g109ac5da2f8_0_6:notes"/>
+          <p:cNvPr id="433" name="Google Shape;433;g10963a142db_0_49:notes"/>
           <p:cNvSpPr txBox="1"/>
           <p:nvPr>
             <p:ph idx="12" type="sldNum"/>
@@ -7228,7 +7230,7 @@
   <p:cSld>
     <p:spTree>
       <p:nvGrpSpPr>
-        <p:cNvPr id="436" name="Shape 436"/>
+        <p:cNvPr id="437" name="Shape 437"/>
         <p:cNvGrpSpPr/>
         <p:nvPr/>
       </p:nvGrpSpPr>
@@ -7242,7 +7244,7 @@
       </p:grpSpPr>
       <p:sp>
         <p:nvSpPr>
-          <p:cNvPr id="437" name="Google Shape;437;g109ac5da2f8_0_0:notes"/>
+          <p:cNvPr id="438" name="Google Shape;438;g109ac5da2f8_0_6:notes"/>
           <p:cNvSpPr/>
           <p:nvPr>
             <p:ph idx="2" type="sldImg"/>
@@ -7277,7 +7279,7 @@
       </p:sp>
       <p:sp>
         <p:nvSpPr>
-          <p:cNvPr id="438" name="Google Shape;438;g109ac5da2f8_0_0:notes"/>
+          <p:cNvPr id="439" name="Google Shape;439;g109ac5da2f8_0_6:notes"/>
           <p:cNvSpPr txBox="1"/>
           <p:nvPr>
             <p:ph idx="1" type="body"/>
@@ -7316,7 +7318,7 @@
       </p:sp>
       <p:sp>
         <p:nvSpPr>
-          <p:cNvPr id="439" name="Google Shape;439;g109ac5da2f8_0_0:notes"/>
+          <p:cNvPr id="440" name="Google Shape;440;g109ac5da2f8_0_6:notes"/>
           <p:cNvSpPr txBox="1"/>
           <p:nvPr>
             <p:ph idx="12" type="sldNum"/>
@@ -7391,7 +7393,7 @@
       </p:grpSpPr>
       <p:sp>
         <p:nvSpPr>
-          <p:cNvPr id="445" name="Google Shape;445;g109ac5da2f8_0_41:notes"/>
+          <p:cNvPr id="445" name="Google Shape;445;g109ac5da2f8_0_0:notes"/>
           <p:cNvSpPr/>
           <p:nvPr>
             <p:ph idx="2" type="sldImg"/>
@@ -7426,7 +7428,7 @@
       </p:sp>
       <p:sp>
         <p:nvSpPr>
-          <p:cNvPr id="446" name="Google Shape;446;g109ac5da2f8_0_41:notes"/>
+          <p:cNvPr id="446" name="Google Shape;446;g109ac5da2f8_0_0:notes"/>
           <p:cNvSpPr txBox="1"/>
           <p:nvPr>
             <p:ph idx="1" type="body"/>
@@ -7465,7 +7467,7 @@
       </p:sp>
       <p:sp>
         <p:nvSpPr>
-          <p:cNvPr id="447" name="Google Shape;447;g109ac5da2f8_0_41:notes"/>
+          <p:cNvPr id="447" name="Google Shape;447;g109ac5da2f8_0_0:notes"/>
           <p:cNvSpPr txBox="1"/>
           <p:nvPr>
             <p:ph idx="12" type="sldNum"/>
@@ -7540,7 +7542,7 @@
       </p:grpSpPr>
       <p:sp>
         <p:nvSpPr>
-          <p:cNvPr id="453" name="Google Shape;453;g109ac5da2f8_0_61:notes"/>
+          <p:cNvPr id="453" name="Google Shape;453;g109ac5da2f8_0_41:notes"/>
           <p:cNvSpPr/>
           <p:nvPr>
             <p:ph idx="2" type="sldImg"/>
@@ -7575,7 +7577,7 @@
       </p:sp>
       <p:sp>
         <p:nvSpPr>
-          <p:cNvPr id="454" name="Google Shape;454;g109ac5da2f8_0_61:notes"/>
+          <p:cNvPr id="454" name="Google Shape;454;g109ac5da2f8_0_41:notes"/>
           <p:cNvSpPr txBox="1"/>
           <p:nvPr>
             <p:ph idx="1" type="body"/>
@@ -7614,7 +7616,7 @@
       </p:sp>
       <p:sp>
         <p:nvSpPr>
-          <p:cNvPr id="455" name="Google Shape;455;g109ac5da2f8_0_61:notes"/>
+          <p:cNvPr id="455" name="Google Shape;455;g109ac5da2f8_0_41:notes"/>
           <p:cNvSpPr txBox="1"/>
           <p:nvPr>
             <p:ph idx="12" type="sldNum"/>
@@ -7675,7 +7677,7 @@
   <p:cSld>
     <p:spTree>
       <p:nvGrpSpPr>
-        <p:cNvPr id="459" name="Shape 459"/>
+        <p:cNvPr id="460" name="Shape 460"/>
         <p:cNvGrpSpPr/>
         <p:nvPr/>
       </p:nvGrpSpPr>
@@ -7689,7 +7691,7 @@
       </p:grpSpPr>
       <p:sp>
         <p:nvSpPr>
-          <p:cNvPr id="460" name="Google Shape;460;g109ac5da2f8_0_54:notes"/>
+          <p:cNvPr id="461" name="Google Shape;461;g109ac5da2f8_0_61:notes"/>
           <p:cNvSpPr/>
           <p:nvPr>
             <p:ph idx="2" type="sldImg"/>
@@ -7724,7 +7726,7 @@
       </p:sp>
       <p:sp>
         <p:nvSpPr>
-          <p:cNvPr id="461" name="Google Shape;461;g109ac5da2f8_0_54:notes"/>
+          <p:cNvPr id="462" name="Google Shape;462;g109ac5da2f8_0_61:notes"/>
           <p:cNvSpPr txBox="1"/>
           <p:nvPr>
             <p:ph idx="1" type="body"/>
@@ -7763,7 +7765,7 @@
       </p:sp>
       <p:sp>
         <p:nvSpPr>
-          <p:cNvPr id="462" name="Google Shape;462;g109ac5da2f8_0_54:notes"/>
+          <p:cNvPr id="463" name="Google Shape;463;g109ac5da2f8_0_61:notes"/>
           <p:cNvSpPr txBox="1"/>
           <p:nvPr>
             <p:ph idx="12" type="sldNum"/>
@@ -7838,7 +7840,305 @@
       </p:grpSpPr>
       <p:sp>
         <p:nvSpPr>
-          <p:cNvPr id="468" name="Google Shape;468;p3:notes"/>
+          <p:cNvPr id="468" name="Google Shape;468;g109ac5da2f8_0_54:notes"/>
+          <p:cNvSpPr/>
+          <p:nvPr>
+            <p:ph idx="2" type="sldImg"/>
+          </p:nvPr>
+        </p:nvSpPr>
+        <p:spPr>
+          <a:xfrm>
+            <a:off x="2286000" y="514350"/>
+            <a:ext cx="4572000" cy="2571600"/>
+          </a:xfrm>
+          <a:custGeom>
+            <a:rect b="b" l="l" r="r" t="t"/>
+            <a:pathLst>
+              <a:path extrusionOk="0" h="120000" w="120000">
+                <a:moveTo>
+                  <a:pt x="0" y="0"/>
+                </a:moveTo>
+                <a:lnTo>
+                  <a:pt x="120000" y="0"/>
+                </a:lnTo>
+                <a:lnTo>
+                  <a:pt x="120000" y="120000"/>
+                </a:lnTo>
+                <a:lnTo>
+                  <a:pt x="0" y="120000"/>
+                </a:lnTo>
+                <a:close/>
+              </a:path>
+            </a:pathLst>
+          </a:custGeom>
+        </p:spPr>
+      </p:sp>
+      <p:sp>
+        <p:nvSpPr>
+          <p:cNvPr id="469" name="Google Shape;469;g109ac5da2f8_0_54:notes"/>
+          <p:cNvSpPr txBox="1"/>
+          <p:nvPr>
+            <p:ph idx="1" type="body"/>
+          </p:nvPr>
+        </p:nvSpPr>
+        <p:spPr>
+          <a:xfrm>
+            <a:off x="1219200" y="3257550"/>
+            <a:ext cx="6705600" cy="3086100"/>
+          </a:xfrm>
+          <a:prstGeom prst="rect">
+            <a:avLst/>
+          </a:prstGeom>
+        </p:spPr>
+        <p:txBody>
+          <a:bodyPr anchorCtr="0" anchor="t" bIns="45700" lIns="91425" spcFirstLastPara="1" rIns="91425" wrap="square" tIns="45700">
+            <a:noAutofit/>
+          </a:bodyPr>
+          <a:lstStyle/>
+          <a:p>
+            <a:pPr indent="0" lvl="0" marL="0" rtl="0" algn="l">
+              <a:spcBef>
+                <a:spcPts val="0"/>
+              </a:spcBef>
+              <a:spcAft>
+                <a:spcPts val="0"/>
+              </a:spcAft>
+              <a:buNone/>
+            </a:pPr>
+            <a:r>
+              <a:t/>
+            </a:r>
+            <a:endParaRPr/>
+          </a:p>
+        </p:txBody>
+      </p:sp>
+      <p:sp>
+        <p:nvSpPr>
+          <p:cNvPr id="470" name="Google Shape;470;g109ac5da2f8_0_54:notes"/>
+          <p:cNvSpPr txBox="1"/>
+          <p:nvPr>
+            <p:ph idx="12" type="sldNum"/>
+          </p:nvPr>
+        </p:nvSpPr>
+        <p:spPr>
+          <a:xfrm>
+            <a:off x="5181600" y="6515100"/>
+            <a:ext cx="3962400" cy="342900"/>
+          </a:xfrm>
+          <a:prstGeom prst="rect">
+            <a:avLst/>
+          </a:prstGeom>
+        </p:spPr>
+        <p:txBody>
+          <a:bodyPr anchorCtr="0" anchor="b" bIns="45700" lIns="91425" spcFirstLastPara="1" rIns="91425" wrap="square" tIns="45700">
+            <a:noAutofit/>
+          </a:bodyPr>
+          <a:lstStyle/>
+          <a:p>
+            <a:pPr indent="0" lvl="0" marL="0" rtl="0" algn="r">
+              <a:spcBef>
+                <a:spcPts val="0"/>
+              </a:spcBef>
+              <a:spcAft>
+                <a:spcPts val="0"/>
+              </a:spcAft>
+              <a:buClr>
+                <a:srgbClr val="000000"/>
+              </a:buClr>
+              <a:buSzPts val="1200"/>
+              <a:buFont typeface="Times"/>
+              <a:buNone/>
+            </a:pPr>
+            <a:fld id="{00000000-1234-1234-1234-123412341234}" type="slidenum">
+              <a:rPr lang="en-US"/>
+              <a:t>‹#›</a:t>
+            </a:fld>
+            <a:endParaRPr sz="1400">
+              <a:latin typeface="Arial"/>
+              <a:ea typeface="Arial"/>
+              <a:cs typeface="Arial"/>
+              <a:sym typeface="Arial"/>
+            </a:endParaRPr>
+          </a:p>
+        </p:txBody>
+      </p:sp>
+    </p:spTree>
+  </p:cSld>
+  <p:clrMapOvr>
+    <a:masterClrMapping/>
+  </p:clrMapOvr>
+</p:notes>
+</file>
+
+<file path=ppt/notesSlides/notesSlide48.xml><?xml version="1.0" encoding="utf-8"?>
+<p:notes xmlns:a="http://schemas.openxmlformats.org/drawingml/2006/main" xmlns:r="http://schemas.openxmlformats.org/officeDocument/2006/relationships" xmlns:mc="http://schemas.openxmlformats.org/markup-compatibility/2006" xmlns:mv="urn:schemas-microsoft-com:mac:vml" xmlns:p="http://schemas.openxmlformats.org/presentationml/2006/main" xmlns:c="http://schemas.openxmlformats.org/drawingml/2006/chart" xmlns:dgm="http://schemas.openxmlformats.org/drawingml/2006/diagram" xmlns:o="urn:schemas-microsoft-com:office:office" xmlns:v="urn:schemas-microsoft-com:vml" xmlns:pvml="urn:schemas-microsoft-com:office:powerpoint" xmlns:com="http://schemas.openxmlformats.org/drawingml/2006/compatibility" xmlns:p14="http://schemas.microsoft.com/office/powerpoint/2010/main" xmlns:p15="http://schemas.microsoft.com/office/powerpoint/2012/main" xmlns:ahyp="http://schemas.microsoft.com/office/drawing/2018/hyperlinkcolor" showMasterPhAnim="0" showMasterSp="0">
+  <p:cSld>
+    <p:spTree>
+      <p:nvGrpSpPr>
+        <p:cNvPr id="475" name="Shape 475"/>
+        <p:cNvGrpSpPr/>
+        <p:nvPr/>
+      </p:nvGrpSpPr>
+      <p:grpSpPr>
+        <a:xfrm>
+          <a:off x="0" y="0"/>
+          <a:ext cx="0" cy="0"/>
+          <a:chOff x="0" y="0"/>
+          <a:chExt cx="0" cy="0"/>
+        </a:xfrm>
+      </p:grpSpPr>
+      <p:sp>
+        <p:nvSpPr>
+          <p:cNvPr id="476" name="Google Shape;476;gd0051f9399_0_13:notes"/>
+          <p:cNvSpPr/>
+          <p:nvPr>
+            <p:ph idx="2" type="sldImg"/>
+          </p:nvPr>
+        </p:nvSpPr>
+        <p:spPr>
+          <a:xfrm>
+            <a:off x="2286000" y="514350"/>
+            <a:ext cx="4572000" cy="2571600"/>
+          </a:xfrm>
+          <a:custGeom>
+            <a:rect b="b" l="l" r="r" t="t"/>
+            <a:pathLst>
+              <a:path extrusionOk="0" h="120000" w="120000">
+                <a:moveTo>
+                  <a:pt x="0" y="0"/>
+                </a:moveTo>
+                <a:lnTo>
+                  <a:pt x="120000" y="0"/>
+                </a:lnTo>
+                <a:lnTo>
+                  <a:pt x="120000" y="120000"/>
+                </a:lnTo>
+                <a:lnTo>
+                  <a:pt x="0" y="120000"/>
+                </a:lnTo>
+                <a:close/>
+              </a:path>
+            </a:pathLst>
+          </a:custGeom>
+        </p:spPr>
+      </p:sp>
+      <p:sp>
+        <p:nvSpPr>
+          <p:cNvPr id="477" name="Google Shape;477;gd0051f9399_0_13:notes"/>
+          <p:cNvSpPr txBox="1"/>
+          <p:nvPr>
+            <p:ph idx="1" type="body"/>
+          </p:nvPr>
+        </p:nvSpPr>
+        <p:spPr>
+          <a:xfrm>
+            <a:off x="1219200" y="3257550"/>
+            <a:ext cx="6705600" cy="3086100"/>
+          </a:xfrm>
+          <a:prstGeom prst="rect">
+            <a:avLst/>
+          </a:prstGeom>
+        </p:spPr>
+        <p:txBody>
+          <a:bodyPr anchorCtr="0" anchor="t" bIns="45700" lIns="91425" spcFirstLastPara="1" rIns="91425" wrap="square" tIns="45700">
+            <a:noAutofit/>
+          </a:bodyPr>
+          <a:lstStyle/>
+          <a:p>
+            <a:pPr indent="0" lvl="0" marL="0" rtl="0" algn="l">
+              <a:spcBef>
+                <a:spcPts val="0"/>
+              </a:spcBef>
+              <a:spcAft>
+                <a:spcPts val="0"/>
+              </a:spcAft>
+              <a:buNone/>
+            </a:pPr>
+            <a:r>
+              <a:t/>
+            </a:r>
+            <a:endParaRPr/>
+          </a:p>
+        </p:txBody>
+      </p:sp>
+      <p:sp>
+        <p:nvSpPr>
+          <p:cNvPr id="478" name="Google Shape;478;gd0051f9399_0_13:notes"/>
+          <p:cNvSpPr txBox="1"/>
+          <p:nvPr>
+            <p:ph idx="12" type="sldNum"/>
+          </p:nvPr>
+        </p:nvSpPr>
+        <p:spPr>
+          <a:xfrm>
+            <a:off x="5181600" y="6515100"/>
+            <a:ext cx="3962400" cy="342900"/>
+          </a:xfrm>
+          <a:prstGeom prst="rect">
+            <a:avLst/>
+          </a:prstGeom>
+        </p:spPr>
+        <p:txBody>
+          <a:bodyPr anchorCtr="0" anchor="b" bIns="45700" lIns="91425" spcFirstLastPara="1" rIns="91425" wrap="square" tIns="45700">
+            <a:noAutofit/>
+          </a:bodyPr>
+          <a:lstStyle/>
+          <a:p>
+            <a:pPr indent="0" lvl="0" marL="0" rtl="0" algn="r">
+              <a:spcBef>
+                <a:spcPts val="0"/>
+              </a:spcBef>
+              <a:spcAft>
+                <a:spcPts val="0"/>
+              </a:spcAft>
+              <a:buClr>
+                <a:srgbClr val="000000"/>
+              </a:buClr>
+              <a:buSzPts val="1200"/>
+              <a:buFont typeface="Times"/>
+              <a:buNone/>
+            </a:pPr>
+            <a:fld id="{00000000-1234-1234-1234-123412341234}" type="slidenum">
+              <a:rPr lang="en-US"/>
+              <a:t>‹#›</a:t>
+            </a:fld>
+            <a:endParaRPr sz="1400">
+              <a:latin typeface="Arial"/>
+              <a:ea typeface="Arial"/>
+              <a:cs typeface="Arial"/>
+              <a:sym typeface="Arial"/>
+            </a:endParaRPr>
+          </a:p>
+        </p:txBody>
+      </p:sp>
+    </p:spTree>
+  </p:cSld>
+  <p:clrMapOvr>
+    <a:masterClrMapping/>
+  </p:clrMapOvr>
+</p:notes>
+</file>
+
+<file path=ppt/notesSlides/notesSlide49.xml><?xml version="1.0" encoding="utf-8"?>
+<p:notes xmlns:a="http://schemas.openxmlformats.org/drawingml/2006/main" xmlns:r="http://schemas.openxmlformats.org/officeDocument/2006/relationships" xmlns:mc="http://schemas.openxmlformats.org/markup-compatibility/2006" xmlns:mv="urn:schemas-microsoft-com:mac:vml" xmlns:p="http://schemas.openxmlformats.org/presentationml/2006/main" xmlns:c="http://schemas.openxmlformats.org/drawingml/2006/chart" xmlns:dgm="http://schemas.openxmlformats.org/drawingml/2006/diagram" xmlns:o="urn:schemas-microsoft-com:office:office" xmlns:v="urn:schemas-microsoft-com:vml" xmlns:pvml="urn:schemas-microsoft-com:office:powerpoint" xmlns:com="http://schemas.openxmlformats.org/drawingml/2006/compatibility" xmlns:p14="http://schemas.microsoft.com/office/powerpoint/2010/main" xmlns:p15="http://schemas.microsoft.com/office/powerpoint/2012/main" xmlns:ahyp="http://schemas.microsoft.com/office/drawing/2018/hyperlinkcolor" showMasterPhAnim="0" showMasterSp="0">
+  <p:cSld>
+    <p:spTree>
+      <p:nvGrpSpPr>
+        <p:cNvPr id="482" name="Shape 482"/>
+        <p:cNvGrpSpPr/>
+        <p:nvPr/>
+      </p:nvGrpSpPr>
+      <p:grpSpPr>
+        <a:xfrm>
+          <a:off x="0" y="0"/>
+          <a:ext cx="0" cy="0"/>
+          <a:chOff x="0" y="0"/>
+          <a:chExt cx="0" cy="0"/>
+        </a:xfrm>
+      </p:grpSpPr>
+      <p:sp>
+        <p:nvSpPr>
+          <p:cNvPr id="483" name="Google Shape;483;p3:notes"/>
           <p:cNvSpPr txBox="1"/>
           <p:nvPr>
             <p:ph idx="1" type="body"/>
@@ -7885,7 +8185,7 @@
       </p:sp>
       <p:sp>
         <p:nvSpPr>
-          <p:cNvPr id="469" name="Google Shape;469;p3:notes"/>
+          <p:cNvPr id="484" name="Google Shape;484;p3:notes"/>
           <p:cNvSpPr/>
           <p:nvPr>
             <p:ph idx="2" type="sldImg"/>
@@ -7927,329 +8227,6 @@
             <a:tailEnd len="sm" w="sm" type="none"/>
           </a:ln>
         </p:spPr>
-      </p:sp>
-    </p:spTree>
-  </p:cSld>
-  <p:clrMapOvr>
-    <a:masterClrMapping/>
-  </p:clrMapOvr>
-</p:notes>
-</file>
-
-<file path=ppt/notesSlides/notesSlide48.xml><?xml version="1.0" encoding="utf-8"?>
-<p:notes xmlns:a="http://schemas.openxmlformats.org/drawingml/2006/main" xmlns:r="http://schemas.openxmlformats.org/officeDocument/2006/relationships" xmlns:mc="http://schemas.openxmlformats.org/markup-compatibility/2006" xmlns:mv="urn:schemas-microsoft-com:mac:vml" xmlns:p="http://schemas.openxmlformats.org/presentationml/2006/main" xmlns:c="http://schemas.openxmlformats.org/drawingml/2006/chart" xmlns:dgm="http://schemas.openxmlformats.org/drawingml/2006/diagram" xmlns:o="urn:schemas-microsoft-com:office:office" xmlns:v="urn:schemas-microsoft-com:vml" xmlns:pvml="urn:schemas-microsoft-com:office:powerpoint" xmlns:com="http://schemas.openxmlformats.org/drawingml/2006/compatibility" xmlns:p14="http://schemas.microsoft.com/office/powerpoint/2010/main" xmlns:p15="http://schemas.microsoft.com/office/powerpoint/2012/main" xmlns:ahyp="http://schemas.microsoft.com/office/drawing/2018/hyperlinkcolor" showMasterPhAnim="0" showMasterSp="0">
-  <p:cSld>
-    <p:spTree>
-      <p:nvGrpSpPr>
-        <p:cNvPr id="473" name="Shape 473"/>
-        <p:cNvGrpSpPr/>
-        <p:nvPr/>
-      </p:nvGrpSpPr>
-      <p:grpSpPr>
-        <a:xfrm>
-          <a:off x="0" y="0"/>
-          <a:ext cx="0" cy="0"/>
-          <a:chOff x="0" y="0"/>
-          <a:chExt cx="0" cy="0"/>
-        </a:xfrm>
-      </p:grpSpPr>
-      <p:sp>
-        <p:nvSpPr>
-          <p:cNvPr id="474" name="Google Shape;474;p4:notes"/>
-          <p:cNvSpPr/>
-          <p:nvPr>
-            <p:ph idx="2" type="sldImg"/>
-          </p:nvPr>
-        </p:nvSpPr>
-        <p:spPr>
-          <a:xfrm>
-            <a:off x="2286000" y="514350"/>
-            <a:ext cx="4572000" cy="2571600"/>
-          </a:xfrm>
-          <a:custGeom>
-            <a:rect b="b" l="l" r="r" t="t"/>
-            <a:pathLst>
-              <a:path extrusionOk="0" h="120000" w="120000">
-                <a:moveTo>
-                  <a:pt x="0" y="0"/>
-                </a:moveTo>
-                <a:lnTo>
-                  <a:pt x="120000" y="0"/>
-                </a:lnTo>
-                <a:lnTo>
-                  <a:pt x="120000" y="120000"/>
-                </a:lnTo>
-                <a:lnTo>
-                  <a:pt x="0" y="120000"/>
-                </a:lnTo>
-                <a:close/>
-              </a:path>
-            </a:pathLst>
-          </a:custGeom>
-          <a:noFill/>
-          <a:ln cap="flat" cmpd="sng" w="9525">
-            <a:solidFill>
-              <a:srgbClr val="000000"/>
-            </a:solidFill>
-            <a:prstDash val="solid"/>
-            <a:miter lim="800000"/>
-            <a:headEnd len="sm" w="sm" type="none"/>
-            <a:tailEnd len="sm" w="sm" type="none"/>
-          </a:ln>
-        </p:spPr>
-      </p:sp>
-      <p:sp>
-        <p:nvSpPr>
-          <p:cNvPr id="475" name="Google Shape;475;p4:notes"/>
-          <p:cNvSpPr txBox="1"/>
-          <p:nvPr>
-            <p:ph idx="1" type="body"/>
-          </p:nvPr>
-        </p:nvSpPr>
-        <p:spPr>
-          <a:xfrm>
-            <a:off x="1219200" y="3257550"/>
-            <a:ext cx="6705600" cy="3086100"/>
-          </a:xfrm>
-          <a:prstGeom prst="rect">
-            <a:avLst/>
-          </a:prstGeom>
-          <a:noFill/>
-          <a:ln>
-            <a:noFill/>
-          </a:ln>
-        </p:spPr>
-        <p:txBody>
-          <a:bodyPr anchorCtr="0" anchor="t" bIns="45700" lIns="91425" spcFirstLastPara="1" rIns="91425" wrap="square" tIns="45700">
-            <a:noAutofit/>
-          </a:bodyPr>
-          <a:lstStyle/>
-          <a:p>
-            <a:pPr indent="0" lvl="0" marL="0" rtl="0" algn="l">
-              <a:lnSpc>
-                <a:spcPct val="100000"/>
-              </a:lnSpc>
-              <a:spcBef>
-                <a:spcPts val="0"/>
-              </a:spcBef>
-              <a:spcAft>
-                <a:spcPts val="0"/>
-              </a:spcAft>
-              <a:buSzPts val="1400"/>
-              <a:buNone/>
-            </a:pPr>
-            <a:r>
-              <a:t/>
-            </a:r>
-            <a:endParaRPr/>
-          </a:p>
-        </p:txBody>
-      </p:sp>
-      <p:sp>
-        <p:nvSpPr>
-          <p:cNvPr id="476" name="Google Shape;476;p4:notes"/>
-          <p:cNvSpPr txBox="1"/>
-          <p:nvPr>
-            <p:ph idx="12" type="sldNum"/>
-          </p:nvPr>
-        </p:nvSpPr>
-        <p:spPr>
-          <a:xfrm>
-            <a:off x="5181600" y="6515100"/>
-            <a:ext cx="3962400" cy="342900"/>
-          </a:xfrm>
-          <a:prstGeom prst="rect">
-            <a:avLst/>
-          </a:prstGeom>
-          <a:noFill/>
-          <a:ln>
-            <a:noFill/>
-          </a:ln>
-        </p:spPr>
-        <p:txBody>
-          <a:bodyPr anchorCtr="0" anchor="b" bIns="45700" lIns="91425" spcFirstLastPara="1" rIns="91425" wrap="square" tIns="45700">
-            <a:noAutofit/>
-          </a:bodyPr>
-          <a:lstStyle/>
-          <a:p>
-            <a:pPr indent="0" lvl="0" marL="0" rtl="0" algn="r">
-              <a:lnSpc>
-                <a:spcPct val="100000"/>
-              </a:lnSpc>
-              <a:spcBef>
-                <a:spcPts val="0"/>
-              </a:spcBef>
-              <a:spcAft>
-                <a:spcPts val="0"/>
-              </a:spcAft>
-              <a:buClr>
-                <a:srgbClr val="000000"/>
-              </a:buClr>
-              <a:buSzPts val="1200"/>
-              <a:buFont typeface="Times"/>
-              <a:buNone/>
-            </a:pPr>
-            <a:fld id="{00000000-1234-1234-1234-123412341234}" type="slidenum">
-              <a:rPr lang="en-US"/>
-              <a:t>‹#›</a:t>
-            </a:fld>
-            <a:endParaRPr sz="1400">
-              <a:latin typeface="Arial"/>
-              <a:ea typeface="Arial"/>
-              <a:cs typeface="Arial"/>
-              <a:sym typeface="Arial"/>
-            </a:endParaRPr>
-          </a:p>
-        </p:txBody>
-      </p:sp>
-    </p:spTree>
-  </p:cSld>
-  <p:clrMapOvr>
-    <a:masterClrMapping/>
-  </p:clrMapOvr>
-</p:notes>
-</file>
-
-<file path=ppt/notesSlides/notesSlide49.xml><?xml version="1.0" encoding="utf-8"?>
-<p:notes xmlns:a="http://schemas.openxmlformats.org/drawingml/2006/main" xmlns:r="http://schemas.openxmlformats.org/officeDocument/2006/relationships" xmlns:mc="http://schemas.openxmlformats.org/markup-compatibility/2006" xmlns:mv="urn:schemas-microsoft-com:mac:vml" xmlns:p="http://schemas.openxmlformats.org/presentationml/2006/main" xmlns:c="http://schemas.openxmlformats.org/drawingml/2006/chart" xmlns:dgm="http://schemas.openxmlformats.org/drawingml/2006/diagram" xmlns:o="urn:schemas-microsoft-com:office:office" xmlns:v="urn:schemas-microsoft-com:vml" xmlns:pvml="urn:schemas-microsoft-com:office:powerpoint" xmlns:com="http://schemas.openxmlformats.org/drawingml/2006/compatibility" xmlns:p14="http://schemas.microsoft.com/office/powerpoint/2010/main" xmlns:p15="http://schemas.microsoft.com/office/powerpoint/2012/main" xmlns:ahyp="http://schemas.microsoft.com/office/drawing/2018/hyperlinkcolor" showMasterPhAnim="0" showMasterSp="0">
-  <p:cSld>
-    <p:spTree>
-      <p:nvGrpSpPr>
-        <p:cNvPr id="480" name="Shape 480"/>
-        <p:cNvGrpSpPr/>
-        <p:nvPr/>
-      </p:nvGrpSpPr>
-      <p:grpSpPr>
-        <a:xfrm>
-          <a:off x="0" y="0"/>
-          <a:ext cx="0" cy="0"/>
-          <a:chOff x="0" y="0"/>
-          <a:chExt cx="0" cy="0"/>
-        </a:xfrm>
-      </p:grpSpPr>
-      <p:sp>
-        <p:nvSpPr>
-          <p:cNvPr id="481" name="Google Shape;481;g10a01a67745_0_7:notes"/>
-          <p:cNvSpPr/>
-          <p:nvPr>
-            <p:ph idx="2" type="sldImg"/>
-          </p:nvPr>
-        </p:nvSpPr>
-        <p:spPr>
-          <a:xfrm>
-            <a:off x="2286000" y="514350"/>
-            <a:ext cx="4572000" cy="2571600"/>
-          </a:xfrm>
-          <a:custGeom>
-            <a:rect b="b" l="l" r="r" t="t"/>
-            <a:pathLst>
-              <a:path extrusionOk="0" h="120000" w="120000">
-                <a:moveTo>
-                  <a:pt x="0" y="0"/>
-                </a:moveTo>
-                <a:lnTo>
-                  <a:pt x="120000" y="0"/>
-                </a:lnTo>
-                <a:lnTo>
-                  <a:pt x="120000" y="120000"/>
-                </a:lnTo>
-                <a:lnTo>
-                  <a:pt x="0" y="120000"/>
-                </a:lnTo>
-                <a:close/>
-              </a:path>
-            </a:pathLst>
-          </a:custGeom>
-        </p:spPr>
-      </p:sp>
-      <p:sp>
-        <p:nvSpPr>
-          <p:cNvPr id="482" name="Google Shape;482;g10a01a67745_0_7:notes"/>
-          <p:cNvSpPr txBox="1"/>
-          <p:nvPr>
-            <p:ph idx="1" type="body"/>
-          </p:nvPr>
-        </p:nvSpPr>
-        <p:spPr>
-          <a:xfrm>
-            <a:off x="1219200" y="3257550"/>
-            <a:ext cx="6705600" cy="3086100"/>
-          </a:xfrm>
-          <a:prstGeom prst="rect">
-            <a:avLst/>
-          </a:prstGeom>
-        </p:spPr>
-        <p:txBody>
-          <a:bodyPr anchorCtr="0" anchor="t" bIns="45700" lIns="91425" spcFirstLastPara="1" rIns="91425" wrap="square" tIns="45700">
-            <a:noAutofit/>
-          </a:bodyPr>
-          <a:lstStyle/>
-          <a:p>
-            <a:pPr indent="0" lvl="0" marL="0" rtl="0" algn="l">
-              <a:spcBef>
-                <a:spcPts val="0"/>
-              </a:spcBef>
-              <a:spcAft>
-                <a:spcPts val="0"/>
-              </a:spcAft>
-              <a:buNone/>
-            </a:pPr>
-            <a:r>
-              <a:t/>
-            </a:r>
-            <a:endParaRPr/>
-          </a:p>
-        </p:txBody>
-      </p:sp>
-      <p:sp>
-        <p:nvSpPr>
-          <p:cNvPr id="483" name="Google Shape;483;g10a01a67745_0_7:notes"/>
-          <p:cNvSpPr txBox="1"/>
-          <p:nvPr>
-            <p:ph idx="12" type="sldNum"/>
-          </p:nvPr>
-        </p:nvSpPr>
-        <p:spPr>
-          <a:xfrm>
-            <a:off x="5181600" y="6515100"/>
-            <a:ext cx="3962400" cy="342900"/>
-          </a:xfrm>
-          <a:prstGeom prst="rect">
-            <a:avLst/>
-          </a:prstGeom>
-        </p:spPr>
-        <p:txBody>
-          <a:bodyPr anchorCtr="0" anchor="b" bIns="45700" lIns="91425" spcFirstLastPara="1" rIns="91425" wrap="square" tIns="45700">
-            <a:noAutofit/>
-          </a:bodyPr>
-          <a:lstStyle/>
-          <a:p>
-            <a:pPr indent="0" lvl="0" marL="0" rtl="0" algn="r">
-              <a:spcBef>
-                <a:spcPts val="0"/>
-              </a:spcBef>
-              <a:spcAft>
-                <a:spcPts val="0"/>
-              </a:spcAft>
-              <a:buClr>
-                <a:srgbClr val="000000"/>
-              </a:buClr>
-              <a:buSzPts val="1200"/>
-              <a:buFont typeface="Times"/>
-              <a:buNone/>
-            </a:pPr>
-            <a:fld id="{00000000-1234-1234-1234-123412341234}" type="slidenum">
-              <a:rPr lang="en-US"/>
-              <a:t>‹#›</a:t>
-            </a:fld>
-            <a:endParaRPr sz="1400">
-              <a:latin typeface="Arial"/>
-              <a:ea typeface="Arial"/>
-              <a:cs typeface="Arial"/>
-              <a:sym typeface="Arial"/>
-            </a:endParaRPr>
-          </a:p>
-        </p:txBody>
       </p:sp>
     </p:spTree>
   </p:cSld>
@@ -8413,7 +8390,7 @@
   <p:cSld>
     <p:spTree>
       <p:nvGrpSpPr>
-        <p:cNvPr id="487" name="Shape 487"/>
+        <p:cNvPr id="488" name="Shape 488"/>
         <p:cNvGrpSpPr/>
         <p:nvPr/>
       </p:nvGrpSpPr>
@@ -8427,7 +8404,181 @@
       </p:grpSpPr>
       <p:sp>
         <p:nvSpPr>
-          <p:cNvPr id="488" name="Google Shape;488;g10a01a67745_0_15:notes"/>
+          <p:cNvPr id="489" name="Google Shape;489;p4:notes"/>
+          <p:cNvSpPr/>
+          <p:nvPr>
+            <p:ph idx="2" type="sldImg"/>
+          </p:nvPr>
+        </p:nvSpPr>
+        <p:spPr>
+          <a:xfrm>
+            <a:off x="2286000" y="514350"/>
+            <a:ext cx="4572000" cy="2571600"/>
+          </a:xfrm>
+          <a:custGeom>
+            <a:rect b="b" l="l" r="r" t="t"/>
+            <a:pathLst>
+              <a:path extrusionOk="0" h="120000" w="120000">
+                <a:moveTo>
+                  <a:pt x="0" y="0"/>
+                </a:moveTo>
+                <a:lnTo>
+                  <a:pt x="120000" y="0"/>
+                </a:lnTo>
+                <a:lnTo>
+                  <a:pt x="120000" y="120000"/>
+                </a:lnTo>
+                <a:lnTo>
+                  <a:pt x="0" y="120000"/>
+                </a:lnTo>
+                <a:close/>
+              </a:path>
+            </a:pathLst>
+          </a:custGeom>
+          <a:noFill/>
+          <a:ln cap="flat" cmpd="sng" w="9525">
+            <a:solidFill>
+              <a:srgbClr val="000000"/>
+            </a:solidFill>
+            <a:prstDash val="solid"/>
+            <a:miter lim="800000"/>
+            <a:headEnd len="sm" w="sm" type="none"/>
+            <a:tailEnd len="sm" w="sm" type="none"/>
+          </a:ln>
+        </p:spPr>
+      </p:sp>
+      <p:sp>
+        <p:nvSpPr>
+          <p:cNvPr id="490" name="Google Shape;490;p4:notes"/>
+          <p:cNvSpPr txBox="1"/>
+          <p:nvPr>
+            <p:ph idx="1" type="body"/>
+          </p:nvPr>
+        </p:nvSpPr>
+        <p:spPr>
+          <a:xfrm>
+            <a:off x="1219200" y="3257550"/>
+            <a:ext cx="6705600" cy="3086100"/>
+          </a:xfrm>
+          <a:prstGeom prst="rect">
+            <a:avLst/>
+          </a:prstGeom>
+          <a:noFill/>
+          <a:ln>
+            <a:noFill/>
+          </a:ln>
+        </p:spPr>
+        <p:txBody>
+          <a:bodyPr anchorCtr="0" anchor="t" bIns="45700" lIns="91425" spcFirstLastPara="1" rIns="91425" wrap="square" tIns="45700">
+            <a:noAutofit/>
+          </a:bodyPr>
+          <a:lstStyle/>
+          <a:p>
+            <a:pPr indent="0" lvl="0" marL="0" rtl="0" algn="l">
+              <a:lnSpc>
+                <a:spcPct val="100000"/>
+              </a:lnSpc>
+              <a:spcBef>
+                <a:spcPts val="0"/>
+              </a:spcBef>
+              <a:spcAft>
+                <a:spcPts val="0"/>
+              </a:spcAft>
+              <a:buSzPts val="1400"/>
+              <a:buNone/>
+            </a:pPr>
+            <a:r>
+              <a:t/>
+            </a:r>
+            <a:endParaRPr/>
+          </a:p>
+        </p:txBody>
+      </p:sp>
+      <p:sp>
+        <p:nvSpPr>
+          <p:cNvPr id="491" name="Google Shape;491;p4:notes"/>
+          <p:cNvSpPr txBox="1"/>
+          <p:nvPr>
+            <p:ph idx="12" type="sldNum"/>
+          </p:nvPr>
+        </p:nvSpPr>
+        <p:spPr>
+          <a:xfrm>
+            <a:off x="5181600" y="6515100"/>
+            <a:ext cx="3962400" cy="342900"/>
+          </a:xfrm>
+          <a:prstGeom prst="rect">
+            <a:avLst/>
+          </a:prstGeom>
+          <a:noFill/>
+          <a:ln>
+            <a:noFill/>
+          </a:ln>
+        </p:spPr>
+        <p:txBody>
+          <a:bodyPr anchorCtr="0" anchor="b" bIns="45700" lIns="91425" spcFirstLastPara="1" rIns="91425" wrap="square" tIns="45700">
+            <a:noAutofit/>
+          </a:bodyPr>
+          <a:lstStyle/>
+          <a:p>
+            <a:pPr indent="0" lvl="0" marL="0" rtl="0" algn="r">
+              <a:lnSpc>
+                <a:spcPct val="100000"/>
+              </a:lnSpc>
+              <a:spcBef>
+                <a:spcPts val="0"/>
+              </a:spcBef>
+              <a:spcAft>
+                <a:spcPts val="0"/>
+              </a:spcAft>
+              <a:buClr>
+                <a:srgbClr val="000000"/>
+              </a:buClr>
+              <a:buSzPts val="1200"/>
+              <a:buFont typeface="Times"/>
+              <a:buNone/>
+            </a:pPr>
+            <a:fld id="{00000000-1234-1234-1234-123412341234}" type="slidenum">
+              <a:rPr lang="en-US"/>
+              <a:t>‹#›</a:t>
+            </a:fld>
+            <a:endParaRPr sz="1400">
+              <a:latin typeface="Arial"/>
+              <a:ea typeface="Arial"/>
+              <a:cs typeface="Arial"/>
+              <a:sym typeface="Arial"/>
+            </a:endParaRPr>
+          </a:p>
+        </p:txBody>
+      </p:sp>
+    </p:spTree>
+  </p:cSld>
+  <p:clrMapOvr>
+    <a:masterClrMapping/>
+  </p:clrMapOvr>
+</p:notes>
+</file>
+
+<file path=ppt/notesSlides/notesSlide51.xml><?xml version="1.0" encoding="utf-8"?>
+<p:notes xmlns:a="http://schemas.openxmlformats.org/drawingml/2006/main" xmlns:r="http://schemas.openxmlformats.org/officeDocument/2006/relationships" xmlns:mc="http://schemas.openxmlformats.org/markup-compatibility/2006" xmlns:mv="urn:schemas-microsoft-com:mac:vml" xmlns:p="http://schemas.openxmlformats.org/presentationml/2006/main" xmlns:c="http://schemas.openxmlformats.org/drawingml/2006/chart" xmlns:dgm="http://schemas.openxmlformats.org/drawingml/2006/diagram" xmlns:o="urn:schemas-microsoft-com:office:office" xmlns:v="urn:schemas-microsoft-com:vml" xmlns:pvml="urn:schemas-microsoft-com:office:powerpoint" xmlns:com="http://schemas.openxmlformats.org/drawingml/2006/compatibility" xmlns:p14="http://schemas.microsoft.com/office/powerpoint/2010/main" xmlns:p15="http://schemas.microsoft.com/office/powerpoint/2012/main" xmlns:ahyp="http://schemas.microsoft.com/office/drawing/2018/hyperlinkcolor" showMasterPhAnim="0" showMasterSp="0">
+  <p:cSld>
+    <p:spTree>
+      <p:nvGrpSpPr>
+        <p:cNvPr id="495" name="Shape 495"/>
+        <p:cNvGrpSpPr/>
+        <p:nvPr/>
+      </p:nvGrpSpPr>
+      <p:grpSpPr>
+        <a:xfrm>
+          <a:off x="0" y="0"/>
+          <a:ext cx="0" cy="0"/>
+          <a:chOff x="0" y="0"/>
+          <a:chExt cx="0" cy="0"/>
+        </a:xfrm>
+      </p:grpSpPr>
+      <p:sp>
+        <p:nvSpPr>
+          <p:cNvPr id="496" name="Google Shape;496;g10a01a67745_0_7:notes"/>
           <p:cNvSpPr/>
           <p:nvPr>
             <p:ph idx="2" type="sldImg"/>
@@ -8462,7 +8613,7 @@
       </p:sp>
       <p:sp>
         <p:nvSpPr>
-          <p:cNvPr id="489" name="Google Shape;489;g10a01a67745_0_15:notes"/>
+          <p:cNvPr id="497" name="Google Shape;497;g10a01a67745_0_7:notes"/>
           <p:cNvSpPr txBox="1"/>
           <p:nvPr>
             <p:ph idx="1" type="body"/>
@@ -8501,7 +8652,7 @@
       </p:sp>
       <p:sp>
         <p:nvSpPr>
-          <p:cNvPr id="490" name="Google Shape;490;g10a01a67745_0_15:notes"/>
+          <p:cNvPr id="498" name="Google Shape;498;g10a01a67745_0_7:notes"/>
           <p:cNvSpPr txBox="1"/>
           <p:nvPr>
             <p:ph idx="12" type="sldNum"/>
@@ -8557,12 +8708,12 @@
 </p:notes>
 </file>
 
-<file path=ppt/notesSlides/notesSlide51.xml><?xml version="1.0" encoding="utf-8"?>
+<file path=ppt/notesSlides/notesSlide52.xml><?xml version="1.0" encoding="utf-8"?>
 <p:notes xmlns:a="http://schemas.openxmlformats.org/drawingml/2006/main" xmlns:r="http://schemas.openxmlformats.org/officeDocument/2006/relationships" xmlns:mc="http://schemas.openxmlformats.org/markup-compatibility/2006" xmlns:mv="urn:schemas-microsoft-com:mac:vml" xmlns:p="http://schemas.openxmlformats.org/presentationml/2006/main" xmlns:c="http://schemas.openxmlformats.org/drawingml/2006/chart" xmlns:dgm="http://schemas.openxmlformats.org/drawingml/2006/diagram" xmlns:o="urn:schemas-microsoft-com:office:office" xmlns:v="urn:schemas-microsoft-com:vml" xmlns:pvml="urn:schemas-microsoft-com:office:powerpoint" xmlns:com="http://schemas.openxmlformats.org/drawingml/2006/compatibility" xmlns:p14="http://schemas.microsoft.com/office/powerpoint/2010/main" xmlns:p15="http://schemas.microsoft.com/office/powerpoint/2012/main" xmlns:ahyp="http://schemas.microsoft.com/office/drawing/2018/hyperlinkcolor" showMasterPhAnim="0" showMasterSp="0">
   <p:cSld>
     <p:spTree>
       <p:nvGrpSpPr>
-        <p:cNvPr id="494" name="Shape 494"/>
+        <p:cNvPr id="502" name="Shape 502"/>
         <p:cNvGrpSpPr/>
         <p:nvPr/>
       </p:nvGrpSpPr>
@@ -8576,7 +8727,7 @@
       </p:grpSpPr>
       <p:sp>
         <p:nvSpPr>
-          <p:cNvPr id="495" name="Google Shape;495;g10a01a67745_0_25:notes"/>
+          <p:cNvPr id="503" name="Google Shape;503;g10a01a67745_0_15:notes"/>
           <p:cNvSpPr/>
           <p:nvPr>
             <p:ph idx="2" type="sldImg"/>
@@ -8611,7 +8762,7 @@
       </p:sp>
       <p:sp>
         <p:nvSpPr>
-          <p:cNvPr id="496" name="Google Shape;496;g10a01a67745_0_25:notes"/>
+          <p:cNvPr id="504" name="Google Shape;504;g10a01a67745_0_15:notes"/>
           <p:cNvSpPr txBox="1"/>
           <p:nvPr>
             <p:ph idx="1" type="body"/>
@@ -8650,7 +8801,7 @@
       </p:sp>
       <p:sp>
         <p:nvSpPr>
-          <p:cNvPr id="497" name="Google Shape;497;g10a01a67745_0_25:notes"/>
+          <p:cNvPr id="505" name="Google Shape;505;g10a01a67745_0_15:notes"/>
           <p:cNvSpPr txBox="1"/>
           <p:nvPr>
             <p:ph idx="12" type="sldNum"/>
@@ -8706,12 +8857,12 @@
 </p:notes>
 </file>
 
-<file path=ppt/notesSlides/notesSlide52.xml><?xml version="1.0" encoding="utf-8"?>
+<file path=ppt/notesSlides/notesSlide53.xml><?xml version="1.0" encoding="utf-8"?>
 <p:notes xmlns:a="http://schemas.openxmlformats.org/drawingml/2006/main" xmlns:r="http://schemas.openxmlformats.org/officeDocument/2006/relationships" xmlns:mc="http://schemas.openxmlformats.org/markup-compatibility/2006" xmlns:mv="urn:schemas-microsoft-com:mac:vml" xmlns:p="http://schemas.openxmlformats.org/presentationml/2006/main" xmlns:c="http://schemas.openxmlformats.org/drawingml/2006/chart" xmlns:dgm="http://schemas.openxmlformats.org/drawingml/2006/diagram" xmlns:o="urn:schemas-microsoft-com:office:office" xmlns:v="urn:schemas-microsoft-com:vml" xmlns:pvml="urn:schemas-microsoft-com:office:powerpoint" xmlns:com="http://schemas.openxmlformats.org/drawingml/2006/compatibility" xmlns:p14="http://schemas.microsoft.com/office/powerpoint/2010/main" xmlns:p15="http://schemas.microsoft.com/office/powerpoint/2012/main" xmlns:ahyp="http://schemas.microsoft.com/office/drawing/2018/hyperlinkcolor" showMasterPhAnim="0" showMasterSp="0">
   <p:cSld>
     <p:spTree>
       <p:nvGrpSpPr>
-        <p:cNvPr id="501" name="Shape 501"/>
+        <p:cNvPr id="509" name="Shape 509"/>
         <p:cNvGrpSpPr/>
         <p:nvPr/>
       </p:nvGrpSpPr>
@@ -8725,7 +8876,7 @@
       </p:grpSpPr>
       <p:sp>
         <p:nvSpPr>
-          <p:cNvPr id="502" name="Google Shape;502;g109878f9710_0_5:notes"/>
+          <p:cNvPr id="510" name="Google Shape;510;g10a01a67745_0_25:notes"/>
           <p:cNvSpPr/>
           <p:nvPr>
             <p:ph idx="2" type="sldImg"/>
@@ -8760,7 +8911,7 @@
       </p:sp>
       <p:sp>
         <p:nvSpPr>
-          <p:cNvPr id="503" name="Google Shape;503;g109878f9710_0_5:notes"/>
+          <p:cNvPr id="511" name="Google Shape;511;g10a01a67745_0_25:notes"/>
           <p:cNvSpPr txBox="1"/>
           <p:nvPr>
             <p:ph idx="1" type="body"/>
@@ -8799,7 +8950,7 @@
       </p:sp>
       <p:sp>
         <p:nvSpPr>
-          <p:cNvPr id="504" name="Google Shape;504;g109878f9710_0_5:notes"/>
+          <p:cNvPr id="512" name="Google Shape;512;g10a01a67745_0_25:notes"/>
           <p:cNvSpPr txBox="1"/>
           <p:nvPr>
             <p:ph idx="12" type="sldNum"/>
@@ -8855,12 +9006,12 @@
 </p:notes>
 </file>
 
-<file path=ppt/notesSlides/notesSlide53.xml><?xml version="1.0" encoding="utf-8"?>
+<file path=ppt/notesSlides/notesSlide54.xml><?xml version="1.0" encoding="utf-8"?>
 <p:notes xmlns:a="http://schemas.openxmlformats.org/drawingml/2006/main" xmlns:r="http://schemas.openxmlformats.org/officeDocument/2006/relationships" xmlns:mc="http://schemas.openxmlformats.org/markup-compatibility/2006" xmlns:mv="urn:schemas-microsoft-com:mac:vml" xmlns:p="http://schemas.openxmlformats.org/presentationml/2006/main" xmlns:c="http://schemas.openxmlformats.org/drawingml/2006/chart" xmlns:dgm="http://schemas.openxmlformats.org/drawingml/2006/diagram" xmlns:o="urn:schemas-microsoft-com:office:office" xmlns:v="urn:schemas-microsoft-com:vml" xmlns:pvml="urn:schemas-microsoft-com:office:powerpoint" xmlns:com="http://schemas.openxmlformats.org/drawingml/2006/compatibility" xmlns:p14="http://schemas.microsoft.com/office/powerpoint/2010/main" xmlns:p15="http://schemas.microsoft.com/office/powerpoint/2012/main" xmlns:ahyp="http://schemas.microsoft.com/office/drawing/2018/hyperlinkcolor" showMasterPhAnim="0" showMasterSp="0">
   <p:cSld>
     <p:spTree>
       <p:nvGrpSpPr>
-        <p:cNvPr id="508" name="Shape 508"/>
+        <p:cNvPr id="516" name="Shape 516"/>
         <p:cNvGrpSpPr/>
         <p:nvPr/>
       </p:nvGrpSpPr>
@@ -8874,7 +9025,7 @@
       </p:grpSpPr>
       <p:sp>
         <p:nvSpPr>
-          <p:cNvPr id="509" name="Google Shape;509;g109878f9710_0_29:notes"/>
+          <p:cNvPr id="517" name="Google Shape;517;g109878f9710_0_5:notes"/>
           <p:cNvSpPr/>
           <p:nvPr>
             <p:ph idx="2" type="sldImg"/>
@@ -8909,7 +9060,7 @@
       </p:sp>
       <p:sp>
         <p:nvSpPr>
-          <p:cNvPr id="510" name="Google Shape;510;g109878f9710_0_29:notes"/>
+          <p:cNvPr id="518" name="Google Shape;518;g109878f9710_0_5:notes"/>
           <p:cNvSpPr txBox="1"/>
           <p:nvPr>
             <p:ph idx="1" type="body"/>
@@ -8948,7 +9099,7 @@
       </p:sp>
       <p:sp>
         <p:nvSpPr>
-          <p:cNvPr id="511" name="Google Shape;511;g109878f9710_0_29:notes"/>
+          <p:cNvPr id="519" name="Google Shape;519;g109878f9710_0_5:notes"/>
           <p:cNvSpPr txBox="1"/>
           <p:nvPr>
             <p:ph idx="12" type="sldNum"/>
@@ -9004,12 +9155,12 @@
 </p:notes>
 </file>
 
-<file path=ppt/notesSlides/notesSlide54.xml><?xml version="1.0" encoding="utf-8"?>
+<file path=ppt/notesSlides/notesSlide55.xml><?xml version="1.0" encoding="utf-8"?>
 <p:notes xmlns:a="http://schemas.openxmlformats.org/drawingml/2006/main" xmlns:r="http://schemas.openxmlformats.org/officeDocument/2006/relationships" xmlns:mc="http://schemas.openxmlformats.org/markup-compatibility/2006" xmlns:mv="urn:schemas-microsoft-com:mac:vml" xmlns:p="http://schemas.openxmlformats.org/presentationml/2006/main" xmlns:c="http://schemas.openxmlformats.org/drawingml/2006/chart" xmlns:dgm="http://schemas.openxmlformats.org/drawingml/2006/diagram" xmlns:o="urn:schemas-microsoft-com:office:office" xmlns:v="urn:schemas-microsoft-com:vml" xmlns:pvml="urn:schemas-microsoft-com:office:powerpoint" xmlns:com="http://schemas.openxmlformats.org/drawingml/2006/compatibility" xmlns:p14="http://schemas.microsoft.com/office/powerpoint/2010/main" xmlns:p15="http://schemas.microsoft.com/office/powerpoint/2012/main" xmlns:ahyp="http://schemas.microsoft.com/office/drawing/2018/hyperlinkcolor" showMasterPhAnim="0" showMasterSp="0">
   <p:cSld>
     <p:spTree>
       <p:nvGrpSpPr>
-        <p:cNvPr id="515" name="Shape 515"/>
+        <p:cNvPr id="523" name="Shape 523"/>
         <p:cNvGrpSpPr/>
         <p:nvPr/>
       </p:nvGrpSpPr>
@@ -9023,7 +9174,156 @@
       </p:grpSpPr>
       <p:sp>
         <p:nvSpPr>
-          <p:cNvPr id="516" name="Google Shape;516;p14:notes"/>
+          <p:cNvPr id="524" name="Google Shape;524;g109878f9710_0_29:notes"/>
+          <p:cNvSpPr/>
+          <p:nvPr>
+            <p:ph idx="2" type="sldImg"/>
+          </p:nvPr>
+        </p:nvSpPr>
+        <p:spPr>
+          <a:xfrm>
+            <a:off x="2286000" y="514350"/>
+            <a:ext cx="4572000" cy="2571600"/>
+          </a:xfrm>
+          <a:custGeom>
+            <a:rect b="b" l="l" r="r" t="t"/>
+            <a:pathLst>
+              <a:path extrusionOk="0" h="120000" w="120000">
+                <a:moveTo>
+                  <a:pt x="0" y="0"/>
+                </a:moveTo>
+                <a:lnTo>
+                  <a:pt x="120000" y="0"/>
+                </a:lnTo>
+                <a:lnTo>
+                  <a:pt x="120000" y="120000"/>
+                </a:lnTo>
+                <a:lnTo>
+                  <a:pt x="0" y="120000"/>
+                </a:lnTo>
+                <a:close/>
+              </a:path>
+            </a:pathLst>
+          </a:custGeom>
+        </p:spPr>
+      </p:sp>
+      <p:sp>
+        <p:nvSpPr>
+          <p:cNvPr id="525" name="Google Shape;525;g109878f9710_0_29:notes"/>
+          <p:cNvSpPr txBox="1"/>
+          <p:nvPr>
+            <p:ph idx="1" type="body"/>
+          </p:nvPr>
+        </p:nvSpPr>
+        <p:spPr>
+          <a:xfrm>
+            <a:off x="1219200" y="3257550"/>
+            <a:ext cx="6705600" cy="3086100"/>
+          </a:xfrm>
+          <a:prstGeom prst="rect">
+            <a:avLst/>
+          </a:prstGeom>
+        </p:spPr>
+        <p:txBody>
+          <a:bodyPr anchorCtr="0" anchor="t" bIns="45700" lIns="91425" spcFirstLastPara="1" rIns="91425" wrap="square" tIns="45700">
+            <a:noAutofit/>
+          </a:bodyPr>
+          <a:lstStyle/>
+          <a:p>
+            <a:pPr indent="0" lvl="0" marL="0" rtl="0" algn="l">
+              <a:spcBef>
+                <a:spcPts val="0"/>
+              </a:spcBef>
+              <a:spcAft>
+                <a:spcPts val="0"/>
+              </a:spcAft>
+              <a:buNone/>
+            </a:pPr>
+            <a:r>
+              <a:t/>
+            </a:r>
+            <a:endParaRPr/>
+          </a:p>
+        </p:txBody>
+      </p:sp>
+      <p:sp>
+        <p:nvSpPr>
+          <p:cNvPr id="526" name="Google Shape;526;g109878f9710_0_29:notes"/>
+          <p:cNvSpPr txBox="1"/>
+          <p:nvPr>
+            <p:ph idx="12" type="sldNum"/>
+          </p:nvPr>
+        </p:nvSpPr>
+        <p:spPr>
+          <a:xfrm>
+            <a:off x="5181600" y="6515100"/>
+            <a:ext cx="3962400" cy="342900"/>
+          </a:xfrm>
+          <a:prstGeom prst="rect">
+            <a:avLst/>
+          </a:prstGeom>
+        </p:spPr>
+        <p:txBody>
+          <a:bodyPr anchorCtr="0" anchor="b" bIns="45700" lIns="91425" spcFirstLastPara="1" rIns="91425" wrap="square" tIns="45700">
+            <a:noAutofit/>
+          </a:bodyPr>
+          <a:lstStyle/>
+          <a:p>
+            <a:pPr indent="0" lvl="0" marL="0" rtl="0" algn="r">
+              <a:spcBef>
+                <a:spcPts val="0"/>
+              </a:spcBef>
+              <a:spcAft>
+                <a:spcPts val="0"/>
+              </a:spcAft>
+              <a:buClr>
+                <a:srgbClr val="000000"/>
+              </a:buClr>
+              <a:buSzPts val="1200"/>
+              <a:buFont typeface="Times"/>
+              <a:buNone/>
+            </a:pPr>
+            <a:fld id="{00000000-1234-1234-1234-123412341234}" type="slidenum">
+              <a:rPr lang="en-US"/>
+              <a:t>‹#›</a:t>
+            </a:fld>
+            <a:endParaRPr sz="1400">
+              <a:latin typeface="Arial"/>
+              <a:ea typeface="Arial"/>
+              <a:cs typeface="Arial"/>
+              <a:sym typeface="Arial"/>
+            </a:endParaRPr>
+          </a:p>
+        </p:txBody>
+      </p:sp>
+    </p:spTree>
+  </p:cSld>
+  <p:clrMapOvr>
+    <a:masterClrMapping/>
+  </p:clrMapOvr>
+</p:notes>
+</file>
+
+<file path=ppt/notesSlides/notesSlide56.xml><?xml version="1.0" encoding="utf-8"?>
+<p:notes xmlns:a="http://schemas.openxmlformats.org/drawingml/2006/main" xmlns:r="http://schemas.openxmlformats.org/officeDocument/2006/relationships" xmlns:mc="http://schemas.openxmlformats.org/markup-compatibility/2006" xmlns:mv="urn:schemas-microsoft-com:mac:vml" xmlns:p="http://schemas.openxmlformats.org/presentationml/2006/main" xmlns:c="http://schemas.openxmlformats.org/drawingml/2006/chart" xmlns:dgm="http://schemas.openxmlformats.org/drawingml/2006/diagram" xmlns:o="urn:schemas-microsoft-com:office:office" xmlns:v="urn:schemas-microsoft-com:vml" xmlns:pvml="urn:schemas-microsoft-com:office:powerpoint" xmlns:com="http://schemas.openxmlformats.org/drawingml/2006/compatibility" xmlns:p14="http://schemas.microsoft.com/office/powerpoint/2010/main" xmlns:p15="http://schemas.microsoft.com/office/powerpoint/2012/main" xmlns:ahyp="http://schemas.microsoft.com/office/drawing/2018/hyperlinkcolor" showMasterPhAnim="0" showMasterSp="0">
+  <p:cSld>
+    <p:spTree>
+      <p:nvGrpSpPr>
+        <p:cNvPr id="530" name="Shape 530"/>
+        <p:cNvGrpSpPr/>
+        <p:nvPr/>
+      </p:nvGrpSpPr>
+      <p:grpSpPr>
+        <a:xfrm>
+          <a:off x="0" y="0"/>
+          <a:ext cx="0" cy="0"/>
+          <a:chOff x="0" y="0"/>
+          <a:chExt cx="0" cy="0"/>
+        </a:xfrm>
+      </p:grpSpPr>
+      <p:sp>
+        <p:nvSpPr>
+          <p:cNvPr id="531" name="Google Shape;531;p14:notes"/>
           <p:cNvSpPr txBox="1"/>
           <p:nvPr>
             <p:ph idx="1" type="body"/>
@@ -9070,7 +9370,7 @@
       </p:sp>
       <p:sp>
         <p:nvSpPr>
-          <p:cNvPr id="517" name="Google Shape;517;p14:notes"/>
+          <p:cNvPr id="532" name="Google Shape;532;p14:notes"/>
           <p:cNvSpPr/>
           <p:nvPr>
             <p:ph idx="2" type="sldImg"/>
@@ -30743,7 +31043,7 @@
             <a:endParaRPr sz="2000"/>
           </a:p>
           <a:p>
-            <a:pPr indent="0" lvl="0" marL="0" rtl="0" algn="l">
+            <a:pPr indent="457200" lvl="0" marL="0" rtl="0" algn="l">
               <a:spcBef>
                 <a:spcPts val="500"/>
               </a:spcBef>
@@ -30759,12 +31059,12 @@
             </a:pPr>
             <a:r>
               <a:rPr lang="en-US" sz="2000"/>
-              <a:t>    Rectangle * this_ = (Rectangle *)this; /* explicit downcast */</a:t>
+              <a:t>Rectangle * this_ = (Rectangle *)this; /* explicit downcast */</a:t>
             </a:r>
             <a:endParaRPr sz="2000"/>
           </a:p>
           <a:p>
-            <a:pPr indent="0" lvl="0" marL="0" rtl="0" algn="l">
+            <a:pPr indent="457200" lvl="0" marL="0" rtl="0" algn="l">
               <a:spcBef>
                 <a:spcPts val="500"/>
               </a:spcBef>
@@ -30780,7 +31080,7 @@
             </a:pPr>
             <a:r>
               <a:rPr lang="en-US" sz="2000"/>
-              <a:t>    printf("Rectangle_draw_(x=%f2,y=%f2,width=%f2,height=%f2)\n", Shape_getx(this), Shape_gety(this), this_-&gt;__width, this_-&gt;__height);</a:t>
+              <a:t>printf("Rectangle_draw_(x=%f2,y=%f2,width=%f2,height=%f2)\n", Shape_getx(this), Shape_gety(this), this_-&gt;__width, this_-&gt;__height);</a:t>
             </a:r>
             <a:endParaRPr sz="2000"/>
           </a:p>
@@ -32285,7 +32585,7 @@
             </a:r>
             <a:r>
               <a:rPr lang="en-US" sz="1200"/>
-              <a:t>or (i = 0, i &lt; nShapes, i++) {</a:t>
+              <a:t>or (i = 0, i &lt; nShapes, i++) { /* shapes[i] = &amp;circle.super or &amp;rect.super */ </a:t>
             </a:r>
             <a:endParaRPr sz="1200"/>
           </a:p>
@@ -32463,7 +32763,7 @@
             </a:pPr>
             <a:r>
               <a:rPr lang="en-US"/>
-              <a:t>struct studentTicket;</a:t>
+              <a:t>void (*fly)(Bird* this);</a:t>
             </a:r>
             <a:endParaRPr/>
           </a:p>
@@ -32479,7 +32779,7 @@
             </a:pPr>
             <a:r>
               <a:rPr lang="en-US"/>
-              <a:t>} Child;</a:t>
+              <a:t>} Bird;</a:t>
             </a:r>
             <a:endParaRPr/>
           </a:p>
@@ -32521,7 +32821,11 @@
             </a:pPr>
             <a:r>
               <a:rPr lang="en-US"/>
-              <a:t>Child super;</a:t>
+              <a:t>Bird</a:t>
+            </a:r>
+            <a:r>
+              <a:rPr lang="en-US"/>
+              <a:t> super;</a:t>
             </a:r>
             <a:endParaRPr/>
           </a:p>
@@ -32542,11 +32846,11 @@
             </a:pPr>
             <a:r>
               <a:rPr lang="en-US"/>
-              <a:t>/* how do I use </a:t>
+              <a:t>/* can </a:t>
             </a:r>
             <a:r>
               <a:rPr lang="en-US"/>
-              <a:t>studentTicket?</a:t>
+              <a:t>Ostrich fly?</a:t>
             </a:r>
             <a:r>
               <a:rPr lang="en-US"/>
@@ -32571,7 +32875,7 @@
             </a:pPr>
             <a:r>
               <a:rPr lang="en-US"/>
-              <a:t>} Adult;</a:t>
+              <a:t>} Ostrich;</a:t>
             </a:r>
             <a:endParaRPr/>
           </a:p>
@@ -32737,7 +33041,7 @@
             </a:pPr>
             <a:r>
               <a:rPr lang="en-US"/>
-              <a:t>Interface segregation principle (bad)</a:t>
+              <a:t>Liskov substitution principle (fixed)</a:t>
             </a:r>
             <a:endParaRPr/>
           </a:p>
@@ -32746,6 +33050,239 @@
       <p:sp>
         <p:nvSpPr>
           <p:cNvPr id="333" name="Google Shape;333;p46"/>
+          <p:cNvSpPr txBox="1"/>
+          <p:nvPr>
+            <p:ph idx="1" type="body"/>
+          </p:nvPr>
+        </p:nvSpPr>
+        <p:spPr>
+          <a:xfrm>
+            <a:off x="808038" y="1164165"/>
+            <a:ext cx="8140800" cy="3325500"/>
+          </a:xfrm>
+          <a:prstGeom prst="rect">
+            <a:avLst/>
+          </a:prstGeom>
+        </p:spPr>
+        <p:txBody>
+          <a:bodyPr anchorCtr="0" anchor="t" bIns="0" lIns="0" spcFirstLastPara="1" rIns="0" wrap="square" tIns="0">
+            <a:noAutofit/>
+          </a:bodyPr>
+          <a:lstStyle/>
+          <a:p>
+            <a:pPr indent="0" lvl="0" marL="0" rtl="0" algn="l">
+              <a:spcBef>
+                <a:spcPts val="500"/>
+              </a:spcBef>
+              <a:spcAft>
+                <a:spcPts val="0"/>
+              </a:spcAft>
+              <a:buNone/>
+            </a:pPr>
+            <a:r>
+              <a:rPr lang="en-US"/>
+              <a:t>/* remove fly function from Bird because </a:t>
+            </a:r>
+            <a:r>
+              <a:rPr lang="en-US">
+                <a:solidFill>
+                  <a:srgbClr val="FF6600"/>
+                </a:solidFill>
+              </a:rPr>
+              <a:t>not every Bird</a:t>
+            </a:r>
+            <a:r>
+              <a:rPr lang="en-US"/>
+              <a:t> can fly. If you have to keep the fly function, make sure that every object that inheritance Bird can fly (use all Bird method) */</a:t>
+            </a:r>
+            <a:endParaRPr/>
+          </a:p>
+          <a:p>
+            <a:pPr indent="0" lvl="0" marL="0" rtl="0" algn="l">
+              <a:spcBef>
+                <a:spcPts val="500"/>
+              </a:spcBef>
+              <a:spcAft>
+                <a:spcPts val="0"/>
+              </a:spcAft>
+              <a:buClr>
+                <a:schemeClr val="dk1"/>
+              </a:buClr>
+              <a:buSzPts val="1100"/>
+              <a:buFont typeface="Arial"/>
+              <a:buNone/>
+            </a:pPr>
+            <a:r>
+              <a:rPr lang="en-US"/>
+              <a:t>typedef struct {</a:t>
+            </a:r>
+            <a:endParaRPr/>
+          </a:p>
+          <a:p>
+            <a:pPr indent="457200" lvl="0" marL="0" rtl="0" algn="l">
+              <a:spcBef>
+                <a:spcPts val="500"/>
+              </a:spcBef>
+              <a:spcAft>
+                <a:spcPts val="0"/>
+              </a:spcAft>
+              <a:buClr>
+                <a:schemeClr val="dk1"/>
+              </a:buClr>
+              <a:buSzPts val="1100"/>
+              <a:buFont typeface="Arial"/>
+              <a:buNone/>
+            </a:pPr>
+            <a:r>
+              <a:rPr lang="en-US"/>
+              <a:t>void (*fly)(Bird* this);</a:t>
+            </a:r>
+            <a:endParaRPr/>
+          </a:p>
+          <a:p>
+            <a:pPr indent="0" lvl="0" marL="0" rtl="0" algn="l">
+              <a:spcBef>
+                <a:spcPts val="500"/>
+              </a:spcBef>
+              <a:spcAft>
+                <a:spcPts val="0"/>
+              </a:spcAft>
+              <a:buClr>
+                <a:schemeClr val="dk1"/>
+              </a:buClr>
+              <a:buSzPts val="1100"/>
+              <a:buFont typeface="Arial"/>
+              <a:buNone/>
+            </a:pPr>
+            <a:r>
+              <a:rPr lang="en-US"/>
+              <a:t>} Bird;</a:t>
+            </a:r>
+            <a:endParaRPr/>
+          </a:p>
+          <a:p>
+            <a:pPr indent="0" lvl="0" marL="0" rtl="0" algn="l">
+              <a:spcBef>
+                <a:spcPts val="500"/>
+              </a:spcBef>
+              <a:spcAft>
+                <a:spcPts val="0"/>
+              </a:spcAft>
+              <a:buNone/>
+            </a:pPr>
+            <a:r>
+              <a:rPr lang="en-US"/>
+              <a:t>typedef struct {</a:t>
+            </a:r>
+            <a:endParaRPr/>
+          </a:p>
+          <a:p>
+            <a:pPr indent="0" lvl="0" marL="0" rtl="0" algn="l">
+              <a:spcBef>
+                <a:spcPts val="500"/>
+              </a:spcBef>
+              <a:spcAft>
+                <a:spcPts val="0"/>
+              </a:spcAft>
+              <a:buClr>
+                <a:schemeClr val="dk1"/>
+              </a:buClr>
+              <a:buSzPts val="1100"/>
+              <a:buFont typeface="Arial"/>
+              <a:buNone/>
+            </a:pPr>
+            <a:r>
+              <a:rPr lang="en-US"/>
+              <a:t>	/* attributes for Ostrich */</a:t>
+            </a:r>
+            <a:endParaRPr/>
+          </a:p>
+          <a:p>
+            <a:pPr indent="0" lvl="0" marL="0" rtl="0" algn="l">
+              <a:spcBef>
+                <a:spcPts val="500"/>
+              </a:spcBef>
+              <a:spcAft>
+                <a:spcPts val="0"/>
+              </a:spcAft>
+              <a:buNone/>
+            </a:pPr>
+            <a:r>
+              <a:rPr lang="en-US"/>
+              <a:t>} Ostrich;</a:t>
+            </a:r>
+            <a:endParaRPr/>
+          </a:p>
+        </p:txBody>
+      </p:sp>
+    </p:spTree>
+  </p:cSld>
+  <p:clrMapOvr>
+    <a:masterClrMapping/>
+  </p:clrMapOvr>
+</p:sld>
+</file>
+
+<file path=ppt/slides/slide29.xml><?xml version="1.0" encoding="utf-8"?>
+<p:sld xmlns:a="http://schemas.openxmlformats.org/drawingml/2006/main" xmlns:r="http://schemas.openxmlformats.org/officeDocument/2006/relationships" xmlns:mc="http://schemas.openxmlformats.org/markup-compatibility/2006" xmlns:mv="urn:schemas-microsoft-com:mac:vml" xmlns:p="http://schemas.openxmlformats.org/presentationml/2006/main" xmlns:c="http://schemas.openxmlformats.org/drawingml/2006/chart" xmlns:dgm="http://schemas.openxmlformats.org/drawingml/2006/diagram" xmlns:o="urn:schemas-microsoft-com:office:office" xmlns:v="urn:schemas-microsoft-com:vml" xmlns:pvml="urn:schemas-microsoft-com:office:powerpoint" xmlns:com="http://schemas.openxmlformats.org/drawingml/2006/compatibility" xmlns:p14="http://schemas.microsoft.com/office/powerpoint/2010/main" xmlns:p15="http://schemas.microsoft.com/office/powerpoint/2012/main" xmlns:ahyp="http://schemas.microsoft.com/office/drawing/2018/hyperlinkcolor">
+  <p:cSld>
+    <p:spTree>
+      <p:nvGrpSpPr>
+        <p:cNvPr id="338" name="Shape 338"/>
+        <p:cNvGrpSpPr/>
+        <p:nvPr/>
+      </p:nvGrpSpPr>
+      <p:grpSpPr>
+        <a:xfrm>
+          <a:off x="0" y="0"/>
+          <a:ext cx="0" cy="0"/>
+          <a:chOff x="0" y="0"/>
+          <a:chExt cx="0" cy="0"/>
+        </a:xfrm>
+      </p:grpSpPr>
+      <p:sp>
+        <p:nvSpPr>
+          <p:cNvPr id="339" name="Google Shape;339;p47"/>
+          <p:cNvSpPr txBox="1"/>
+          <p:nvPr>
+            <p:ph type="title"/>
+          </p:nvPr>
+        </p:nvSpPr>
+        <p:spPr>
+          <a:xfrm>
+            <a:off x="808039" y="201077"/>
+            <a:ext cx="6569100" cy="446100"/>
+          </a:xfrm>
+          <a:prstGeom prst="rect">
+            <a:avLst/>
+          </a:prstGeom>
+        </p:spPr>
+        <p:txBody>
+          <a:bodyPr anchorCtr="0" anchor="t" bIns="0" lIns="0" spcFirstLastPara="1" rIns="0" wrap="square" tIns="0">
+            <a:noAutofit/>
+          </a:bodyPr>
+          <a:lstStyle/>
+          <a:p>
+            <a:pPr indent="0" lvl="0" marL="0" rtl="0" algn="l">
+              <a:spcBef>
+                <a:spcPts val="0"/>
+              </a:spcBef>
+              <a:spcAft>
+                <a:spcPts val="0"/>
+              </a:spcAft>
+              <a:buNone/>
+            </a:pPr>
+            <a:r>
+              <a:rPr lang="en-US"/>
+              <a:t>Interface segregation principle (bad)</a:t>
+            </a:r>
+            <a:endParaRPr/>
+          </a:p>
+        </p:txBody>
+      </p:sp>
+      <p:sp>
+        <p:nvSpPr>
+          <p:cNvPr id="340" name="Google Shape;340;p47"/>
           <p:cNvSpPr txBox="1"/>
           <p:nvPr>
             <p:ph idx="1" type="body"/>
@@ -32943,7 +33480,7 @@
       </p:sp>
       <p:sp>
         <p:nvSpPr>
-          <p:cNvPr id="334" name="Google Shape;334;p46"/>
+          <p:cNvPr id="341" name="Google Shape;341;p47"/>
           <p:cNvSpPr txBox="1"/>
           <p:nvPr/>
         </p:nvSpPr>
@@ -33039,347 +33576,6 @@
               <a:t/>
             </a:r>
             <a:endParaRPr sz="2000"/>
-          </a:p>
-        </p:txBody>
-      </p:sp>
-    </p:spTree>
-  </p:cSld>
-  <p:clrMapOvr>
-    <a:masterClrMapping/>
-  </p:clrMapOvr>
-</p:sld>
-</file>
-
-<file path=ppt/slides/slide29.xml><?xml version="1.0" encoding="utf-8"?>
-<p:sld xmlns:a="http://schemas.openxmlformats.org/drawingml/2006/main" xmlns:r="http://schemas.openxmlformats.org/officeDocument/2006/relationships" xmlns:mc="http://schemas.openxmlformats.org/markup-compatibility/2006" xmlns:mv="urn:schemas-microsoft-com:mac:vml" xmlns:p="http://schemas.openxmlformats.org/presentationml/2006/main" xmlns:c="http://schemas.openxmlformats.org/drawingml/2006/chart" xmlns:dgm="http://schemas.openxmlformats.org/drawingml/2006/diagram" xmlns:o="urn:schemas-microsoft-com:office:office" xmlns:v="urn:schemas-microsoft-com:vml" xmlns:pvml="urn:schemas-microsoft-com:office:powerpoint" xmlns:com="http://schemas.openxmlformats.org/drawingml/2006/compatibility" xmlns:p14="http://schemas.microsoft.com/office/powerpoint/2010/main" xmlns:p15="http://schemas.microsoft.com/office/powerpoint/2012/main" xmlns:ahyp="http://schemas.microsoft.com/office/drawing/2018/hyperlinkcolor">
-  <p:cSld>
-    <p:spTree>
-      <p:nvGrpSpPr>
-        <p:cNvPr id="339" name="Shape 339"/>
-        <p:cNvGrpSpPr/>
-        <p:nvPr/>
-      </p:nvGrpSpPr>
-      <p:grpSpPr>
-        <a:xfrm>
-          <a:off x="0" y="0"/>
-          <a:ext cx="0" cy="0"/>
-          <a:chOff x="0" y="0"/>
-          <a:chExt cx="0" cy="0"/>
-        </a:xfrm>
-      </p:grpSpPr>
-      <p:sp>
-        <p:nvSpPr>
-          <p:cNvPr id="340" name="Google Shape;340;p47"/>
-          <p:cNvSpPr txBox="1"/>
-          <p:nvPr>
-            <p:ph type="title"/>
-          </p:nvPr>
-        </p:nvSpPr>
-        <p:spPr>
-          <a:xfrm>
-            <a:off x="808039" y="201077"/>
-            <a:ext cx="6569100" cy="446100"/>
-          </a:xfrm>
-          <a:prstGeom prst="rect">
-            <a:avLst/>
-          </a:prstGeom>
-        </p:spPr>
-        <p:txBody>
-          <a:bodyPr anchorCtr="0" anchor="t" bIns="0" lIns="0" spcFirstLastPara="1" rIns="0" wrap="square" tIns="0">
-            <a:noAutofit/>
-          </a:bodyPr>
-          <a:lstStyle/>
-          <a:p>
-            <a:pPr indent="0" lvl="0" marL="0" rtl="0" algn="l">
-              <a:spcBef>
-                <a:spcPts val="0"/>
-              </a:spcBef>
-              <a:spcAft>
-                <a:spcPts val="0"/>
-              </a:spcAft>
-              <a:buNone/>
-            </a:pPr>
-            <a:r>
-              <a:rPr lang="en-US"/>
-              <a:t>Interface segregation principle (fixed)</a:t>
-            </a:r>
-            <a:endParaRPr/>
-          </a:p>
-        </p:txBody>
-      </p:sp>
-      <p:sp>
-        <p:nvSpPr>
-          <p:cNvPr id="341" name="Google Shape;341;p47"/>
-          <p:cNvSpPr txBox="1"/>
-          <p:nvPr>
-            <p:ph idx="1" type="body"/>
-          </p:nvPr>
-        </p:nvSpPr>
-        <p:spPr>
-          <a:xfrm>
-            <a:off x="808038" y="1164165"/>
-            <a:ext cx="8140800" cy="3325500"/>
-          </a:xfrm>
-          <a:prstGeom prst="rect">
-            <a:avLst/>
-          </a:prstGeom>
-        </p:spPr>
-        <p:txBody>
-          <a:bodyPr anchorCtr="0" anchor="t" bIns="0" lIns="0" spcFirstLastPara="1" rIns="0" wrap="square" tIns="0">
-            <a:noAutofit/>
-          </a:bodyPr>
-          <a:lstStyle/>
-          <a:p>
-            <a:pPr indent="0" lvl="0" marL="0" rtl="0" algn="l">
-              <a:spcBef>
-                <a:spcPts val="500"/>
-              </a:spcBef>
-              <a:spcAft>
-                <a:spcPts val="0"/>
-              </a:spcAft>
-              <a:buClr>
-                <a:schemeClr val="dk1"/>
-              </a:buClr>
-              <a:buSzPts val="1100"/>
-              <a:buFont typeface="Arial"/>
-              <a:buNone/>
-            </a:pPr>
-            <a:r>
-              <a:rPr lang="en-US" sz="1600"/>
-              <a:t>typedef struct {</a:t>
-            </a:r>
-            <a:endParaRPr sz="1600"/>
-          </a:p>
-          <a:p>
-            <a:pPr indent="0" lvl="0" marL="0" rtl="0" algn="l">
-              <a:spcBef>
-                <a:spcPts val="500"/>
-              </a:spcBef>
-              <a:spcAft>
-                <a:spcPts val="0"/>
-              </a:spcAft>
-              <a:buClr>
-                <a:schemeClr val="dk1"/>
-              </a:buClr>
-              <a:buSzPts val="1100"/>
-              <a:buFont typeface="Arial"/>
-              <a:buNone/>
-            </a:pPr>
-            <a:r>
-              <a:rPr lang="en-US" sz="1600"/>
-              <a:t>	Shape super;</a:t>
-            </a:r>
-            <a:endParaRPr sz="1600"/>
-          </a:p>
-          <a:p>
-            <a:pPr indent="457200" lvl="0" marL="0" rtl="0" algn="l">
-              <a:spcBef>
-                <a:spcPts val="500"/>
-              </a:spcBef>
-              <a:spcAft>
-                <a:spcPts val="0"/>
-              </a:spcAft>
-              <a:buClr>
-                <a:schemeClr val="dk1"/>
-              </a:buClr>
-              <a:buSzPts val="1100"/>
-              <a:buFont typeface="Arial"/>
-              <a:buNone/>
-            </a:pPr>
-            <a:r>
-              <a:rPr lang="en-US" sz="1600"/>
-              <a:t>/* Shape 2D attributes here */</a:t>
-            </a:r>
-            <a:endParaRPr sz="1600"/>
-          </a:p>
-          <a:p>
-            <a:pPr indent="0" lvl="0" marL="0" rtl="0" algn="l">
-              <a:spcBef>
-                <a:spcPts val="500"/>
-              </a:spcBef>
-              <a:spcAft>
-                <a:spcPts val="0"/>
-              </a:spcAft>
-              <a:buClr>
-                <a:schemeClr val="dk1"/>
-              </a:buClr>
-              <a:buSzPts val="1100"/>
-              <a:buFont typeface="Arial"/>
-              <a:buNone/>
-            </a:pPr>
-            <a:r>
-              <a:rPr lang="en-US" sz="1600"/>
-              <a:t>} 2DShape;</a:t>
-            </a:r>
-            <a:endParaRPr sz="1600"/>
-          </a:p>
-          <a:p>
-            <a:pPr indent="0" lvl="0" marL="0" rtl="0" algn="l">
-              <a:spcBef>
-                <a:spcPts val="500"/>
-              </a:spcBef>
-              <a:spcAft>
-                <a:spcPts val="0"/>
-              </a:spcAft>
-              <a:buClr>
-                <a:schemeClr val="dk1"/>
-              </a:buClr>
-              <a:buSzPts val="1100"/>
-              <a:buFont typeface="Arial"/>
-              <a:buNone/>
-            </a:pPr>
-            <a:r>
-              <a:rPr lang="en-US" sz="1600"/>
-              <a:t> typedef struct {</a:t>
-            </a:r>
-            <a:endParaRPr sz="1600"/>
-          </a:p>
-          <a:p>
-            <a:pPr indent="457200" lvl="0" marL="0" rtl="0" algn="l">
-              <a:spcBef>
-                <a:spcPts val="500"/>
-              </a:spcBef>
-              <a:spcAft>
-                <a:spcPts val="0"/>
-              </a:spcAft>
-              <a:buClr>
-                <a:schemeClr val="dk1"/>
-              </a:buClr>
-              <a:buSzPts val="1100"/>
-              <a:buFont typeface="Arial"/>
-              <a:buNone/>
-            </a:pPr>
-            <a:r>
-              <a:rPr lang="en-US" sz="1600"/>
-              <a:t>Shape super;</a:t>
-            </a:r>
-            <a:endParaRPr sz="1600"/>
-          </a:p>
-          <a:p>
-            <a:pPr indent="457200" lvl="0" marL="0" rtl="0" algn="l">
-              <a:spcBef>
-                <a:spcPts val="500"/>
-              </a:spcBef>
-              <a:spcAft>
-                <a:spcPts val="0"/>
-              </a:spcAft>
-              <a:buClr>
-                <a:schemeClr val="dk1"/>
-              </a:buClr>
-              <a:buSzPts val="1100"/>
-              <a:buFont typeface="Arial"/>
-              <a:buNone/>
-            </a:pPr>
-            <a:r>
-              <a:rPr lang="en-US" sz="1600"/>
-              <a:t>double (*volume)(Shape*); // 3D</a:t>
-            </a:r>
-            <a:endParaRPr sz="1600"/>
-          </a:p>
-          <a:p>
-            <a:pPr indent="0" lvl="0" marL="0" rtl="0" algn="l">
-              <a:spcBef>
-                <a:spcPts val="500"/>
-              </a:spcBef>
-              <a:spcAft>
-                <a:spcPts val="0"/>
-              </a:spcAft>
-              <a:buClr>
-                <a:schemeClr val="dk1"/>
-              </a:buClr>
-              <a:buSzPts val="1100"/>
-              <a:buFont typeface="Arial"/>
-              <a:buNone/>
-            </a:pPr>
-            <a:r>
-              <a:rPr lang="en-US" sz="1600"/>
-              <a:t>} 3DShape;</a:t>
-            </a:r>
-            <a:endParaRPr sz="1600"/>
-          </a:p>
-          <a:p>
-            <a:pPr indent="0" lvl="0" marL="0" rtl="0" algn="l">
-              <a:spcBef>
-                <a:spcPts val="500"/>
-              </a:spcBef>
-              <a:spcAft>
-                <a:spcPts val="0"/>
-              </a:spcAft>
-              <a:buClr>
-                <a:schemeClr val="dk1"/>
-              </a:buClr>
-              <a:buSzPts val="1100"/>
-              <a:buFont typeface="Arial"/>
-              <a:buNone/>
-            </a:pPr>
-            <a:r>
-              <a:rPr lang="en-US" sz="1600"/>
-              <a:t>typedef struct {</a:t>
-            </a:r>
-            <a:endParaRPr sz="1600"/>
-          </a:p>
-          <a:p>
-            <a:pPr indent="457200" lvl="0" marL="0" rtl="0" algn="l">
-              <a:spcBef>
-                <a:spcPts val="500"/>
-              </a:spcBef>
-              <a:spcAft>
-                <a:spcPts val="0"/>
-              </a:spcAft>
-              <a:buClr>
-                <a:schemeClr val="dk1"/>
-              </a:buClr>
-              <a:buSzPts val="1100"/>
-              <a:buFont typeface="Arial"/>
-              <a:buNone/>
-            </a:pPr>
-            <a:r>
-              <a:rPr lang="en-US" sz="1600"/>
-              <a:t>2DShape super; </a:t>
-            </a:r>
-            <a:endParaRPr sz="1600"/>
-          </a:p>
-          <a:p>
-            <a:pPr indent="0" lvl="0" marL="0" rtl="0" algn="l">
-              <a:spcBef>
-                <a:spcPts val="500"/>
-              </a:spcBef>
-              <a:spcAft>
-                <a:spcPts val="0"/>
-              </a:spcAft>
-              <a:buClr>
-                <a:schemeClr val="dk1"/>
-              </a:buClr>
-              <a:buSzPts val="1100"/>
-              <a:buFont typeface="Arial"/>
-              <a:buNone/>
-            </a:pPr>
-            <a:r>
-              <a:rPr lang="en-US" sz="1600"/>
-              <a:t>	/* attributes for Square object here */</a:t>
-            </a:r>
-            <a:endParaRPr sz="1600"/>
-          </a:p>
-          <a:p>
-            <a:pPr indent="0" lvl="0" marL="0" rtl="0" algn="l">
-              <a:spcBef>
-                <a:spcPts val="500"/>
-              </a:spcBef>
-              <a:spcAft>
-                <a:spcPts val="0"/>
-              </a:spcAft>
-              <a:buClr>
-                <a:schemeClr val="dk1"/>
-              </a:buClr>
-              <a:buSzPts val="1100"/>
-              <a:buFont typeface="Arial"/>
-              <a:buNone/>
-            </a:pPr>
-            <a:r>
-              <a:rPr lang="en-US" sz="1600"/>
-              <a:t>} Square;</a:t>
-            </a:r>
-            <a:endParaRPr sz="1600"/>
           </a:p>
         </p:txBody>
       </p:sp>
@@ -33546,7 +33742,7 @@
             </a:pPr>
             <a:r>
               <a:rPr lang="en-US"/>
-              <a:t>Dependency inversion principle (bad)</a:t>
+              <a:t>Interface segregation principle (fixed)</a:t>
             </a:r>
             <a:endParaRPr/>
           </a:p>
@@ -33555,6 +33751,347 @@
       <p:sp>
         <p:nvSpPr>
           <p:cNvPr id="348" name="Google Shape;348;p48"/>
+          <p:cNvSpPr txBox="1"/>
+          <p:nvPr>
+            <p:ph idx="1" type="body"/>
+          </p:nvPr>
+        </p:nvSpPr>
+        <p:spPr>
+          <a:xfrm>
+            <a:off x="808038" y="1164165"/>
+            <a:ext cx="8140800" cy="3325500"/>
+          </a:xfrm>
+          <a:prstGeom prst="rect">
+            <a:avLst/>
+          </a:prstGeom>
+        </p:spPr>
+        <p:txBody>
+          <a:bodyPr anchorCtr="0" anchor="t" bIns="0" lIns="0" spcFirstLastPara="1" rIns="0" wrap="square" tIns="0">
+            <a:noAutofit/>
+          </a:bodyPr>
+          <a:lstStyle/>
+          <a:p>
+            <a:pPr indent="0" lvl="0" marL="0" rtl="0" algn="l">
+              <a:spcBef>
+                <a:spcPts val="500"/>
+              </a:spcBef>
+              <a:spcAft>
+                <a:spcPts val="0"/>
+              </a:spcAft>
+              <a:buClr>
+                <a:schemeClr val="dk1"/>
+              </a:buClr>
+              <a:buSzPts val="1100"/>
+              <a:buFont typeface="Arial"/>
+              <a:buNone/>
+            </a:pPr>
+            <a:r>
+              <a:rPr lang="en-US" sz="1600"/>
+              <a:t>typedef struct {</a:t>
+            </a:r>
+            <a:endParaRPr sz="1600"/>
+          </a:p>
+          <a:p>
+            <a:pPr indent="0" lvl="0" marL="0" rtl="0" algn="l">
+              <a:spcBef>
+                <a:spcPts val="500"/>
+              </a:spcBef>
+              <a:spcAft>
+                <a:spcPts val="0"/>
+              </a:spcAft>
+              <a:buClr>
+                <a:schemeClr val="dk1"/>
+              </a:buClr>
+              <a:buSzPts val="1100"/>
+              <a:buFont typeface="Arial"/>
+              <a:buNone/>
+            </a:pPr>
+            <a:r>
+              <a:rPr lang="en-US" sz="1600"/>
+              <a:t>	Shape super;</a:t>
+            </a:r>
+            <a:endParaRPr sz="1600"/>
+          </a:p>
+          <a:p>
+            <a:pPr indent="457200" lvl="0" marL="0" rtl="0" algn="l">
+              <a:spcBef>
+                <a:spcPts val="500"/>
+              </a:spcBef>
+              <a:spcAft>
+                <a:spcPts val="0"/>
+              </a:spcAft>
+              <a:buClr>
+                <a:schemeClr val="dk1"/>
+              </a:buClr>
+              <a:buSzPts val="1100"/>
+              <a:buFont typeface="Arial"/>
+              <a:buNone/>
+            </a:pPr>
+            <a:r>
+              <a:rPr lang="en-US" sz="1600"/>
+              <a:t>/* exclusive 2D attributes here */</a:t>
+            </a:r>
+            <a:endParaRPr sz="1600"/>
+          </a:p>
+          <a:p>
+            <a:pPr indent="0" lvl="0" marL="0" rtl="0" algn="l">
+              <a:spcBef>
+                <a:spcPts val="500"/>
+              </a:spcBef>
+              <a:spcAft>
+                <a:spcPts val="0"/>
+              </a:spcAft>
+              <a:buClr>
+                <a:schemeClr val="dk1"/>
+              </a:buClr>
+              <a:buSzPts val="1100"/>
+              <a:buFont typeface="Arial"/>
+              <a:buNone/>
+            </a:pPr>
+            <a:r>
+              <a:rPr lang="en-US" sz="1600"/>
+              <a:t>} 2DShape;</a:t>
+            </a:r>
+            <a:endParaRPr sz="1600"/>
+          </a:p>
+          <a:p>
+            <a:pPr indent="0" lvl="0" marL="0" rtl="0" algn="l">
+              <a:spcBef>
+                <a:spcPts val="500"/>
+              </a:spcBef>
+              <a:spcAft>
+                <a:spcPts val="0"/>
+              </a:spcAft>
+              <a:buClr>
+                <a:schemeClr val="dk1"/>
+              </a:buClr>
+              <a:buSzPts val="1100"/>
+              <a:buFont typeface="Arial"/>
+              <a:buNone/>
+            </a:pPr>
+            <a:r>
+              <a:rPr lang="en-US" sz="1600"/>
+              <a:t> typedef struct {</a:t>
+            </a:r>
+            <a:endParaRPr sz="1600"/>
+          </a:p>
+          <a:p>
+            <a:pPr indent="457200" lvl="0" marL="0" rtl="0" algn="l">
+              <a:spcBef>
+                <a:spcPts val="500"/>
+              </a:spcBef>
+              <a:spcAft>
+                <a:spcPts val="0"/>
+              </a:spcAft>
+              <a:buClr>
+                <a:schemeClr val="dk1"/>
+              </a:buClr>
+              <a:buSzPts val="1100"/>
+              <a:buFont typeface="Arial"/>
+              <a:buNone/>
+            </a:pPr>
+            <a:r>
+              <a:rPr lang="en-US" sz="1600"/>
+              <a:t>Shape super;</a:t>
+            </a:r>
+            <a:endParaRPr sz="1600"/>
+          </a:p>
+          <a:p>
+            <a:pPr indent="457200" lvl="0" marL="0" rtl="0" algn="l">
+              <a:spcBef>
+                <a:spcPts val="500"/>
+              </a:spcBef>
+              <a:spcAft>
+                <a:spcPts val="0"/>
+              </a:spcAft>
+              <a:buClr>
+                <a:schemeClr val="dk1"/>
+              </a:buClr>
+              <a:buSzPts val="1100"/>
+              <a:buFont typeface="Arial"/>
+              <a:buNone/>
+            </a:pPr>
+            <a:r>
+              <a:rPr lang="en-US" sz="1600"/>
+              <a:t>double (*volume)(Shape*); /*an exclusive 3D attributes */</a:t>
+            </a:r>
+            <a:endParaRPr sz="1600"/>
+          </a:p>
+          <a:p>
+            <a:pPr indent="0" lvl="0" marL="0" rtl="0" algn="l">
+              <a:spcBef>
+                <a:spcPts val="500"/>
+              </a:spcBef>
+              <a:spcAft>
+                <a:spcPts val="0"/>
+              </a:spcAft>
+              <a:buClr>
+                <a:schemeClr val="dk1"/>
+              </a:buClr>
+              <a:buSzPts val="1100"/>
+              <a:buFont typeface="Arial"/>
+              <a:buNone/>
+            </a:pPr>
+            <a:r>
+              <a:rPr lang="en-US" sz="1600"/>
+              <a:t>} 3DShape;</a:t>
+            </a:r>
+            <a:endParaRPr sz="1600"/>
+          </a:p>
+          <a:p>
+            <a:pPr indent="0" lvl="0" marL="0" rtl="0" algn="l">
+              <a:spcBef>
+                <a:spcPts val="500"/>
+              </a:spcBef>
+              <a:spcAft>
+                <a:spcPts val="0"/>
+              </a:spcAft>
+              <a:buClr>
+                <a:schemeClr val="dk1"/>
+              </a:buClr>
+              <a:buSzPts val="1100"/>
+              <a:buFont typeface="Arial"/>
+              <a:buNone/>
+            </a:pPr>
+            <a:r>
+              <a:rPr lang="en-US" sz="1600"/>
+              <a:t>typedef struct {</a:t>
+            </a:r>
+            <a:endParaRPr sz="1600"/>
+          </a:p>
+          <a:p>
+            <a:pPr indent="457200" lvl="0" marL="0" rtl="0" algn="l">
+              <a:spcBef>
+                <a:spcPts val="500"/>
+              </a:spcBef>
+              <a:spcAft>
+                <a:spcPts val="0"/>
+              </a:spcAft>
+              <a:buClr>
+                <a:schemeClr val="dk1"/>
+              </a:buClr>
+              <a:buSzPts val="1100"/>
+              <a:buFont typeface="Arial"/>
+              <a:buNone/>
+            </a:pPr>
+            <a:r>
+              <a:rPr lang="en-US" sz="1600"/>
+              <a:t>2DShape super; </a:t>
+            </a:r>
+            <a:endParaRPr sz="1600"/>
+          </a:p>
+          <a:p>
+            <a:pPr indent="0" lvl="0" marL="0" rtl="0" algn="l">
+              <a:spcBef>
+                <a:spcPts val="500"/>
+              </a:spcBef>
+              <a:spcAft>
+                <a:spcPts val="0"/>
+              </a:spcAft>
+              <a:buClr>
+                <a:schemeClr val="dk1"/>
+              </a:buClr>
+              <a:buSzPts val="1100"/>
+              <a:buFont typeface="Arial"/>
+              <a:buNone/>
+            </a:pPr>
+            <a:r>
+              <a:rPr lang="en-US" sz="1600"/>
+              <a:t>	/* exclusive Square attributes here */</a:t>
+            </a:r>
+            <a:endParaRPr sz="1600"/>
+          </a:p>
+          <a:p>
+            <a:pPr indent="0" lvl="0" marL="0" rtl="0" algn="l">
+              <a:spcBef>
+                <a:spcPts val="500"/>
+              </a:spcBef>
+              <a:spcAft>
+                <a:spcPts val="0"/>
+              </a:spcAft>
+              <a:buClr>
+                <a:schemeClr val="dk1"/>
+              </a:buClr>
+              <a:buSzPts val="1100"/>
+              <a:buFont typeface="Arial"/>
+              <a:buNone/>
+            </a:pPr>
+            <a:r>
+              <a:rPr lang="en-US" sz="1600"/>
+              <a:t>} Square;</a:t>
+            </a:r>
+            <a:endParaRPr sz="1600"/>
+          </a:p>
+        </p:txBody>
+      </p:sp>
+    </p:spTree>
+  </p:cSld>
+  <p:clrMapOvr>
+    <a:masterClrMapping/>
+  </p:clrMapOvr>
+</p:sld>
+</file>
+
+<file path=ppt/slides/slide31.xml><?xml version="1.0" encoding="utf-8"?>
+<p:sld xmlns:a="http://schemas.openxmlformats.org/drawingml/2006/main" xmlns:r="http://schemas.openxmlformats.org/officeDocument/2006/relationships" xmlns:mc="http://schemas.openxmlformats.org/markup-compatibility/2006" xmlns:mv="urn:schemas-microsoft-com:mac:vml" xmlns:p="http://schemas.openxmlformats.org/presentationml/2006/main" xmlns:c="http://schemas.openxmlformats.org/drawingml/2006/chart" xmlns:dgm="http://schemas.openxmlformats.org/drawingml/2006/diagram" xmlns:o="urn:schemas-microsoft-com:office:office" xmlns:v="urn:schemas-microsoft-com:vml" xmlns:pvml="urn:schemas-microsoft-com:office:powerpoint" xmlns:com="http://schemas.openxmlformats.org/drawingml/2006/compatibility" xmlns:p14="http://schemas.microsoft.com/office/powerpoint/2010/main" xmlns:p15="http://schemas.microsoft.com/office/powerpoint/2012/main" xmlns:ahyp="http://schemas.microsoft.com/office/drawing/2018/hyperlinkcolor">
+  <p:cSld>
+    <p:spTree>
+      <p:nvGrpSpPr>
+        <p:cNvPr id="353" name="Shape 353"/>
+        <p:cNvGrpSpPr/>
+        <p:nvPr/>
+      </p:nvGrpSpPr>
+      <p:grpSpPr>
+        <a:xfrm>
+          <a:off x="0" y="0"/>
+          <a:ext cx="0" cy="0"/>
+          <a:chOff x="0" y="0"/>
+          <a:chExt cx="0" cy="0"/>
+        </a:xfrm>
+      </p:grpSpPr>
+      <p:sp>
+        <p:nvSpPr>
+          <p:cNvPr id="354" name="Google Shape;354;p49"/>
+          <p:cNvSpPr txBox="1"/>
+          <p:nvPr>
+            <p:ph type="title"/>
+          </p:nvPr>
+        </p:nvSpPr>
+        <p:spPr>
+          <a:xfrm>
+            <a:off x="808039" y="201077"/>
+            <a:ext cx="6569100" cy="446100"/>
+          </a:xfrm>
+          <a:prstGeom prst="rect">
+            <a:avLst/>
+          </a:prstGeom>
+        </p:spPr>
+        <p:txBody>
+          <a:bodyPr anchorCtr="0" anchor="t" bIns="0" lIns="0" spcFirstLastPara="1" rIns="0" wrap="square" tIns="0">
+            <a:noAutofit/>
+          </a:bodyPr>
+          <a:lstStyle/>
+          <a:p>
+            <a:pPr indent="0" lvl="0" marL="0" rtl="0" algn="l">
+              <a:spcBef>
+                <a:spcPts val="0"/>
+              </a:spcBef>
+              <a:spcAft>
+                <a:spcPts val="0"/>
+              </a:spcAft>
+              <a:buNone/>
+            </a:pPr>
+            <a:r>
+              <a:rPr lang="en-US"/>
+              <a:t>Dependency inversion principle (bad)</a:t>
+            </a:r>
+            <a:endParaRPr/>
+          </a:p>
+        </p:txBody>
+      </p:sp>
+      <p:sp>
+        <p:nvSpPr>
+          <p:cNvPr id="355" name="Google Shape;355;p49"/>
           <p:cNvSpPr txBox="1"/>
           <p:nvPr>
             <p:ph idx="1" type="body"/>
@@ -33657,7 +34194,7 @@
       </p:sp>
       <p:sp>
         <p:nvSpPr>
-          <p:cNvPr id="349" name="Google Shape;349;p48"/>
+          <p:cNvPr id="356" name="Google Shape;356;p49"/>
           <p:cNvSpPr txBox="1"/>
           <p:nvPr/>
         </p:nvSpPr>
@@ -33746,283 +34283,6 @@
                 </a:solidFill>
               </a:rPr>
               <a:t>/* What if MySQL is changed into Mongal DB? */</a:t>
-            </a:r>
-            <a:endParaRPr/>
-          </a:p>
-        </p:txBody>
-      </p:sp>
-    </p:spTree>
-  </p:cSld>
-  <p:clrMapOvr>
-    <a:masterClrMapping/>
-  </p:clrMapOvr>
-</p:sld>
-</file>
-
-<file path=ppt/slides/slide31.xml><?xml version="1.0" encoding="utf-8"?>
-<p:sld xmlns:a="http://schemas.openxmlformats.org/drawingml/2006/main" xmlns:r="http://schemas.openxmlformats.org/officeDocument/2006/relationships" xmlns:mc="http://schemas.openxmlformats.org/markup-compatibility/2006" xmlns:mv="urn:schemas-microsoft-com:mac:vml" xmlns:p="http://schemas.openxmlformats.org/presentationml/2006/main" xmlns:c="http://schemas.openxmlformats.org/drawingml/2006/chart" xmlns:dgm="http://schemas.openxmlformats.org/drawingml/2006/diagram" xmlns:o="urn:schemas-microsoft-com:office:office" xmlns:v="urn:schemas-microsoft-com:vml" xmlns:pvml="urn:schemas-microsoft-com:office:powerpoint" xmlns:com="http://schemas.openxmlformats.org/drawingml/2006/compatibility" xmlns:p14="http://schemas.microsoft.com/office/powerpoint/2010/main" xmlns:p15="http://schemas.microsoft.com/office/powerpoint/2012/main" xmlns:ahyp="http://schemas.microsoft.com/office/drawing/2018/hyperlinkcolor">
-  <p:cSld>
-    <p:spTree>
-      <p:nvGrpSpPr>
-        <p:cNvPr id="354" name="Shape 354"/>
-        <p:cNvGrpSpPr/>
-        <p:nvPr/>
-      </p:nvGrpSpPr>
-      <p:grpSpPr>
-        <a:xfrm>
-          <a:off x="0" y="0"/>
-          <a:ext cx="0" cy="0"/>
-          <a:chOff x="0" y="0"/>
-          <a:chExt cx="0" cy="0"/>
-        </a:xfrm>
-      </p:grpSpPr>
-      <p:sp>
-        <p:nvSpPr>
-          <p:cNvPr id="355" name="Google Shape;355;p49"/>
-          <p:cNvSpPr txBox="1"/>
-          <p:nvPr>
-            <p:ph type="title"/>
-          </p:nvPr>
-        </p:nvSpPr>
-        <p:spPr>
-          <a:xfrm>
-            <a:off x="808039" y="201077"/>
-            <a:ext cx="6569100" cy="446100"/>
-          </a:xfrm>
-          <a:prstGeom prst="rect">
-            <a:avLst/>
-          </a:prstGeom>
-        </p:spPr>
-        <p:txBody>
-          <a:bodyPr anchorCtr="0" anchor="t" bIns="0" lIns="0" spcFirstLastPara="1" rIns="0" wrap="square" tIns="0">
-            <a:noAutofit/>
-          </a:bodyPr>
-          <a:lstStyle/>
-          <a:p>
-            <a:pPr indent="0" lvl="0" marL="0" rtl="0" algn="l">
-              <a:spcBef>
-                <a:spcPts val="0"/>
-              </a:spcBef>
-              <a:spcAft>
-                <a:spcPts val="0"/>
-              </a:spcAft>
-              <a:buNone/>
-            </a:pPr>
-            <a:r>
-              <a:rPr lang="en-US"/>
-              <a:t>Dependency inversion principle (fixed)</a:t>
-            </a:r>
-            <a:endParaRPr/>
-          </a:p>
-        </p:txBody>
-      </p:sp>
-      <p:sp>
-        <p:nvSpPr>
-          <p:cNvPr id="356" name="Google Shape;356;p49"/>
-          <p:cNvSpPr txBox="1"/>
-          <p:nvPr>
-            <p:ph idx="1" type="body"/>
-          </p:nvPr>
-        </p:nvSpPr>
-        <p:spPr>
-          <a:xfrm>
-            <a:off x="808038" y="1164165"/>
-            <a:ext cx="8140800" cy="3325500"/>
-          </a:xfrm>
-          <a:prstGeom prst="rect">
-            <a:avLst/>
-          </a:prstGeom>
-        </p:spPr>
-        <p:txBody>
-          <a:bodyPr anchorCtr="0" anchor="t" bIns="0" lIns="0" spcFirstLastPara="1" rIns="0" wrap="square" tIns="0">
-            <a:noAutofit/>
-          </a:bodyPr>
-          <a:lstStyle/>
-          <a:p>
-            <a:pPr indent="0" lvl="0" marL="0" rtl="0" algn="l">
-              <a:spcBef>
-                <a:spcPts val="500"/>
-              </a:spcBef>
-              <a:spcAft>
-                <a:spcPts val="0"/>
-              </a:spcAft>
-              <a:buNone/>
-            </a:pPr>
-            <a:r>
-              <a:rPr lang="en-US"/>
-              <a:t>typedef struct {</a:t>
-            </a:r>
-            <a:endParaRPr/>
-          </a:p>
-          <a:p>
-            <a:pPr indent="0" lvl="0" marL="0" rtl="0" algn="l">
-              <a:spcBef>
-                <a:spcPts val="500"/>
-              </a:spcBef>
-              <a:spcAft>
-                <a:spcPts val="0"/>
-              </a:spcAft>
-              <a:buNone/>
-            </a:pPr>
-            <a:r>
-              <a:rPr lang="en-US"/>
-              <a:t>    </a:t>
-            </a:r>
-            <a:r>
-              <a:rPr lang="en-US">
-                <a:solidFill>
-                  <a:srgbClr val="8B00FF"/>
-                </a:solidFill>
-              </a:rPr>
-              <a:t>Connection</a:t>
-            </a:r>
-            <a:r>
-              <a:rPr lang="en-US"/>
-              <a:t> super;</a:t>
-            </a:r>
-            <a:endParaRPr/>
-          </a:p>
-          <a:p>
-            <a:pPr indent="0" lvl="0" marL="0" rtl="0" algn="l">
-              <a:spcBef>
-                <a:spcPts val="500"/>
-              </a:spcBef>
-              <a:spcAft>
-                <a:spcPts val="0"/>
-              </a:spcAft>
-              <a:buNone/>
-            </a:pPr>
-            <a:r>
-              <a:rPr lang="en-US"/>
-              <a:t>} </a:t>
-            </a:r>
-            <a:r>
-              <a:rPr lang="en-US">
-                <a:solidFill>
-                  <a:srgbClr val="323232"/>
-                </a:solidFill>
-              </a:rPr>
-              <a:t>MySQLCConn</a:t>
-            </a:r>
-            <a:r>
-              <a:rPr lang="en-US"/>
-              <a:t>;</a:t>
-            </a:r>
-            <a:endParaRPr/>
-          </a:p>
-          <a:p>
-            <a:pPr indent="0" lvl="0" marL="0" rtl="0" algn="l">
-              <a:spcBef>
-                <a:spcPts val="500"/>
-              </a:spcBef>
-              <a:spcAft>
-                <a:spcPts val="0"/>
-              </a:spcAft>
-              <a:buNone/>
-            </a:pPr>
-            <a:r>
-              <a:rPr lang="en-US"/>
-              <a:t>typedef struct {</a:t>
-            </a:r>
-            <a:endParaRPr/>
-          </a:p>
-          <a:p>
-            <a:pPr indent="0" lvl="0" marL="0" rtl="0" algn="l">
-              <a:spcBef>
-                <a:spcPts val="500"/>
-              </a:spcBef>
-              <a:spcAft>
-                <a:spcPts val="0"/>
-              </a:spcAft>
-              <a:buNone/>
-            </a:pPr>
-            <a:r>
-              <a:rPr lang="en-US"/>
-              <a:t>    </a:t>
-            </a:r>
-            <a:r>
-              <a:rPr lang="en-US">
-                <a:solidFill>
-                  <a:srgbClr val="8B00FF"/>
-                </a:solidFill>
-              </a:rPr>
-              <a:t>Connection</a:t>
-            </a:r>
-            <a:r>
-              <a:rPr lang="en-US"/>
-              <a:t> super;</a:t>
-            </a:r>
-            <a:endParaRPr/>
-          </a:p>
-          <a:p>
-            <a:pPr indent="0" lvl="0" marL="0" rtl="0" algn="l">
-              <a:spcBef>
-                <a:spcPts val="500"/>
-              </a:spcBef>
-              <a:spcAft>
-                <a:spcPts val="0"/>
-              </a:spcAft>
-              <a:buNone/>
-            </a:pPr>
-            <a:r>
-              <a:rPr lang="en-US"/>
-              <a:t>} </a:t>
-            </a:r>
-            <a:r>
-              <a:rPr lang="en-US"/>
-              <a:t>MongalDBCConn</a:t>
-            </a:r>
-            <a:r>
-              <a:rPr lang="en-US"/>
-              <a:t>;</a:t>
-            </a:r>
-            <a:endParaRPr/>
-          </a:p>
-          <a:p>
-            <a:pPr indent="0" lvl="0" marL="0" rtl="0" algn="l">
-              <a:spcBef>
-                <a:spcPts val="500"/>
-              </a:spcBef>
-              <a:spcAft>
-                <a:spcPts val="0"/>
-              </a:spcAft>
-              <a:buClr>
-                <a:schemeClr val="dk1"/>
-              </a:buClr>
-              <a:buSzPts val="1100"/>
-              <a:buFont typeface="Arial"/>
-              <a:buNone/>
-            </a:pPr>
-            <a:r>
-              <a:rPr lang="en-US"/>
-              <a:t>dbConn = connect(</a:t>
-            </a:r>
-            <a:r>
-              <a:rPr lang="en-US">
-                <a:solidFill>
-                  <a:srgbClr val="8B00FF"/>
-                </a:solidFill>
-              </a:rPr>
-              <a:t>Connection</a:t>
-            </a:r>
-            <a:r>
-              <a:rPr lang="en-US"/>
-              <a:t> dbConnection);</a:t>
-            </a:r>
-            <a:endParaRPr/>
-          </a:p>
-          <a:p>
-            <a:pPr indent="0" lvl="0" marL="0" rtl="0" algn="l">
-              <a:spcBef>
-                <a:spcPts val="500"/>
-              </a:spcBef>
-              <a:spcAft>
-                <a:spcPts val="0"/>
-              </a:spcAft>
-              <a:buNone/>
-            </a:pPr>
-            <a:r>
-              <a:t/>
             </a:r>
             <a:endParaRPr/>
           </a:p>
@@ -34058,13 +34318,13 @@
           <p:cNvPr id="362" name="Google Shape;362;p50"/>
           <p:cNvSpPr txBox="1"/>
           <p:nvPr>
-            <p:ph idx="1" type="subTitle"/>
+            <p:ph type="title"/>
           </p:nvPr>
         </p:nvSpPr>
         <p:spPr>
           <a:xfrm>
-            <a:off x="1152922" y="4410273"/>
-            <a:ext cx="7075200" cy="532500"/>
+            <a:off x="808039" y="201077"/>
+            <a:ext cx="6569100" cy="446100"/>
           </a:xfrm>
           <a:prstGeom prst="rect">
             <a:avLst/>
@@ -34086,7 +34346,8 @@
               <a:buNone/>
             </a:pPr>
             <a:r>
-              <a:t/>
+              <a:rPr lang="en-US"/>
+              <a:t>Dependency inversion principle (fixed)</a:t>
             </a:r>
             <a:endParaRPr/>
           </a:p>
@@ -34097,27 +34358,27 @@
           <p:cNvPr id="363" name="Google Shape;363;p50"/>
           <p:cNvSpPr txBox="1"/>
           <p:nvPr>
-            <p:ph type="ctrTitle"/>
+            <p:ph idx="1" type="body"/>
           </p:nvPr>
         </p:nvSpPr>
         <p:spPr>
           <a:xfrm>
-            <a:off x="1152923" y="2924177"/>
-            <a:ext cx="7772700" cy="1342800"/>
+            <a:off x="808038" y="1164165"/>
+            <a:ext cx="8140800" cy="3325500"/>
           </a:xfrm>
           <a:prstGeom prst="rect">
             <a:avLst/>
           </a:prstGeom>
         </p:spPr>
         <p:txBody>
-          <a:bodyPr anchorCtr="0" anchor="b" bIns="0" lIns="0" spcFirstLastPara="1" rIns="0" wrap="square" tIns="0">
+          <a:bodyPr anchorCtr="0" anchor="t" bIns="0" lIns="0" spcFirstLastPara="1" rIns="0" wrap="square" tIns="0">
             <a:noAutofit/>
           </a:bodyPr>
           <a:lstStyle/>
           <a:p>
             <a:pPr indent="0" lvl="0" marL="0" rtl="0" algn="l">
               <a:spcBef>
-                <a:spcPts val="0"/>
+                <a:spcPts val="500"/>
               </a:spcBef>
               <a:spcAft>
                 <a:spcPts val="0"/>
@@ -34126,7 +34387,207 @@
             </a:pPr>
             <a:r>
               <a:rPr lang="en-US"/>
-              <a:t>Test Double</a:t>
+              <a:t>typedef struct {</a:t>
+            </a:r>
+            <a:endParaRPr/>
+          </a:p>
+          <a:p>
+            <a:pPr indent="0" lvl="0" marL="0" rtl="0" algn="l">
+              <a:spcBef>
+                <a:spcPts val="500"/>
+              </a:spcBef>
+              <a:spcAft>
+                <a:spcPts val="0"/>
+              </a:spcAft>
+              <a:buNone/>
+            </a:pPr>
+            <a:r>
+              <a:rPr lang="en-US"/>
+              <a:t>    </a:t>
+            </a:r>
+            <a:r>
+              <a:rPr lang="en-US">
+                <a:solidFill>
+                  <a:srgbClr val="009999"/>
+                </a:solidFill>
+              </a:rPr>
+              <a:t>Connection</a:t>
+            </a:r>
+            <a:r>
+              <a:rPr lang="en-US"/>
+              <a:t> super;</a:t>
+            </a:r>
+            <a:endParaRPr/>
+          </a:p>
+          <a:p>
+            <a:pPr indent="0" lvl="0" marL="0" rtl="0" algn="l">
+              <a:spcBef>
+                <a:spcPts val="500"/>
+              </a:spcBef>
+              <a:spcAft>
+                <a:spcPts val="0"/>
+              </a:spcAft>
+              <a:buNone/>
+            </a:pPr>
+            <a:r>
+              <a:rPr lang="en-US"/>
+              <a:t>} </a:t>
+            </a:r>
+            <a:r>
+              <a:rPr lang="en-US">
+                <a:solidFill>
+                  <a:srgbClr val="323232"/>
+                </a:solidFill>
+              </a:rPr>
+              <a:t>MySQLConn</a:t>
+            </a:r>
+            <a:r>
+              <a:rPr lang="en-US"/>
+              <a:t>;</a:t>
+            </a:r>
+            <a:endParaRPr/>
+          </a:p>
+          <a:p>
+            <a:pPr indent="0" lvl="0" marL="0" rtl="0" algn="l">
+              <a:spcBef>
+                <a:spcPts val="500"/>
+              </a:spcBef>
+              <a:spcAft>
+                <a:spcPts val="0"/>
+              </a:spcAft>
+              <a:buNone/>
+            </a:pPr>
+            <a:r>
+              <a:rPr lang="en-US"/>
+              <a:t>typedef struct {</a:t>
+            </a:r>
+            <a:endParaRPr/>
+          </a:p>
+          <a:p>
+            <a:pPr indent="0" lvl="0" marL="0" rtl="0" algn="l">
+              <a:spcBef>
+                <a:spcPts val="500"/>
+              </a:spcBef>
+              <a:spcAft>
+                <a:spcPts val="0"/>
+              </a:spcAft>
+              <a:buNone/>
+            </a:pPr>
+            <a:r>
+              <a:rPr lang="en-US"/>
+              <a:t>    </a:t>
+            </a:r>
+            <a:r>
+              <a:rPr lang="en-US">
+                <a:solidFill>
+                  <a:srgbClr val="009999"/>
+                </a:solidFill>
+              </a:rPr>
+              <a:t>Connection</a:t>
+            </a:r>
+            <a:r>
+              <a:rPr lang="en-US"/>
+              <a:t> super;</a:t>
+            </a:r>
+            <a:endParaRPr/>
+          </a:p>
+          <a:p>
+            <a:pPr indent="0" lvl="0" marL="0" rtl="0" algn="l">
+              <a:spcBef>
+                <a:spcPts val="500"/>
+              </a:spcBef>
+              <a:spcAft>
+                <a:spcPts val="0"/>
+              </a:spcAft>
+              <a:buNone/>
+            </a:pPr>
+            <a:r>
+              <a:rPr lang="en-US"/>
+              <a:t>} </a:t>
+            </a:r>
+            <a:r>
+              <a:rPr lang="en-US"/>
+              <a:t>MongalDBConn</a:t>
+            </a:r>
+            <a:r>
+              <a:rPr lang="en-US"/>
+              <a:t>;</a:t>
+            </a:r>
+            <a:endParaRPr/>
+          </a:p>
+          <a:p>
+            <a:pPr indent="0" lvl="0" marL="0" rtl="0" algn="l">
+              <a:spcBef>
+                <a:spcPts val="500"/>
+              </a:spcBef>
+              <a:spcAft>
+                <a:spcPts val="0"/>
+              </a:spcAft>
+              <a:buNone/>
+            </a:pPr>
+            <a:r>
+              <a:rPr lang="en-US"/>
+              <a:t>/* use </a:t>
+            </a:r>
+            <a:r>
+              <a:rPr lang="en-US">
+                <a:solidFill>
+                  <a:srgbClr val="323232"/>
+                </a:solidFill>
+              </a:rPr>
+              <a:t>MySQLConn.super or </a:t>
+            </a:r>
+            <a:r>
+              <a:rPr lang="en-US"/>
+              <a:t>MongalDBConn.super */</a:t>
+            </a:r>
+            <a:endParaRPr/>
+          </a:p>
+          <a:p>
+            <a:pPr indent="0" lvl="0" marL="0" rtl="0" algn="l">
+              <a:spcBef>
+                <a:spcPts val="500"/>
+              </a:spcBef>
+              <a:spcAft>
+                <a:spcPts val="0"/>
+              </a:spcAft>
+              <a:buClr>
+                <a:schemeClr val="dk1"/>
+              </a:buClr>
+              <a:buSzPts val="1100"/>
+              <a:buFont typeface="Arial"/>
+              <a:buNone/>
+            </a:pPr>
+            <a:r>
+              <a:rPr lang="en-US"/>
+              <a:t>dbConn = connect(</a:t>
+            </a:r>
+            <a:r>
+              <a:rPr lang="en-US">
+                <a:solidFill>
+                  <a:srgbClr val="009999"/>
+                </a:solidFill>
+              </a:rPr>
+              <a:t>Connection</a:t>
+            </a:r>
+            <a:r>
+              <a:rPr lang="en-US"/>
+              <a:t> dbConnection);</a:t>
+            </a:r>
+            <a:endParaRPr/>
+          </a:p>
+          <a:p>
+            <a:pPr indent="0" lvl="0" marL="0" rtl="0" algn="l">
+              <a:spcBef>
+                <a:spcPts val="500"/>
+              </a:spcBef>
+              <a:spcAft>
+                <a:spcPts val="0"/>
+              </a:spcAft>
+              <a:buNone/>
+            </a:pPr>
+            <a:r>
+              <a:t/>
             </a:r>
             <a:endParaRPr/>
           </a:p>
@@ -34162,13 +34623,13 @@
           <p:cNvPr id="369" name="Google Shape;369;p51"/>
           <p:cNvSpPr txBox="1"/>
           <p:nvPr>
-            <p:ph type="title"/>
+            <p:ph idx="1" type="subTitle"/>
           </p:nvPr>
         </p:nvSpPr>
         <p:spPr>
           <a:xfrm>
-            <a:off x="808039" y="201077"/>
-            <a:ext cx="6569100" cy="446100"/>
+            <a:off x="1152922" y="4410273"/>
+            <a:ext cx="7075200" cy="532500"/>
           </a:xfrm>
           <a:prstGeom prst="rect">
             <a:avLst/>
@@ -34190,8 +34651,7 @@
               <a:buNone/>
             </a:pPr>
             <a:r>
-              <a:rPr lang="en-US"/>
-              <a:t>Tests are FIRST</a:t>
+              <a:t/>
             </a:r>
             <a:endParaRPr/>
           </a:p>
@@ -34202,113 +34662,36 @@
           <p:cNvPr id="370" name="Google Shape;370;p51"/>
           <p:cNvSpPr txBox="1"/>
           <p:nvPr>
-            <p:ph idx="1" type="body"/>
+            <p:ph type="ctrTitle"/>
           </p:nvPr>
         </p:nvSpPr>
         <p:spPr>
           <a:xfrm>
-            <a:off x="808038" y="1164165"/>
-            <a:ext cx="8140800" cy="3325500"/>
+            <a:off x="1152923" y="2924177"/>
+            <a:ext cx="7772700" cy="1342800"/>
           </a:xfrm>
           <a:prstGeom prst="rect">
             <a:avLst/>
           </a:prstGeom>
         </p:spPr>
         <p:txBody>
-          <a:bodyPr anchorCtr="0" anchor="t" bIns="0" lIns="0" spcFirstLastPara="1" rIns="0" wrap="square" tIns="0">
+          <a:bodyPr anchorCtr="0" anchor="b" bIns="0" lIns="0" spcFirstLastPara="1" rIns="0" wrap="square" tIns="0">
             <a:noAutofit/>
           </a:bodyPr>
           <a:lstStyle/>
           <a:p>
-            <a:pPr indent="-381000" lvl="0" marL="457200" rtl="0" algn="l">
-              <a:spcBef>
-                <a:spcPts val="500"/>
-              </a:spcBef>
-              <a:spcAft>
-                <a:spcPts val="0"/>
-              </a:spcAft>
-              <a:buSzPts val="2400"/>
-              <a:buChar char="●"/>
+            <a:pPr indent="0" lvl="0" marL="0" rtl="0" algn="l">
+              <a:spcBef>
+                <a:spcPts val="0"/>
+              </a:spcBef>
+              <a:spcAft>
+                <a:spcPts val="0"/>
+              </a:spcAft>
+              <a:buNone/>
             </a:pPr>
             <a:r>
               <a:rPr lang="en-US"/>
-              <a:t>Fast: tests are fast</a:t>
-            </a:r>
-            <a:endParaRPr/>
-          </a:p>
-          <a:p>
-            <a:pPr indent="-381000" lvl="0" marL="457200" rtl="0" algn="l">
-              <a:spcBef>
-                <a:spcPts val="0"/>
-              </a:spcBef>
-              <a:spcAft>
-                <a:spcPts val="0"/>
-              </a:spcAft>
-              <a:buSzPts val="2400"/>
-              <a:buChar char="●"/>
-            </a:pPr>
-            <a:r>
-              <a:rPr lang="en-US"/>
-              <a:t>Isolated: tests are </a:t>
-            </a:r>
-            <a:r>
-              <a:rPr lang="en-US"/>
-              <a:t>independent</a:t>
-            </a:r>
-            <a:r>
-              <a:rPr lang="en-US"/>
-              <a:t> of each other</a:t>
-            </a:r>
-            <a:endParaRPr/>
-          </a:p>
-          <a:p>
-            <a:pPr indent="-381000" lvl="0" marL="457200" rtl="0" algn="l">
-              <a:spcBef>
-                <a:spcPts val="0"/>
-              </a:spcBef>
-              <a:spcAft>
-                <a:spcPts val="0"/>
-              </a:spcAft>
-              <a:buSzPts val="2400"/>
-              <a:buChar char="●"/>
-            </a:pPr>
-            <a:r>
-              <a:rPr lang="en-US"/>
-              <a:t>Repeatable: always gives the same result</a:t>
-            </a:r>
-            <a:endParaRPr/>
-          </a:p>
-          <a:p>
-            <a:pPr indent="-381000" lvl="0" marL="457200" rtl="0" algn="l">
-              <a:spcBef>
-                <a:spcPts val="0"/>
-              </a:spcBef>
-              <a:spcAft>
-                <a:spcPts val="0"/>
-              </a:spcAft>
-              <a:buSzPts val="2400"/>
-              <a:buChar char="●"/>
-            </a:pPr>
-            <a:r>
-              <a:rPr lang="en-US"/>
-              <a:t>Self-verifying: return “Pass” or “Fail”</a:t>
-            </a:r>
-            <a:endParaRPr/>
-          </a:p>
-          <a:p>
-            <a:pPr indent="-381000" lvl="0" marL="457200" rtl="0" algn="l">
-              <a:spcBef>
-                <a:spcPts val="0"/>
-              </a:spcBef>
-              <a:spcAft>
-                <a:spcPts val="0"/>
-              </a:spcAft>
-              <a:buSzPts val="2400"/>
-              <a:buChar char="●"/>
-            </a:pPr>
-            <a:r>
-              <a:rPr lang="en-US"/>
-              <a:t>Timely: write just in time before production code</a:t>
+              <a:t>Test Double</a:t>
             </a:r>
             <a:endParaRPr/>
           </a:p>
@@ -34373,7 +34756,7 @@
             </a:pPr>
             <a:r>
               <a:rPr lang="en-US"/>
-              <a:t>How do you test outside CUT?</a:t>
+              <a:t>Tests are FIRST</a:t>
             </a:r>
             <a:endParaRPr/>
           </a:p>
@@ -34402,6 +34785,188 @@
           </a:bodyPr>
           <a:lstStyle/>
           <a:p>
+            <a:pPr indent="-381000" lvl="0" marL="457200" rtl="0" algn="l">
+              <a:spcBef>
+                <a:spcPts val="500"/>
+              </a:spcBef>
+              <a:spcAft>
+                <a:spcPts val="0"/>
+              </a:spcAft>
+              <a:buSzPts val="2400"/>
+              <a:buChar char="●"/>
+            </a:pPr>
+            <a:r>
+              <a:rPr lang="en-US"/>
+              <a:t>Fast: tests are fast</a:t>
+            </a:r>
+            <a:endParaRPr/>
+          </a:p>
+          <a:p>
+            <a:pPr indent="-381000" lvl="0" marL="457200" rtl="0" algn="l">
+              <a:spcBef>
+                <a:spcPts val="0"/>
+              </a:spcBef>
+              <a:spcAft>
+                <a:spcPts val="0"/>
+              </a:spcAft>
+              <a:buSzPts val="2400"/>
+              <a:buChar char="●"/>
+            </a:pPr>
+            <a:r>
+              <a:rPr lang="en-US"/>
+              <a:t>Isolated: tests are </a:t>
+            </a:r>
+            <a:r>
+              <a:rPr lang="en-US"/>
+              <a:t>independent</a:t>
+            </a:r>
+            <a:r>
+              <a:rPr lang="en-US"/>
+              <a:t> of each other</a:t>
+            </a:r>
+            <a:endParaRPr/>
+          </a:p>
+          <a:p>
+            <a:pPr indent="-381000" lvl="0" marL="457200" rtl="0" algn="l">
+              <a:spcBef>
+                <a:spcPts val="0"/>
+              </a:spcBef>
+              <a:spcAft>
+                <a:spcPts val="0"/>
+              </a:spcAft>
+              <a:buSzPts val="2400"/>
+              <a:buChar char="●"/>
+            </a:pPr>
+            <a:r>
+              <a:rPr lang="en-US"/>
+              <a:t>Repeatable: always gives the same result</a:t>
+            </a:r>
+            <a:endParaRPr/>
+          </a:p>
+          <a:p>
+            <a:pPr indent="-381000" lvl="0" marL="457200" rtl="0" algn="l">
+              <a:spcBef>
+                <a:spcPts val="0"/>
+              </a:spcBef>
+              <a:spcAft>
+                <a:spcPts val="0"/>
+              </a:spcAft>
+              <a:buSzPts val="2400"/>
+              <a:buChar char="●"/>
+            </a:pPr>
+            <a:r>
+              <a:rPr lang="en-US"/>
+              <a:t>Self-verifying: return “Pass” or “Fail”</a:t>
+            </a:r>
+            <a:endParaRPr/>
+          </a:p>
+          <a:p>
+            <a:pPr indent="-381000" lvl="0" marL="457200" rtl="0" algn="l">
+              <a:spcBef>
+                <a:spcPts val="0"/>
+              </a:spcBef>
+              <a:spcAft>
+                <a:spcPts val="0"/>
+              </a:spcAft>
+              <a:buSzPts val="2400"/>
+              <a:buChar char="●"/>
+            </a:pPr>
+            <a:r>
+              <a:rPr lang="en-US"/>
+              <a:t>Timely: write just in time before production code</a:t>
+            </a:r>
+            <a:endParaRPr/>
+          </a:p>
+        </p:txBody>
+      </p:sp>
+    </p:spTree>
+  </p:cSld>
+  <p:clrMapOvr>
+    <a:masterClrMapping/>
+  </p:clrMapOvr>
+</p:sld>
+</file>
+
+<file path=ppt/slides/slide35.xml><?xml version="1.0" encoding="utf-8"?>
+<p:sld xmlns:a="http://schemas.openxmlformats.org/drawingml/2006/main" xmlns:r="http://schemas.openxmlformats.org/officeDocument/2006/relationships" xmlns:mc="http://schemas.openxmlformats.org/markup-compatibility/2006" xmlns:mv="urn:schemas-microsoft-com:mac:vml" xmlns:p="http://schemas.openxmlformats.org/presentationml/2006/main" xmlns:c="http://schemas.openxmlformats.org/drawingml/2006/chart" xmlns:dgm="http://schemas.openxmlformats.org/drawingml/2006/diagram" xmlns:o="urn:schemas-microsoft-com:office:office" xmlns:v="urn:schemas-microsoft-com:vml" xmlns:pvml="urn:schemas-microsoft-com:office:powerpoint" xmlns:com="http://schemas.openxmlformats.org/drawingml/2006/compatibility" xmlns:p14="http://schemas.microsoft.com/office/powerpoint/2010/main" xmlns:p15="http://schemas.microsoft.com/office/powerpoint/2012/main" xmlns:ahyp="http://schemas.microsoft.com/office/drawing/2018/hyperlinkcolor">
+  <p:cSld>
+    <p:spTree>
+      <p:nvGrpSpPr>
+        <p:cNvPr id="382" name="Shape 382"/>
+        <p:cNvGrpSpPr/>
+        <p:nvPr/>
+      </p:nvGrpSpPr>
+      <p:grpSpPr>
+        <a:xfrm>
+          <a:off x="0" y="0"/>
+          <a:ext cx="0" cy="0"/>
+          <a:chOff x="0" y="0"/>
+          <a:chExt cx="0" cy="0"/>
+        </a:xfrm>
+      </p:grpSpPr>
+      <p:sp>
+        <p:nvSpPr>
+          <p:cNvPr id="383" name="Google Shape;383;p53"/>
+          <p:cNvSpPr txBox="1"/>
+          <p:nvPr>
+            <p:ph type="title"/>
+          </p:nvPr>
+        </p:nvSpPr>
+        <p:spPr>
+          <a:xfrm>
+            <a:off x="808039" y="201077"/>
+            <a:ext cx="6569100" cy="446100"/>
+          </a:xfrm>
+          <a:prstGeom prst="rect">
+            <a:avLst/>
+          </a:prstGeom>
+        </p:spPr>
+        <p:txBody>
+          <a:bodyPr anchorCtr="0" anchor="t" bIns="0" lIns="0" spcFirstLastPara="1" rIns="0" wrap="square" tIns="0">
+            <a:noAutofit/>
+          </a:bodyPr>
+          <a:lstStyle/>
+          <a:p>
+            <a:pPr indent="0" lvl="0" marL="0" rtl="0" algn="l">
+              <a:spcBef>
+                <a:spcPts val="0"/>
+              </a:spcBef>
+              <a:spcAft>
+                <a:spcPts val="0"/>
+              </a:spcAft>
+              <a:buNone/>
+            </a:pPr>
+            <a:r>
+              <a:rPr lang="en-US"/>
+              <a:t>How do you test outside CUT?</a:t>
+            </a:r>
+            <a:endParaRPr/>
+          </a:p>
+        </p:txBody>
+      </p:sp>
+      <p:sp>
+        <p:nvSpPr>
+          <p:cNvPr id="384" name="Google Shape;384;p53"/>
+          <p:cNvSpPr txBox="1"/>
+          <p:nvPr>
+            <p:ph idx="1" type="body"/>
+          </p:nvPr>
+        </p:nvSpPr>
+        <p:spPr>
+          <a:xfrm>
+            <a:off x="808038" y="1164165"/>
+            <a:ext cx="8140800" cy="3325500"/>
+          </a:xfrm>
+          <a:prstGeom prst="rect">
+            <a:avLst/>
+          </a:prstGeom>
+        </p:spPr>
+        <p:txBody>
+          <a:bodyPr anchorCtr="0" anchor="t" bIns="0" lIns="0" spcFirstLastPara="1" rIns="0" wrap="square" tIns="0">
+            <a:noAutofit/>
+          </a:bodyPr>
+          <a:lstStyle/>
+          <a:p>
             <a:pPr indent="0" lvl="0" marL="0" rtl="0" algn="l">
               <a:spcBef>
                 <a:spcPts val="500"/>
@@ -34420,7 +34985,7 @@
       </p:sp>
       <p:pic>
         <p:nvPicPr>
-          <p:cNvPr id="378" name="Google Shape;378;p52"/>
+          <p:cNvPr id="385" name="Google Shape;385;p53"/>
           <p:cNvPicPr preferRelativeResize="0"/>
           <p:nvPr/>
         </p:nvPicPr>
@@ -34446,128 +35011,16 @@
           </a:ln>
         </p:spPr>
       </p:pic>
-    </p:spTree>
-  </p:cSld>
-  <p:clrMapOvr>
-    <a:masterClrMapping/>
-  </p:clrMapOvr>
-</p:sld>
-</file>
-
-<file path=ppt/slides/slide35.xml><?xml version="1.0" encoding="utf-8"?>
-<p:sld xmlns:a="http://schemas.openxmlformats.org/drawingml/2006/main" xmlns:r="http://schemas.openxmlformats.org/officeDocument/2006/relationships" xmlns:mc="http://schemas.openxmlformats.org/markup-compatibility/2006" xmlns:mv="urn:schemas-microsoft-com:mac:vml" xmlns:p="http://schemas.openxmlformats.org/presentationml/2006/main" xmlns:c="http://schemas.openxmlformats.org/drawingml/2006/chart" xmlns:dgm="http://schemas.openxmlformats.org/drawingml/2006/diagram" xmlns:o="urn:schemas-microsoft-com:office:office" xmlns:v="urn:schemas-microsoft-com:vml" xmlns:pvml="urn:schemas-microsoft-com:office:powerpoint" xmlns:com="http://schemas.openxmlformats.org/drawingml/2006/compatibility" xmlns:p14="http://schemas.microsoft.com/office/powerpoint/2010/main" xmlns:p15="http://schemas.microsoft.com/office/powerpoint/2012/main" xmlns:ahyp="http://schemas.microsoft.com/office/drawing/2018/hyperlinkcolor">
-  <p:cSld>
-    <p:spTree>
-      <p:nvGrpSpPr>
-        <p:cNvPr id="383" name="Shape 383"/>
-        <p:cNvGrpSpPr/>
-        <p:nvPr/>
-      </p:nvGrpSpPr>
-      <p:grpSpPr>
-        <a:xfrm>
-          <a:off x="0" y="0"/>
-          <a:ext cx="0" cy="0"/>
-          <a:chOff x="0" y="0"/>
-          <a:chExt cx="0" cy="0"/>
-        </a:xfrm>
-      </p:grpSpPr>
       <p:sp>
         <p:nvSpPr>
-          <p:cNvPr id="384" name="Google Shape;384;p53"/>
+          <p:cNvPr id="386" name="Google Shape;386;p53"/>
           <p:cNvSpPr txBox="1"/>
-          <p:nvPr>
-            <p:ph type="title"/>
-          </p:nvPr>
+          <p:nvPr/>
         </p:nvSpPr>
         <p:spPr>
           <a:xfrm>
-            <a:off x="808039" y="201077"/>
-            <a:ext cx="6569100" cy="446100"/>
-          </a:xfrm>
-          <a:prstGeom prst="rect">
-            <a:avLst/>
-          </a:prstGeom>
-        </p:spPr>
-        <p:txBody>
-          <a:bodyPr anchorCtr="0" anchor="t" bIns="0" lIns="0" spcFirstLastPara="1" rIns="0" wrap="square" tIns="0">
-            <a:noAutofit/>
-          </a:bodyPr>
-          <a:lstStyle/>
-          <a:p>
-            <a:pPr indent="0" lvl="0" marL="0" rtl="0" algn="l">
-              <a:spcBef>
-                <a:spcPts val="0"/>
-              </a:spcBef>
-              <a:spcAft>
-                <a:spcPts val="0"/>
-              </a:spcAft>
-              <a:buNone/>
-            </a:pPr>
-            <a:r>
-              <a:rPr lang="en-US"/>
-              <a:t>Simpliffy relationship</a:t>
-            </a:r>
-            <a:endParaRPr/>
-          </a:p>
-        </p:txBody>
-      </p:sp>
-      <p:sp>
-        <p:nvSpPr>
-          <p:cNvPr id="385" name="Google Shape;385;p53"/>
-          <p:cNvSpPr txBox="1"/>
-          <p:nvPr>
-            <p:ph idx="1" type="body"/>
-          </p:nvPr>
-        </p:nvSpPr>
-        <p:spPr>
-          <a:xfrm>
-            <a:off x="808038" y="1164165"/>
-            <a:ext cx="8140800" cy="3325500"/>
-          </a:xfrm>
-          <a:prstGeom prst="rect">
-            <a:avLst/>
-          </a:prstGeom>
-        </p:spPr>
-        <p:txBody>
-          <a:bodyPr anchorCtr="0" anchor="t" bIns="0" lIns="0" spcFirstLastPara="1" rIns="0" wrap="square" tIns="0">
-            <a:noAutofit/>
-          </a:bodyPr>
-          <a:lstStyle/>
-          <a:p>
-            <a:pPr indent="0" lvl="0" marL="0" rtl="0" algn="l">
-              <a:spcBef>
-                <a:spcPts val="500"/>
-              </a:spcBef>
-              <a:spcAft>
-                <a:spcPts val="0"/>
-              </a:spcAft>
-              <a:buNone/>
-            </a:pPr>
-            <a:r>
-              <a:t/>
-            </a:r>
-            <a:endParaRPr/>
-          </a:p>
-        </p:txBody>
-      </p:sp>
-      <p:pic>
-        <p:nvPicPr>
-          <p:cNvPr id="386" name="Google Shape;386;p53"/>
-          <p:cNvPicPr preferRelativeResize="0"/>
-          <p:nvPr/>
-        </p:nvPicPr>
-        <p:blipFill>
-          <a:blip r:embed="rId3">
-            <a:alphaModFix/>
-          </a:blip>
-          <a:stretch>
-            <a:fillRect/>
-          </a:stretch>
-        </p:blipFill>
-        <p:spPr>
-          <a:xfrm>
-            <a:off x="1779200" y="571700"/>
-            <a:ext cx="5585599" cy="4000101"/>
+            <a:off x="5902925" y="840000"/>
+            <a:ext cx="2209200" cy="400200"/>
           </a:xfrm>
           <a:prstGeom prst="rect">
             <a:avLst/>
@@ -34577,7 +35030,37 @@
             <a:noFill/>
           </a:ln>
         </p:spPr>
-      </p:pic>
+        <p:txBody>
+          <a:bodyPr anchorCtr="0" anchor="t" bIns="91425" lIns="91425" spcFirstLastPara="1" rIns="91425" wrap="square" tIns="91425">
+            <a:spAutoFit/>
+          </a:bodyPr>
+          <a:lstStyle/>
+          <a:p>
+            <a:pPr indent="0" lvl="0" marL="0" rtl="0" algn="l">
+              <a:spcBef>
+                <a:spcPts val="0"/>
+              </a:spcBef>
+              <a:spcAft>
+                <a:spcPts val="0"/>
+              </a:spcAft>
+              <a:buNone/>
+            </a:pPr>
+            <a:r>
+              <a:rPr lang="en-US">
+                <a:solidFill>
+                  <a:srgbClr val="FF6600"/>
+                </a:solidFill>
+              </a:rPr>
+              <a:t>(you cannot control this) </a:t>
+            </a:r>
+            <a:endParaRPr>
+              <a:solidFill>
+                <a:srgbClr val="FF6600"/>
+              </a:solidFill>
+            </a:endParaRPr>
+          </a:p>
+        </p:txBody>
+      </p:sp>
     </p:spTree>
   </p:cSld>
   <p:clrMapOvr>
@@ -34637,7 +35120,7 @@
             </a:pPr>
             <a:r>
               <a:rPr lang="en-US"/>
-              <a:t>When to use test double?</a:t>
+              <a:t>Simpliffy relationship</a:t>
             </a:r>
             <a:endParaRPr/>
           </a:p>
@@ -34666,109 +35149,7 @@
           </a:bodyPr>
           <a:lstStyle/>
           <a:p>
-            <a:pPr indent="-381000" lvl="0" marL="457200" rtl="0" algn="l">
-              <a:spcBef>
-                <a:spcPts val="500"/>
-              </a:spcBef>
-              <a:spcAft>
-                <a:spcPts val="0"/>
-              </a:spcAft>
-              <a:buSzPts val="2400"/>
-              <a:buChar char="●"/>
-            </a:pPr>
-            <a:r>
-              <a:rPr lang="en-US"/>
-              <a:t>Hardware independence</a:t>
-            </a:r>
-            <a:endParaRPr/>
-          </a:p>
-          <a:p>
-            <a:pPr indent="-381000" lvl="0" marL="457200" rtl="0" algn="l">
-              <a:spcBef>
-                <a:spcPts val="0"/>
-              </a:spcBef>
-              <a:spcAft>
-                <a:spcPts val="0"/>
-              </a:spcAft>
-              <a:buSzPts val="2400"/>
-              <a:buChar char="●"/>
-            </a:pPr>
-            <a:r>
-              <a:rPr lang="en-US"/>
-              <a:t>Inject difficult to produce input(s)</a:t>
-            </a:r>
-            <a:endParaRPr/>
-          </a:p>
-          <a:p>
-            <a:pPr indent="-381000" lvl="0" marL="457200" rtl="0" algn="l">
-              <a:spcBef>
-                <a:spcPts val="0"/>
-              </a:spcBef>
-              <a:spcAft>
-                <a:spcPts val="0"/>
-              </a:spcAft>
-              <a:buSzPts val="2400"/>
-              <a:buChar char="●"/>
-            </a:pPr>
-            <a:r>
-              <a:rPr lang="en-US"/>
-              <a:t>Speed up a slow collaborator</a:t>
-            </a:r>
-            <a:endParaRPr/>
-          </a:p>
-          <a:p>
-            <a:pPr indent="-381000" lvl="0" marL="457200" rtl="0" algn="l">
-              <a:spcBef>
-                <a:spcPts val="0"/>
-              </a:spcBef>
-              <a:spcAft>
-                <a:spcPts val="0"/>
-              </a:spcAft>
-              <a:buSzPts val="2400"/>
-              <a:buChar char="●"/>
-            </a:pPr>
-            <a:r>
-              <a:rPr lang="en-US"/>
-              <a:t>Dependency on something volatile (e.g. Time)</a:t>
-            </a:r>
-            <a:endParaRPr/>
-          </a:p>
-          <a:p>
-            <a:pPr indent="-381000" lvl="0" marL="457200" rtl="0" algn="l">
-              <a:spcBef>
-                <a:spcPts val="0"/>
-              </a:spcBef>
-              <a:spcAft>
-                <a:spcPts val="0"/>
-              </a:spcAft>
-              <a:buSzPts val="2400"/>
-              <a:buChar char="●"/>
-            </a:pPr>
-            <a:r>
-              <a:rPr lang="en-US"/>
-              <a:t>Dependency on something under development</a:t>
-            </a:r>
-            <a:endParaRPr/>
-          </a:p>
-          <a:p>
-            <a:pPr indent="-381000" lvl="0" marL="457200" rtl="0" algn="l">
-              <a:spcBef>
-                <a:spcPts val="0"/>
-              </a:spcBef>
-              <a:spcAft>
-                <a:spcPts val="0"/>
-              </a:spcAft>
-              <a:buSzPts val="2400"/>
-              <a:buChar char="●"/>
-            </a:pPr>
-            <a:r>
-              <a:rPr lang="en-US"/>
-              <a:t>Dependency on something that is difficult to configure</a:t>
-            </a:r>
-            <a:endParaRPr/>
-          </a:p>
-          <a:p>
-            <a:pPr indent="0" lvl="0" marL="457200" rtl="0" algn="l">
+            <a:pPr indent="0" lvl="0" marL="0" rtl="0" algn="l">
               <a:spcBef>
                 <a:spcPts val="500"/>
               </a:spcBef>
@@ -34784,6 +35165,34 @@
           </a:p>
         </p:txBody>
       </p:sp>
+      <p:pic>
+        <p:nvPicPr>
+          <p:cNvPr id="394" name="Google Shape;394;p54"/>
+          <p:cNvPicPr preferRelativeResize="0"/>
+          <p:nvPr/>
+        </p:nvPicPr>
+        <p:blipFill>
+          <a:blip r:embed="rId3">
+            <a:alphaModFix/>
+          </a:blip>
+          <a:stretch>
+            <a:fillRect/>
+          </a:stretch>
+        </p:blipFill>
+        <p:spPr>
+          <a:xfrm>
+            <a:off x="1779200" y="571700"/>
+            <a:ext cx="5585599" cy="4000101"/>
+          </a:xfrm>
+          <a:prstGeom prst="rect">
+            <a:avLst/>
+          </a:prstGeom>
+          <a:noFill/>
+          <a:ln>
+            <a:noFill/>
+          </a:ln>
+        </p:spPr>
+      </p:pic>
     </p:spTree>
   </p:cSld>
   <p:clrMapOvr>
@@ -34797,7 +35206,7 @@
   <p:cSld>
     <p:spTree>
       <p:nvGrpSpPr>
-        <p:cNvPr id="398" name="Shape 398"/>
+        <p:cNvPr id="399" name="Shape 399"/>
         <p:cNvGrpSpPr/>
         <p:nvPr/>
       </p:nvGrpSpPr>
@@ -34811,7 +35220,7 @@
       </p:grpSpPr>
       <p:sp>
         <p:nvSpPr>
-          <p:cNvPr id="399" name="Google Shape;399;p55"/>
+          <p:cNvPr id="400" name="Google Shape;400;p55"/>
           <p:cNvSpPr txBox="1"/>
           <p:nvPr>
             <p:ph type="title"/>
@@ -34843,7 +35252,7 @@
             </a:pPr>
             <a:r>
               <a:rPr lang="en-US"/>
-              <a:t>Test dummy</a:t>
+              <a:t>When to use test double?</a:t>
             </a:r>
             <a:endParaRPr/>
           </a:p>
@@ -34851,7 +35260,7 @@
       </p:sp>
       <p:sp>
         <p:nvSpPr>
-          <p:cNvPr id="400" name="Google Shape;400;p55"/>
+          <p:cNvPr id="401" name="Google Shape;401;p55"/>
           <p:cNvSpPr txBox="1"/>
           <p:nvPr>
             <p:ph idx="1" type="body"/>
@@ -34884,77 +35293,97 @@
             </a:pPr>
             <a:r>
               <a:rPr lang="en-US"/>
-              <a:t>“I exist”</a:t>
+              <a:t>Hardware independence</a:t>
             </a:r>
             <a:endParaRPr/>
           </a:p>
           <a:p>
-            <a:pPr indent="0" lvl="0" marL="0" rtl="0" algn="l">
-              <a:spcBef>
-                <a:spcPts val="500"/>
-              </a:spcBef>
-              <a:spcAft>
-                <a:spcPts val="0"/>
-              </a:spcAft>
-              <a:buNone/>
-            </a:pPr>
-            <a:r>
-              <a:t/>
+            <a:pPr indent="-381000" lvl="0" marL="457200" rtl="0" algn="l">
+              <a:spcBef>
+                <a:spcPts val="0"/>
+              </a:spcBef>
+              <a:spcAft>
+                <a:spcPts val="0"/>
+              </a:spcAft>
+              <a:buSzPts val="2400"/>
+              <a:buChar char="●"/>
+            </a:pPr>
+            <a:r>
+              <a:rPr lang="en-US"/>
+              <a:t>Inject difficult to produce input(s)</a:t>
             </a:r>
             <a:endParaRPr/>
           </a:p>
           <a:p>
-            <a:pPr indent="0" lvl="0" marL="0" rtl="0" algn="l">
-              <a:spcBef>
-                <a:spcPts val="500"/>
-              </a:spcBef>
-              <a:spcAft>
-                <a:spcPts val="0"/>
-              </a:spcAft>
-              <a:buNone/>
+            <a:pPr indent="-381000" lvl="0" marL="457200" rtl="0" algn="l">
+              <a:spcBef>
+                <a:spcPts val="0"/>
+              </a:spcBef>
+              <a:spcAft>
+                <a:spcPts val="0"/>
+              </a:spcAft>
+              <a:buSzPts val="2400"/>
+              <a:buChar char="●"/>
             </a:pPr>
             <a:r>
               <a:rPr lang="en-US"/>
-              <a:t>void</a:t>
-            </a:r>
+              <a:t>Speed up a slow collaborator</a:t>
+            </a:r>
+            <a:endParaRPr/>
+          </a:p>
+          <a:p>
+            <a:pPr indent="-381000" lvl="0" marL="457200" rtl="0" algn="l">
+              <a:spcBef>
+                <a:spcPts val="0"/>
+              </a:spcBef>
+              <a:spcAft>
+                <a:spcPts val="0"/>
+              </a:spcAft>
+              <a:buSzPts val="2400"/>
+              <a:buChar char="●"/>
+            </a:pPr>
             <a:r>
               <a:rPr lang="en-US"/>
-              <a:t> Nothing(DummyOb* obj){}</a:t>
+              <a:t>Dependency on something volatile (e.g. Time)</a:t>
             </a:r>
             <a:endParaRPr/>
           </a:p>
           <a:p>
-            <a:pPr indent="0" lvl="0" marL="0" rtl="0" algn="l">
-              <a:spcBef>
-                <a:spcPts val="500"/>
-              </a:spcBef>
-              <a:spcAft>
-                <a:spcPts val="0"/>
-              </a:spcAft>
-              <a:buNone/>
-            </a:pPr>
-            <a:r>
-              <a:t/>
+            <a:pPr indent="-381000" lvl="0" marL="457200" rtl="0" algn="l">
+              <a:spcBef>
+                <a:spcPts val="0"/>
+              </a:spcBef>
+              <a:spcAft>
+                <a:spcPts val="0"/>
+              </a:spcAft>
+              <a:buSzPts val="2400"/>
+              <a:buChar char="●"/>
+            </a:pPr>
+            <a:r>
+              <a:rPr lang="en-US"/>
+              <a:t>Dependency on something under development</a:t>
             </a:r>
             <a:endParaRPr/>
           </a:p>
           <a:p>
-            <a:pPr indent="0" lvl="0" marL="0" rtl="0" algn="l">
-              <a:spcBef>
-                <a:spcPts val="500"/>
-              </a:spcBef>
-              <a:spcAft>
-                <a:spcPts val="0"/>
-              </a:spcAft>
-              <a:buNone/>
-            </a:pPr>
-            <a:r>
-              <a:t/>
+            <a:pPr indent="-381000" lvl="0" marL="457200" rtl="0" algn="l">
+              <a:spcBef>
+                <a:spcPts val="0"/>
+              </a:spcBef>
+              <a:spcAft>
+                <a:spcPts val="0"/>
+              </a:spcAft>
+              <a:buSzPts val="2400"/>
+              <a:buChar char="●"/>
+            </a:pPr>
+            <a:r>
+              <a:rPr lang="en-US"/>
+              <a:t>Dependency on something that is difficult to configure</a:t>
             </a:r>
             <a:endParaRPr/>
           </a:p>
           <a:p>
-            <a:pPr indent="0" lvl="0" marL="0" rtl="0" algn="l">
+            <a:pPr indent="0" lvl="0" marL="457200" rtl="0" algn="l">
               <a:spcBef>
                 <a:spcPts val="500"/>
               </a:spcBef>
@@ -34983,7 +35412,7 @@
   <p:cSld>
     <p:spTree>
       <p:nvGrpSpPr>
-        <p:cNvPr id="405" name="Shape 405"/>
+        <p:cNvPr id="406" name="Shape 406"/>
         <p:cNvGrpSpPr/>
         <p:nvPr/>
       </p:nvGrpSpPr>
@@ -34997,7 +35426,7 @@
       </p:grpSpPr>
       <p:sp>
         <p:nvSpPr>
-          <p:cNvPr id="406" name="Google Shape;406;p56"/>
+          <p:cNvPr id="407" name="Google Shape;407;p56"/>
           <p:cNvSpPr txBox="1"/>
           <p:nvPr>
             <p:ph type="title"/>
@@ -35029,7 +35458,7 @@
             </a:pPr>
             <a:r>
               <a:rPr lang="en-US"/>
-              <a:t>Test stub</a:t>
+              <a:t>Test dummy</a:t>
             </a:r>
             <a:endParaRPr/>
           </a:p>
@@ -35037,7 +35466,7 @@
       </p:sp>
       <p:sp>
         <p:nvSpPr>
-          <p:cNvPr id="407" name="Google Shape;407;p56"/>
+          <p:cNvPr id="408" name="Google Shape;408;p56"/>
           <p:cNvSpPr txBox="1"/>
           <p:nvPr>
             <p:ph idx="1" type="body"/>
@@ -35070,7 +35499,7 @@
             </a:pPr>
             <a:r>
               <a:rPr lang="en-US"/>
-              <a:t>return some value</a:t>
+              <a:t>“I exist” (to pass compilation)</a:t>
             </a:r>
             <a:endParaRPr/>
           </a:p>
@@ -35085,8 +35514,27 @@
               <a:buNone/>
             </a:pPr>
             <a:r>
+              <a:t/>
+            </a:r>
+            <a:endParaRPr/>
+          </a:p>
+          <a:p>
+            <a:pPr indent="0" lvl="0" marL="0" rtl="0" algn="l">
+              <a:spcBef>
+                <a:spcPts val="500"/>
+              </a:spcBef>
+              <a:spcAft>
+                <a:spcPts val="0"/>
+              </a:spcAft>
+              <a:buNone/>
+            </a:pPr>
+            <a:r>
               <a:rPr lang="en-US"/>
-              <a:t>int Stub_add_up(StubOb* obj){</a:t>
+              <a:t>void</a:t>
+            </a:r>
+            <a:r>
+              <a:rPr lang="en-US"/>
+              <a:t> Nothing(DummyOb* obj){}</a:t>
             </a:r>
             <a:endParaRPr/>
           </a:p>
@@ -35101,20 +35549,7 @@
               <a:buNone/>
             </a:pPr>
             <a:r>
-              <a:rPr lang="en-US"/>
-              <a:t>	return </a:t>
-            </a:r>
-            <a:r>
-              <a:rPr lang="en-US">
-                <a:solidFill>
-                  <a:srgbClr val="FF6600"/>
-                </a:solidFill>
-              </a:rPr>
-              <a:t>3</a:t>
-            </a:r>
-            <a:r>
-              <a:rPr lang="en-US"/>
-              <a:t>;</a:t>
+              <a:t/>
             </a:r>
             <a:endParaRPr/>
           </a:p>
@@ -35126,63 +35561,6 @@
               <a:spcAft>
                 <a:spcPts val="0"/>
               </a:spcAft>
-              <a:buNone/>
-            </a:pPr>
-            <a:r>
-              <a:rPr lang="en-US"/>
-              <a:t>}</a:t>
-            </a:r>
-            <a:endParaRPr/>
-          </a:p>
-          <a:p>
-            <a:pPr indent="0" lvl="0" marL="0" rtl="0" algn="l">
-              <a:spcBef>
-                <a:spcPts val="500"/>
-              </a:spcBef>
-              <a:spcAft>
-                <a:spcPts val="0"/>
-              </a:spcAft>
-              <a:buNone/>
-            </a:pPr>
-            <a:r>
-              <a:t/>
-            </a:r>
-            <a:endParaRPr/>
-          </a:p>
-          <a:p>
-            <a:pPr indent="0" lvl="0" marL="0" rtl="0" algn="l">
-              <a:spcBef>
-                <a:spcPts val="500"/>
-              </a:spcBef>
-              <a:spcAft>
-                <a:spcPts val="0"/>
-              </a:spcAft>
-              <a:buClr>
-                <a:schemeClr val="dk1"/>
-              </a:buClr>
-              <a:buSzPts val="1100"/>
-              <a:buFont typeface="Arial"/>
-              <a:buNone/>
-            </a:pPr>
-            <a:r>
-              <a:rPr lang="en-US"/>
-              <a:t>	assert_that(Stub_add_up(&amp;stuby), is_equal_to(3));</a:t>
-            </a:r>
-            <a:endParaRPr/>
-          </a:p>
-          <a:p>
-            <a:pPr indent="0" lvl="0" marL="0" rtl="0" algn="l">
-              <a:spcBef>
-                <a:spcPts val="500"/>
-              </a:spcBef>
-              <a:spcAft>
-                <a:spcPts val="0"/>
-              </a:spcAft>
-              <a:buClr>
-                <a:schemeClr val="dk1"/>
-              </a:buClr>
-              <a:buSzPts val="1100"/>
-              <a:buFont typeface="Arial"/>
               <a:buNone/>
             </a:pPr>
             <a:r>
@@ -35220,7 +35598,7 @@
   <p:cSld>
     <p:spTree>
       <p:nvGrpSpPr>
-        <p:cNvPr id="412" name="Shape 412"/>
+        <p:cNvPr id="413" name="Shape 413"/>
         <p:cNvGrpSpPr/>
         <p:nvPr/>
       </p:nvGrpSpPr>
@@ -35234,7 +35612,7 @@
       </p:grpSpPr>
       <p:sp>
         <p:nvSpPr>
-          <p:cNvPr id="413" name="Google Shape;413;p57"/>
+          <p:cNvPr id="414" name="Google Shape;414;p57"/>
           <p:cNvSpPr txBox="1"/>
           <p:nvPr>
             <p:ph type="title"/>
@@ -35266,7 +35644,7 @@
             </a:pPr>
             <a:r>
               <a:rPr lang="en-US"/>
-              <a:t>Test spy</a:t>
+              <a:t>Test stub</a:t>
             </a:r>
             <a:endParaRPr/>
           </a:p>
@@ -35274,7 +35652,7 @@
       </p:sp>
       <p:sp>
         <p:nvSpPr>
-          <p:cNvPr id="414" name="Google Shape;414;p57"/>
+          <p:cNvPr id="415" name="Google Shape;415;p57"/>
           <p:cNvSpPr txBox="1"/>
           <p:nvPr>
             <p:ph idx="1" type="body"/>
@@ -35307,7 +35685,7 @@
             </a:pPr>
             <a:r>
               <a:rPr lang="en-US"/>
-              <a:t>Capture parameter</a:t>
+              <a:t>return some value</a:t>
             </a:r>
             <a:endParaRPr/>
           </a:p>
@@ -35323,7 +35701,7 @@
             </a:pPr>
             <a:r>
               <a:rPr lang="en-US"/>
-              <a:t>int Spy_add_up(SpyOb* obj){</a:t>
+              <a:t>int Stub_add_up(StubObj* obj){</a:t>
             </a:r>
             <a:endParaRPr/>
           </a:p>
@@ -35339,7 +35717,7 @@
             </a:pPr>
             <a:r>
               <a:rPr lang="en-US"/>
-              <a:t>	</a:t>
+              <a:t>	return </a:t>
             </a:r>
             <a:r>
               <a:rPr lang="en-US">
@@ -35347,7 +35725,7 @@
                   <a:srgbClr val="FF6600"/>
                 </a:solidFill>
               </a:rPr>
-              <a:t>obj-&gt;called_add = true</a:t>
+              <a:t>3</a:t>
             </a:r>
             <a:r>
               <a:rPr lang="en-US"/>
@@ -35367,22 +35745,6 @@
             </a:pPr>
             <a:r>
               <a:rPr lang="en-US"/>
-              <a:t>	return obj-&gt;a + obj-&gt;b;</a:t>
-            </a:r>
-            <a:endParaRPr/>
-          </a:p>
-          <a:p>
-            <a:pPr indent="0" lvl="0" marL="0" rtl="0" algn="l">
-              <a:spcBef>
-                <a:spcPts val="500"/>
-              </a:spcBef>
-              <a:spcAft>
-                <a:spcPts val="0"/>
-              </a:spcAft>
-              <a:buNone/>
-            </a:pPr>
-            <a:r>
-              <a:rPr lang="en-US"/>
               <a:t>}</a:t>
             </a:r>
             <a:endParaRPr/>
@@ -35419,7 +35781,7 @@
             </a:pPr>
             <a:r>
               <a:rPr lang="en-US"/>
-              <a:t>assert_that(Spy_add_up(&amp;spyy), is_equal_to(3));</a:t>
+              <a:t>Stub_add_up(&amp;stubObj) == 3 ;</a:t>
             </a:r>
             <a:endParaRPr/>
           </a:p>
@@ -35431,23 +35793,30 @@
               <a:spcAft>
                 <a:spcPts val="0"/>
               </a:spcAft>
-              <a:buNone/>
-            </a:pPr>
-            <a:r>
-              <a:rPr lang="en-US"/>
-              <a:t>assert_that(</a:t>
-            </a:r>
-            <a:r>
-              <a:rPr lang="en-US">
-                <a:solidFill>
-                  <a:srgbClr val="FF6600"/>
-                </a:solidFill>
-              </a:rPr>
-              <a:t>spyy.called_add, is_true</a:t>
-            </a:r>
-            <a:r>
-              <a:rPr lang="en-US"/>
-              <a:t>);</a:t>
+              <a:buClr>
+                <a:schemeClr val="dk1"/>
+              </a:buClr>
+              <a:buSzPts val="1100"/>
+              <a:buFont typeface="Arial"/>
+              <a:buNone/>
+            </a:pPr>
+            <a:r>
+              <a:t/>
+            </a:r>
+            <a:endParaRPr/>
+          </a:p>
+          <a:p>
+            <a:pPr indent="0" lvl="0" marL="0" rtl="0" algn="l">
+              <a:spcBef>
+                <a:spcPts val="500"/>
+              </a:spcBef>
+              <a:spcAft>
+                <a:spcPts val="0"/>
+              </a:spcAft>
+              <a:buNone/>
+            </a:pPr>
+            <a:r>
+              <a:t/>
             </a:r>
             <a:endParaRPr/>
           </a:p>
@@ -35780,7 +36149,7 @@
   <p:cSld>
     <p:spTree>
       <p:nvGrpSpPr>
-        <p:cNvPr id="419" name="Shape 419"/>
+        <p:cNvPr id="420" name="Shape 420"/>
         <p:cNvGrpSpPr/>
         <p:nvPr/>
       </p:nvGrpSpPr>
@@ -35794,7 +36163,7 @@
       </p:grpSpPr>
       <p:sp>
         <p:nvSpPr>
-          <p:cNvPr id="420" name="Google Shape;420;p58"/>
+          <p:cNvPr id="421" name="Google Shape;421;p58"/>
           <p:cNvSpPr txBox="1"/>
           <p:nvPr>
             <p:ph type="title"/>
@@ -35826,7 +36195,7 @@
             </a:pPr>
             <a:r>
               <a:rPr lang="en-US"/>
-              <a:t>Mock object</a:t>
+              <a:t>Test spy</a:t>
             </a:r>
             <a:endParaRPr/>
           </a:p>
@@ -35834,7 +36203,7 @@
       </p:sp>
       <p:sp>
         <p:nvSpPr>
-          <p:cNvPr id="421" name="Google Shape;421;p58"/>
+          <p:cNvPr id="422" name="Google Shape;422;p58"/>
           <p:cNvSpPr txBox="1"/>
           <p:nvPr>
             <p:ph idx="1" type="body"/>
@@ -35855,21 +36224,21 @@
           </a:bodyPr>
           <a:lstStyle/>
           <a:p>
-            <a:pPr indent="-368300" lvl="0" marL="457200" rtl="0" algn="l">
+            <a:pPr indent="-381000" lvl="0" marL="457200" rtl="0" algn="l">
               <a:spcBef>
                 <a:spcPts val="500"/>
               </a:spcBef>
               <a:spcAft>
                 <a:spcPts val="0"/>
               </a:spcAft>
-              <a:buSzPts val="2200"/>
+              <a:buSzPts val="2400"/>
               <a:buChar char="●"/>
             </a:pPr>
             <a:r>
-              <a:rPr lang="en-US" sz="2200"/>
-              <a:t>Verify function called</a:t>
-            </a:r>
-            <a:endParaRPr sz="2200"/>
+              <a:rPr lang="en-US"/>
+              <a:t>Capture parameter</a:t>
+            </a:r>
+            <a:endParaRPr/>
           </a:p>
           <a:p>
             <a:pPr indent="0" lvl="0" marL="0" rtl="0" algn="l">
@@ -35882,10 +36251,10 @@
               <a:buNone/>
             </a:pPr>
             <a:r>
-              <a:rPr lang="en-US" sz="2200"/>
-              <a:t>/* determine what parameter to observe at given phase */</a:t>
-            </a:r>
-            <a:endParaRPr sz="2200"/>
+              <a:rPr lang="en-US"/>
+              <a:t>int Spy_add_up(SpyObj* obj){</a:t>
+            </a:r>
+            <a:endParaRPr/>
           </a:p>
           <a:p>
             <a:pPr indent="0" lvl="0" marL="0" rtl="0" algn="l">
@@ -35898,10 +36267,22 @@
               <a:buNone/>
             </a:pPr>
             <a:r>
-              <a:rPr lang="en-US" sz="2200"/>
-              <a:t>void mocked_callback(int x, int y) {mock(x, y);}</a:t>
-            </a:r>
-            <a:endParaRPr sz="2200"/>
+              <a:rPr lang="en-US"/>
+              <a:t>	</a:t>
+            </a:r>
+            <a:r>
+              <a:rPr lang="en-US">
+                <a:solidFill>
+                  <a:srgbClr val="FF6600"/>
+                </a:solidFill>
+              </a:rPr>
+              <a:t>obj-&gt;called_add = true</a:t>
+            </a:r>
+            <a:r>
+              <a:rPr lang="en-US"/>
+              <a:t>;</a:t>
+            </a:r>
+            <a:endParaRPr/>
           </a:p>
           <a:p>
             <a:pPr indent="0" lvl="0" marL="0" rtl="0" algn="l">
@@ -35914,10 +36295,10 @@
               <a:buNone/>
             </a:pPr>
             <a:r>
-              <a:rPr lang="en-US" sz="2200"/>
-              <a:t>/* main observe function */</a:t>
-            </a:r>
-            <a:endParaRPr sz="2200"/>
+              <a:rPr lang="en-US"/>
+              <a:t>	return obj-&gt;a + obj-&gt;b;</a:t>
+            </a:r>
+            <a:endParaRPr/>
           </a:p>
           <a:p>
             <a:pPr indent="0" lvl="0" marL="0" rtl="0" algn="l">
@@ -35930,13 +36311,13 @@
               <a:buNone/>
             </a:pPr>
             <a:r>
-              <a:rPr lang="en-US" sz="2200"/>
-              <a:t>void Mock_add_more(MockOb* obj){</a:t>
-            </a:r>
-            <a:endParaRPr sz="2200"/>
-          </a:p>
-          <a:p>
-            <a:pPr indent="457200" lvl="0" marL="0" rtl="0" algn="l">
+              <a:rPr lang="en-US"/>
+              <a:t>}</a:t>
+            </a:r>
+            <a:endParaRPr/>
+          </a:p>
+          <a:p>
+            <a:pPr indent="0" lvl="0" marL="0" rtl="0" algn="l">
               <a:spcBef>
                 <a:spcPts val="500"/>
               </a:spcBef>
@@ -35946,29 +36327,33 @@
               <a:buNone/>
             </a:pPr>
             <a:r>
-              <a:rPr lang="en-US" sz="2200"/>
-              <a:t>mocked_callback(obj-&gt;a, obj-&gt;b);</a:t>
-            </a:r>
-            <a:endParaRPr sz="2200"/>
-          </a:p>
-          <a:p>
-            <a:pPr indent="457200" lvl="0" marL="0" rtl="0" algn="l">
+              <a:t/>
+            </a:r>
+            <a:endParaRPr/>
+          </a:p>
+          <a:p>
+            <a:pPr indent="0" lvl="0" marL="0" rtl="0" algn="l">
               <a:spcBef>
                 <a:spcPts val="500"/>
               </a:spcBef>
               <a:spcAft>
                 <a:spcPts val="0"/>
               </a:spcAft>
-              <a:buNone/>
-            </a:pPr>
-            <a:r>
-              <a:rPr lang="en-US" sz="2200"/>
-              <a:t>obj-&gt;a += 1;</a:t>
-            </a:r>
-            <a:endParaRPr sz="2200"/>
-          </a:p>
-          <a:p>
-            <a:pPr indent="457200" lvl="0" marL="0" rtl="0" algn="l">
+              <a:buClr>
+                <a:schemeClr val="dk1"/>
+              </a:buClr>
+              <a:buSzPts val="1100"/>
+              <a:buFont typeface="Arial"/>
+              <a:buNone/>
+            </a:pPr>
+            <a:r>
+              <a:rPr lang="en-US"/>
+              <a:t>Spy_add_up(&amp;spyObj) == 3;</a:t>
+            </a:r>
+            <a:endParaRPr/>
+          </a:p>
+          <a:p>
+            <a:pPr indent="0" lvl="0" marL="0" rtl="0" algn="l">
               <a:spcBef>
                 <a:spcPts val="500"/>
               </a:spcBef>
@@ -35978,41 +36363,18 @@
               <a:buNone/>
             </a:pPr>
             <a:r>
-              <a:rPr lang="en-US" sz="2200"/>
-              <a:t>obj-&gt;b += 2;</a:t>
-            </a:r>
-            <a:endParaRPr sz="2200"/>
-          </a:p>
-          <a:p>
-            <a:pPr indent="457200" lvl="0" marL="0" rtl="0" algn="l">
-              <a:spcBef>
-                <a:spcPts val="500"/>
-              </a:spcBef>
-              <a:spcAft>
-                <a:spcPts val="0"/>
-              </a:spcAft>
-              <a:buNone/>
-            </a:pPr>
-            <a:r>
-              <a:rPr lang="en-US" sz="2200"/>
-              <a:t>mocked_callback(obj-&gt;a, obj-&gt;b);}</a:t>
-            </a:r>
-            <a:endParaRPr sz="2200"/>
-          </a:p>
-          <a:p>
-            <a:pPr indent="0" lvl="0" marL="0" rtl="0" algn="l">
-              <a:spcBef>
-                <a:spcPts val="500"/>
-              </a:spcBef>
-              <a:spcAft>
-                <a:spcPts val="0"/>
-              </a:spcAft>
-              <a:buNone/>
-            </a:pPr>
-            <a:r>
-              <a:t/>
-            </a:r>
-            <a:endParaRPr sz="1400"/>
+              <a:rPr lang="en-US">
+                <a:solidFill>
+                  <a:srgbClr val="FF6600"/>
+                </a:solidFill>
+              </a:rPr>
+              <a:t>spyy.called_add == true</a:t>
+            </a:r>
+            <a:r>
+              <a:rPr lang="en-US"/>
+              <a:t>;</a:t>
+            </a:r>
+            <a:endParaRPr/>
           </a:p>
         </p:txBody>
       </p:sp>
@@ -36029,7 +36391,7 @@
   <p:cSld>
     <p:spTree>
       <p:nvGrpSpPr>
-        <p:cNvPr id="426" name="Shape 426"/>
+        <p:cNvPr id="427" name="Shape 427"/>
         <p:cNvGrpSpPr/>
         <p:nvPr/>
       </p:nvGrpSpPr>
@@ -36043,7 +36405,7 @@
       </p:grpSpPr>
       <p:sp>
         <p:nvSpPr>
-          <p:cNvPr id="427" name="Google Shape;427;p59"/>
+          <p:cNvPr id="428" name="Google Shape;428;p59"/>
           <p:cNvSpPr txBox="1"/>
           <p:nvPr>
             <p:ph type="title"/>
@@ -36083,7 +36445,7 @@
       </p:sp>
       <p:sp>
         <p:nvSpPr>
-          <p:cNvPr id="428" name="Google Shape;428;p59"/>
+          <p:cNvPr id="429" name="Google Shape;429;p59"/>
           <p:cNvSpPr txBox="1"/>
           <p:nvPr>
             <p:ph idx="1" type="body"/>
@@ -36104,6 +36466,23 @@
           </a:bodyPr>
           <a:lstStyle/>
           <a:p>
+            <a:pPr indent="-368300" lvl="0" marL="457200" rtl="0" algn="l">
+              <a:spcBef>
+                <a:spcPts val="500"/>
+              </a:spcBef>
+              <a:spcAft>
+                <a:spcPts val="0"/>
+              </a:spcAft>
+              <a:buSzPts val="2200"/>
+              <a:buChar char="●"/>
+            </a:pPr>
+            <a:r>
+              <a:rPr lang="en-US" sz="2200"/>
+              <a:t>Verify function called</a:t>
+            </a:r>
+            <a:endParaRPr sz="2200"/>
+          </a:p>
+          <a:p>
             <a:pPr indent="0" lvl="0" marL="0" rtl="0" algn="l">
               <a:spcBef>
                 <a:spcPts val="500"/>
@@ -36111,18 +36490,13 @@
               <a:spcAft>
                 <a:spcPts val="0"/>
               </a:spcAft>
-              <a:buClr>
-                <a:schemeClr val="dk1"/>
-              </a:buClr>
-              <a:buSzPts val="1100"/>
-              <a:buFont typeface="Arial"/>
-              <a:buNone/>
-            </a:pPr>
-            <a:r>
-              <a:rPr lang="en-US"/>
-              <a:t>/* declare parameter status, in order */</a:t>
-            </a:r>
-            <a:endParaRPr/>
+              <a:buNone/>
+            </a:pPr>
+            <a:r>
+              <a:rPr lang="en-US" sz="2200"/>
+              <a:t>/* determine what parameter to observe at given phase */</a:t>
+            </a:r>
+            <a:endParaRPr sz="2200"/>
           </a:p>
           <a:p>
             <a:pPr indent="0" lvl="0" marL="0" rtl="0" algn="l">
@@ -36132,18 +36506,13 @@
               <a:spcAft>
                 <a:spcPts val="0"/>
               </a:spcAft>
-              <a:buClr>
-                <a:schemeClr val="dk1"/>
-              </a:buClr>
-              <a:buSzPts val="1100"/>
-              <a:buFont typeface="Arial"/>
-              <a:buNone/>
-            </a:pPr>
-            <a:r>
-              <a:rPr lang="en-US"/>
-              <a:t>expect(mocked_callback,</a:t>
-            </a:r>
-            <a:endParaRPr/>
+              <a:buNone/>
+            </a:pPr>
+            <a:r>
+              <a:rPr lang="en-US" sz="2200"/>
+              <a:t>void mocked_callback(int x, int y) {mock(x, y);}</a:t>
+            </a:r>
+            <a:endParaRPr sz="2200"/>
           </a:p>
           <a:p>
             <a:pPr indent="0" lvl="0" marL="0" rtl="0" algn="l">
@@ -36153,18 +36522,13 @@
               <a:spcAft>
                 <a:spcPts val="0"/>
               </a:spcAft>
-              <a:buClr>
-                <a:schemeClr val="dk1"/>
-              </a:buClr>
-              <a:buSzPts val="1100"/>
-              <a:buFont typeface="Arial"/>
-              <a:buNone/>
-            </a:pPr>
-            <a:r>
-              <a:rPr lang="en-US"/>
-              <a:t>		when(x, is_equal_to(2)),</a:t>
-            </a:r>
-            <a:endParaRPr/>
+              <a:buNone/>
+            </a:pPr>
+            <a:r>
+              <a:rPr lang="en-US" sz="2200"/>
+              <a:t>/* main function to observe */</a:t>
+            </a:r>
+            <a:endParaRPr sz="2200"/>
           </a:p>
           <a:p>
             <a:pPr indent="0" lvl="0" marL="0" rtl="0" algn="l">
@@ -36174,18 +36538,89 @@
               <a:spcAft>
                 <a:spcPts val="0"/>
               </a:spcAft>
-              <a:buClr>
-                <a:schemeClr val="dk1"/>
-              </a:buClr>
-              <a:buSzPts val="1100"/>
-              <a:buFont typeface="Arial"/>
-              <a:buNone/>
-            </a:pPr>
-            <a:r>
-              <a:rPr lang="en-US"/>
-              <a:t>		when(y, is_equal_to(1)));</a:t>
-            </a:r>
-            <a:endParaRPr/>
+              <a:buNone/>
+            </a:pPr>
+            <a:r>
+              <a:rPr lang="en-US" sz="2200"/>
+              <a:t>void Mock_add_more(MockObj* obj){</a:t>
+            </a:r>
+            <a:endParaRPr sz="2200"/>
+          </a:p>
+          <a:p>
+            <a:pPr indent="457200" lvl="0" marL="0" rtl="0" algn="l">
+              <a:spcBef>
+                <a:spcPts val="500"/>
+              </a:spcBef>
+              <a:spcAft>
+                <a:spcPts val="0"/>
+              </a:spcAft>
+              <a:buNone/>
+            </a:pPr>
+            <a:r>
+              <a:rPr lang="en-US" sz="2200"/>
+              <a:t>mocked_callback(obj-&gt;a, obj-&gt;b); // observe ‘</a:t>
+            </a:r>
+            <a:r>
+              <a:rPr lang="en-US" sz="2200"/>
+              <a:t>a’ and ‘b’</a:t>
+            </a:r>
+            <a:r>
+              <a:rPr lang="en-US" sz="2200"/>
+              <a:t> here</a:t>
+            </a:r>
+            <a:endParaRPr sz="2200"/>
+          </a:p>
+          <a:p>
+            <a:pPr indent="457200" lvl="0" marL="0" rtl="0" algn="l">
+              <a:spcBef>
+                <a:spcPts val="500"/>
+              </a:spcBef>
+              <a:spcAft>
+                <a:spcPts val="0"/>
+              </a:spcAft>
+              <a:buNone/>
+            </a:pPr>
+            <a:r>
+              <a:rPr lang="en-US" sz="2200"/>
+              <a:t>obj-&gt;a += 1;</a:t>
+            </a:r>
+            <a:endParaRPr sz="2200"/>
+          </a:p>
+          <a:p>
+            <a:pPr indent="457200" lvl="0" marL="0" rtl="0" algn="l">
+              <a:spcBef>
+                <a:spcPts val="500"/>
+              </a:spcBef>
+              <a:spcAft>
+                <a:spcPts val="0"/>
+              </a:spcAft>
+              <a:buNone/>
+            </a:pPr>
+            <a:r>
+              <a:rPr lang="en-US" sz="2200"/>
+              <a:t>obj-&gt;b += 2;</a:t>
+            </a:r>
+            <a:endParaRPr sz="2200"/>
+          </a:p>
+          <a:p>
+            <a:pPr indent="457200" lvl="0" marL="0" rtl="0" algn="l">
+              <a:spcBef>
+                <a:spcPts val="500"/>
+              </a:spcBef>
+              <a:spcAft>
+                <a:spcPts val="0"/>
+              </a:spcAft>
+              <a:buNone/>
+            </a:pPr>
+            <a:r>
+              <a:rPr lang="en-US" sz="2200"/>
+              <a:t>mocked_callback(obj-&gt;a, obj-&gt;b); </a:t>
+            </a:r>
+            <a:r>
+              <a:rPr lang="en-US" sz="2200"/>
+              <a:t>// observe ‘a’ and ‘b’ here </a:t>
+            </a:r>
+            <a:endParaRPr sz="2200"/>
           </a:p>
           <a:p>
             <a:pPr indent="0" lvl="0" marL="0" rtl="0" algn="l">
@@ -36195,18 +36630,13 @@
               <a:spcAft>
                 <a:spcPts val="0"/>
               </a:spcAft>
-              <a:buClr>
-                <a:schemeClr val="dk1"/>
-              </a:buClr>
-              <a:buSzPts val="1100"/>
-              <a:buFont typeface="Arial"/>
-              <a:buNone/>
-            </a:pPr>
-            <a:r>
-              <a:rPr lang="en-US"/>
-              <a:t>expect(mocked_callback,</a:t>
-            </a:r>
-            <a:endParaRPr/>
+              <a:buNone/>
+            </a:pPr>
+            <a:r>
+              <a:rPr lang="en-US" sz="2200"/>
+              <a:t>}</a:t>
+            </a:r>
+            <a:endParaRPr sz="2200"/>
           </a:p>
           <a:p>
             <a:pPr indent="0" lvl="0" marL="0" rtl="0" algn="l">
@@ -36216,55 +36646,12 @@
               <a:spcAft>
                 <a:spcPts val="0"/>
               </a:spcAft>
-              <a:buClr>
-                <a:schemeClr val="dk1"/>
-              </a:buClr>
-              <a:buSzPts val="1100"/>
-              <a:buFont typeface="Arial"/>
-              <a:buNone/>
-            </a:pPr>
-            <a:r>
-              <a:rPr lang="en-US"/>
-              <a:t>		when(x, is_equal_to(3)),</a:t>
-            </a:r>
-            <a:endParaRPr/>
-          </a:p>
-          <a:p>
-            <a:pPr indent="0" lvl="0" marL="0" rtl="0" algn="l">
-              <a:spcBef>
-                <a:spcPts val="500"/>
-              </a:spcBef>
-              <a:spcAft>
-                <a:spcPts val="0"/>
-              </a:spcAft>
-              <a:buClr>
-                <a:schemeClr val="dk1"/>
-              </a:buClr>
-              <a:buSzPts val="1100"/>
-              <a:buFont typeface="Arial"/>
-              <a:buNone/>
-            </a:pPr>
-            <a:r>
-              <a:rPr lang="en-US"/>
-              <a:t>		when(y, is_equal_to(3)));</a:t>
-            </a:r>
-            <a:endParaRPr/>
-          </a:p>
-          <a:p>
-            <a:pPr indent="0" lvl="0" marL="0" rtl="0" algn="l">
-              <a:spcBef>
-                <a:spcPts val="500"/>
-              </a:spcBef>
-              <a:spcAft>
-                <a:spcPts val="0"/>
-              </a:spcAft>
-              <a:buNone/>
-            </a:pPr>
-            <a:r>
-              <a:rPr lang="en-US"/>
-              <a:t>Mock_add_more(&amp;mocky); // call function </a:t>
-            </a:r>
-            <a:endParaRPr/>
+              <a:buNone/>
+            </a:pPr>
+            <a:r>
+              <a:t/>
+            </a:r>
+            <a:endParaRPr sz="1400"/>
           </a:p>
         </p:txBody>
       </p:sp>
@@ -36281,7 +36668,7 @@
   <p:cSld>
     <p:spTree>
       <p:nvGrpSpPr>
-        <p:cNvPr id="433" name="Shape 433"/>
+        <p:cNvPr id="434" name="Shape 434"/>
         <p:cNvGrpSpPr/>
         <p:nvPr/>
       </p:nvGrpSpPr>
@@ -36295,7 +36682,275 @@
       </p:grpSpPr>
       <p:sp>
         <p:nvSpPr>
-          <p:cNvPr id="434" name="Google Shape;434;p60"/>
+          <p:cNvPr id="435" name="Google Shape;435;p60"/>
+          <p:cNvSpPr txBox="1"/>
+          <p:nvPr>
+            <p:ph type="title"/>
+          </p:nvPr>
+        </p:nvSpPr>
+        <p:spPr>
+          <a:xfrm>
+            <a:off x="808039" y="201077"/>
+            <a:ext cx="6569100" cy="446100"/>
+          </a:xfrm>
+          <a:prstGeom prst="rect">
+            <a:avLst/>
+          </a:prstGeom>
+        </p:spPr>
+        <p:txBody>
+          <a:bodyPr anchorCtr="0" anchor="t" bIns="0" lIns="0" spcFirstLastPara="1" rIns="0" wrap="square" tIns="0">
+            <a:noAutofit/>
+          </a:bodyPr>
+          <a:lstStyle/>
+          <a:p>
+            <a:pPr indent="0" lvl="0" marL="0" rtl="0" algn="l">
+              <a:spcBef>
+                <a:spcPts val="0"/>
+              </a:spcBef>
+              <a:spcAft>
+                <a:spcPts val="0"/>
+              </a:spcAft>
+              <a:buNone/>
+            </a:pPr>
+            <a:r>
+              <a:rPr lang="en-US"/>
+              <a:t>Mock object</a:t>
+            </a:r>
+            <a:endParaRPr/>
+          </a:p>
+        </p:txBody>
+      </p:sp>
+      <p:sp>
+        <p:nvSpPr>
+          <p:cNvPr id="436" name="Google Shape;436;p60"/>
+          <p:cNvSpPr txBox="1"/>
+          <p:nvPr>
+            <p:ph idx="1" type="body"/>
+          </p:nvPr>
+        </p:nvSpPr>
+        <p:spPr>
+          <a:xfrm>
+            <a:off x="808038" y="1164165"/>
+            <a:ext cx="8140800" cy="3325500"/>
+          </a:xfrm>
+          <a:prstGeom prst="rect">
+            <a:avLst/>
+          </a:prstGeom>
+        </p:spPr>
+        <p:txBody>
+          <a:bodyPr anchorCtr="0" anchor="t" bIns="0" lIns="0" spcFirstLastPara="1" rIns="0" wrap="square" tIns="0">
+            <a:noAutofit/>
+          </a:bodyPr>
+          <a:lstStyle/>
+          <a:p>
+            <a:pPr indent="0" lvl="0" marL="0" rtl="0" algn="l">
+              <a:spcBef>
+                <a:spcPts val="500"/>
+              </a:spcBef>
+              <a:spcAft>
+                <a:spcPts val="0"/>
+              </a:spcAft>
+              <a:buClr>
+                <a:schemeClr val="dk1"/>
+              </a:buClr>
+              <a:buSzPts val="1100"/>
+              <a:buFont typeface="Arial"/>
+              <a:buNone/>
+            </a:pPr>
+            <a:r>
+              <a:rPr lang="en-US"/>
+              <a:t>/* declare parameter status in order */</a:t>
+            </a:r>
+            <a:endParaRPr/>
+          </a:p>
+          <a:p>
+            <a:pPr indent="0" lvl="0" marL="0" rtl="0" algn="l">
+              <a:spcBef>
+                <a:spcPts val="500"/>
+              </a:spcBef>
+              <a:spcAft>
+                <a:spcPts val="0"/>
+              </a:spcAft>
+              <a:buClr>
+                <a:schemeClr val="dk1"/>
+              </a:buClr>
+              <a:buSzPts val="1100"/>
+              <a:buFont typeface="Arial"/>
+              <a:buNone/>
+            </a:pPr>
+            <a:r>
+              <a:rPr lang="en-US"/>
+              <a:t>expect(mocked_callback,</a:t>
+            </a:r>
+            <a:endParaRPr/>
+          </a:p>
+          <a:p>
+            <a:pPr indent="0" lvl="0" marL="0" rtl="0" algn="l">
+              <a:spcBef>
+                <a:spcPts val="500"/>
+              </a:spcBef>
+              <a:spcAft>
+                <a:spcPts val="0"/>
+              </a:spcAft>
+              <a:buClr>
+                <a:schemeClr val="dk1"/>
+              </a:buClr>
+              <a:buSzPts val="1100"/>
+              <a:buFont typeface="Arial"/>
+              <a:buNone/>
+            </a:pPr>
+            <a:r>
+              <a:rPr lang="en-US"/>
+              <a:t>	when(x, is_equal_to(2)),</a:t>
+            </a:r>
+            <a:endParaRPr/>
+          </a:p>
+          <a:p>
+            <a:pPr indent="0" lvl="0" marL="0" rtl="0" algn="l">
+              <a:spcBef>
+                <a:spcPts val="500"/>
+              </a:spcBef>
+              <a:spcAft>
+                <a:spcPts val="0"/>
+              </a:spcAft>
+              <a:buClr>
+                <a:schemeClr val="dk1"/>
+              </a:buClr>
+              <a:buSzPts val="1100"/>
+              <a:buFont typeface="Arial"/>
+              <a:buNone/>
+            </a:pPr>
+            <a:r>
+              <a:rPr lang="en-US"/>
+              <a:t>	when(y, is_equal_to(1)));</a:t>
+            </a:r>
+            <a:endParaRPr/>
+          </a:p>
+          <a:p>
+            <a:pPr indent="0" lvl="0" marL="0" rtl="0" algn="l">
+              <a:spcBef>
+                <a:spcPts val="500"/>
+              </a:spcBef>
+              <a:spcAft>
+                <a:spcPts val="0"/>
+              </a:spcAft>
+              <a:buClr>
+                <a:schemeClr val="dk1"/>
+              </a:buClr>
+              <a:buSzPts val="1100"/>
+              <a:buFont typeface="Arial"/>
+              <a:buNone/>
+            </a:pPr>
+            <a:r>
+              <a:rPr lang="en-US"/>
+              <a:t>expect(mocked_callback,</a:t>
+            </a:r>
+            <a:endParaRPr/>
+          </a:p>
+          <a:p>
+            <a:pPr indent="0" lvl="0" marL="0" rtl="0" algn="l">
+              <a:spcBef>
+                <a:spcPts val="500"/>
+              </a:spcBef>
+              <a:spcAft>
+                <a:spcPts val="0"/>
+              </a:spcAft>
+              <a:buClr>
+                <a:schemeClr val="dk1"/>
+              </a:buClr>
+              <a:buSzPts val="1100"/>
+              <a:buFont typeface="Arial"/>
+              <a:buNone/>
+            </a:pPr>
+            <a:r>
+              <a:rPr lang="en-US"/>
+              <a:t>	when(x, is_equal_to(3)),</a:t>
+            </a:r>
+            <a:endParaRPr/>
+          </a:p>
+          <a:p>
+            <a:pPr indent="0" lvl="0" marL="0" rtl="0" algn="l">
+              <a:spcBef>
+                <a:spcPts val="500"/>
+              </a:spcBef>
+              <a:spcAft>
+                <a:spcPts val="0"/>
+              </a:spcAft>
+              <a:buClr>
+                <a:schemeClr val="dk1"/>
+              </a:buClr>
+              <a:buSzPts val="1100"/>
+              <a:buFont typeface="Arial"/>
+              <a:buNone/>
+            </a:pPr>
+            <a:r>
+              <a:rPr lang="en-US"/>
+              <a:t>	when(y, is_equal_to</a:t>
+            </a:r>
+            <a:r>
+              <a:rPr lang="en-US"/>
+              <a:t>(</a:t>
+            </a:r>
+            <a:r>
+              <a:rPr lang="en-US"/>
+              <a:t>3)));</a:t>
+            </a:r>
+            <a:endParaRPr/>
+          </a:p>
+          <a:p>
+            <a:pPr indent="0" lvl="0" marL="0" rtl="0" algn="l">
+              <a:spcBef>
+                <a:spcPts val="500"/>
+              </a:spcBef>
+              <a:spcAft>
+                <a:spcPts val="0"/>
+              </a:spcAft>
+              <a:buNone/>
+            </a:pPr>
+            <a:r>
+              <a:rPr lang="en-US"/>
+              <a:t>Mock_add_more(&amp;mockObj</a:t>
+            </a:r>
+            <a:r>
+              <a:rPr lang="en-US"/>
+              <a:t>)</a:t>
+            </a:r>
+            <a:r>
+              <a:rPr lang="en-US"/>
+              <a:t>; // call function </a:t>
+            </a:r>
+            <a:endParaRPr/>
+          </a:p>
+        </p:txBody>
+      </p:sp>
+    </p:spTree>
+  </p:cSld>
+  <p:clrMapOvr>
+    <a:masterClrMapping/>
+  </p:clrMapOvr>
+</p:sld>
+</file>
+
+<file path=ppt/slides/slide43.xml><?xml version="1.0" encoding="utf-8"?>
+<p:sld xmlns:a="http://schemas.openxmlformats.org/drawingml/2006/main" xmlns:r="http://schemas.openxmlformats.org/officeDocument/2006/relationships" xmlns:mc="http://schemas.openxmlformats.org/markup-compatibility/2006" xmlns:mv="urn:schemas-microsoft-com:mac:vml" xmlns:p="http://schemas.openxmlformats.org/presentationml/2006/main" xmlns:c="http://schemas.openxmlformats.org/drawingml/2006/chart" xmlns:dgm="http://schemas.openxmlformats.org/drawingml/2006/diagram" xmlns:o="urn:schemas-microsoft-com:office:office" xmlns:v="urn:schemas-microsoft-com:vml" xmlns:pvml="urn:schemas-microsoft-com:office:powerpoint" xmlns:com="http://schemas.openxmlformats.org/drawingml/2006/compatibility" xmlns:p14="http://schemas.microsoft.com/office/powerpoint/2010/main" xmlns:p15="http://schemas.microsoft.com/office/powerpoint/2012/main" xmlns:ahyp="http://schemas.microsoft.com/office/drawing/2018/hyperlinkcolor">
+  <p:cSld>
+    <p:spTree>
+      <p:nvGrpSpPr>
+        <p:cNvPr id="441" name="Shape 441"/>
+        <p:cNvGrpSpPr/>
+        <p:nvPr/>
+      </p:nvGrpSpPr>
+      <p:grpSpPr>
+        <a:xfrm>
+          <a:off x="0" y="0"/>
+          <a:ext cx="0" cy="0"/>
+          <a:chOff x="0" y="0"/>
+          <a:chExt cx="0" cy="0"/>
+        </a:xfrm>
+      </p:grpSpPr>
+      <p:sp>
+        <p:nvSpPr>
+          <p:cNvPr id="442" name="Google Shape;442;p61"/>
           <p:cNvSpPr txBox="1"/>
           <p:nvPr>
             <p:ph idx="1" type="subTitle"/>
@@ -36334,7 +36989,7 @@
       </p:sp>
       <p:sp>
         <p:nvSpPr>
-          <p:cNvPr id="435" name="Google Shape;435;p60"/>
+          <p:cNvPr id="443" name="Google Shape;443;p61"/>
           <p:cNvSpPr txBox="1"/>
           <p:nvPr>
             <p:ph type="ctrTitle"/>
@@ -36372,138 +37027,6 @@
           </a:p>
         </p:txBody>
       </p:sp>
-    </p:spTree>
-  </p:cSld>
-  <p:clrMapOvr>
-    <a:masterClrMapping/>
-  </p:clrMapOvr>
-</p:sld>
-</file>
-
-<file path=ppt/slides/slide43.xml><?xml version="1.0" encoding="utf-8"?>
-<p:sld xmlns:a="http://schemas.openxmlformats.org/drawingml/2006/main" xmlns:r="http://schemas.openxmlformats.org/officeDocument/2006/relationships" xmlns:mc="http://schemas.openxmlformats.org/markup-compatibility/2006" xmlns:mv="urn:schemas-microsoft-com:mac:vml" xmlns:p="http://schemas.openxmlformats.org/presentationml/2006/main" xmlns:c="http://schemas.openxmlformats.org/drawingml/2006/chart" xmlns:dgm="http://schemas.openxmlformats.org/drawingml/2006/diagram" xmlns:o="urn:schemas-microsoft-com:office:office" xmlns:v="urn:schemas-microsoft-com:vml" xmlns:pvml="urn:schemas-microsoft-com:office:powerpoint" xmlns:com="http://schemas.openxmlformats.org/drawingml/2006/compatibility" xmlns:p14="http://schemas.microsoft.com/office/powerpoint/2010/main" xmlns:p15="http://schemas.microsoft.com/office/powerpoint/2012/main" xmlns:ahyp="http://schemas.microsoft.com/office/drawing/2018/hyperlinkcolor">
-  <p:cSld>
-    <p:spTree>
-      <p:nvGrpSpPr>
-        <p:cNvPr id="440" name="Shape 440"/>
-        <p:cNvGrpSpPr/>
-        <p:nvPr/>
-      </p:nvGrpSpPr>
-      <p:grpSpPr>
-        <a:xfrm>
-          <a:off x="0" y="0"/>
-          <a:ext cx="0" cy="0"/>
-          <a:chOff x="0" y="0"/>
-          <a:chExt cx="0" cy="0"/>
-        </a:xfrm>
-      </p:grpSpPr>
-      <p:sp>
-        <p:nvSpPr>
-          <p:cNvPr id="441" name="Google Shape;441;p61"/>
-          <p:cNvSpPr txBox="1"/>
-          <p:nvPr>
-            <p:ph type="title"/>
-          </p:nvPr>
-        </p:nvSpPr>
-        <p:spPr>
-          <a:xfrm>
-            <a:off x="808039" y="201077"/>
-            <a:ext cx="6569100" cy="446100"/>
-          </a:xfrm>
-          <a:prstGeom prst="rect">
-            <a:avLst/>
-          </a:prstGeom>
-        </p:spPr>
-        <p:txBody>
-          <a:bodyPr anchorCtr="0" anchor="t" bIns="0" lIns="0" spcFirstLastPara="1" rIns="0" wrap="square" tIns="0">
-            <a:noAutofit/>
-          </a:bodyPr>
-          <a:lstStyle/>
-          <a:p>
-            <a:pPr indent="0" lvl="0" marL="0" rtl="0" algn="l">
-              <a:spcBef>
-                <a:spcPts val="0"/>
-              </a:spcBef>
-              <a:spcAft>
-                <a:spcPts val="0"/>
-              </a:spcAft>
-              <a:buNone/>
-            </a:pPr>
-            <a:r>
-              <a:rPr lang="en-US"/>
-              <a:t>TDD cycle</a:t>
-            </a:r>
-            <a:endParaRPr/>
-          </a:p>
-        </p:txBody>
-      </p:sp>
-      <p:sp>
-        <p:nvSpPr>
-          <p:cNvPr id="442" name="Google Shape;442;p61"/>
-          <p:cNvSpPr txBox="1"/>
-          <p:nvPr>
-            <p:ph idx="1" type="body"/>
-          </p:nvPr>
-        </p:nvSpPr>
-        <p:spPr>
-          <a:xfrm>
-            <a:off x="808038" y="1164165"/>
-            <a:ext cx="8140800" cy="3325500"/>
-          </a:xfrm>
-          <a:prstGeom prst="rect">
-            <a:avLst/>
-          </a:prstGeom>
-        </p:spPr>
-        <p:txBody>
-          <a:bodyPr anchorCtr="0" anchor="t" bIns="0" lIns="0" spcFirstLastPara="1" rIns="0" wrap="square" tIns="0">
-            <a:noAutofit/>
-          </a:bodyPr>
-          <a:lstStyle/>
-          <a:p>
-            <a:pPr indent="0" lvl="0" marL="0" rtl="0" algn="l">
-              <a:spcBef>
-                <a:spcPts val="500"/>
-              </a:spcBef>
-              <a:spcAft>
-                <a:spcPts val="0"/>
-              </a:spcAft>
-              <a:buNone/>
-            </a:pPr>
-            <a:r>
-              <a:t/>
-            </a:r>
-            <a:endParaRPr/>
-          </a:p>
-        </p:txBody>
-      </p:sp>
-      <p:pic>
-        <p:nvPicPr>
-          <p:cNvPr id="443" name="Google Shape;443;p61"/>
-          <p:cNvPicPr preferRelativeResize="0"/>
-          <p:nvPr/>
-        </p:nvPicPr>
-        <p:blipFill>
-          <a:blip r:embed="rId3">
-            <a:alphaModFix/>
-          </a:blip>
-          <a:stretch>
-            <a:fillRect/>
-          </a:stretch>
-        </p:blipFill>
-        <p:spPr>
-          <a:xfrm>
-            <a:off x="1026675" y="797250"/>
-            <a:ext cx="6854401" cy="3692416"/>
-          </a:xfrm>
-          <a:prstGeom prst="rect">
-            <a:avLst/>
-          </a:prstGeom>
-          <a:noFill/>
-          <a:ln>
-            <a:noFill/>
-          </a:ln>
-        </p:spPr>
-      </p:pic>
     </p:spTree>
   </p:cSld>
   <p:clrMapOvr>
@@ -36563,7 +37086,7 @@
             </a:pPr>
             <a:r>
               <a:rPr lang="en-US"/>
-              <a:t>Why TDD?</a:t>
+              <a:t>TDD cycle</a:t>
             </a:r>
             <a:endParaRPr/>
           </a:p>
@@ -36624,8 +37147,8 @@
         </p:blipFill>
         <p:spPr>
           <a:xfrm>
-            <a:off x="1022113" y="1230824"/>
-            <a:ext cx="7118827" cy="2840374"/>
+            <a:off x="1026675" y="797250"/>
+            <a:ext cx="6854401" cy="3692416"/>
           </a:xfrm>
           <a:prstGeom prst="rect">
             <a:avLst/>
@@ -36695,7 +37218,7 @@
             </a:pPr>
             <a:r>
               <a:rPr lang="en-US"/>
-              <a:t>The target hardware bottleneck</a:t>
+              <a:t>Why TDD?</a:t>
             </a:r>
             <a:endParaRPr/>
           </a:p>
@@ -36724,109 +37247,50 @@
           </a:bodyPr>
           <a:lstStyle/>
           <a:p>
-            <a:pPr indent="-381000" lvl="0" marL="457200" rtl="0" algn="l">
+            <a:pPr indent="0" lvl="0" marL="0" rtl="0" algn="l">
               <a:spcBef>
                 <a:spcPts val="500"/>
               </a:spcBef>
               <a:spcAft>
                 <a:spcPts val="0"/>
               </a:spcAft>
-              <a:buSzPts val="2400"/>
-              <a:buChar char="●"/>
-            </a:pPr>
-            <a:r>
-              <a:rPr lang="en-US"/>
-              <a:t>Target hardware is not ready</a:t>
-            </a:r>
-            <a:endParaRPr/>
-          </a:p>
-          <a:p>
-            <a:pPr indent="-381000" lvl="0" marL="457200" rtl="0" algn="l">
-              <a:spcBef>
-                <a:spcPts val="0"/>
-              </a:spcBef>
-              <a:spcAft>
-                <a:spcPts val="0"/>
-              </a:spcAft>
-              <a:buSzPts val="2400"/>
-              <a:buChar char="●"/>
-            </a:pPr>
-            <a:r>
-              <a:rPr lang="en-US"/>
-              <a:t>Target hardware is expensive/scarce</a:t>
-            </a:r>
-            <a:endParaRPr/>
-          </a:p>
-          <a:p>
-            <a:pPr indent="-381000" lvl="0" marL="457200" rtl="0" algn="l">
-              <a:spcBef>
-                <a:spcPts val="0"/>
-              </a:spcBef>
-              <a:spcAft>
-                <a:spcPts val="0"/>
-              </a:spcAft>
-              <a:buSzPts val="2400"/>
-              <a:buChar char="●"/>
-            </a:pPr>
-            <a:r>
-              <a:rPr lang="en-US"/>
-              <a:t>Target hardware may have bug of its own</a:t>
-            </a:r>
-            <a:endParaRPr/>
-          </a:p>
-          <a:p>
-            <a:pPr indent="-381000" lvl="0" marL="457200" rtl="0" algn="l">
-              <a:spcBef>
-                <a:spcPts val="0"/>
-              </a:spcBef>
-              <a:spcAft>
-                <a:spcPts val="0"/>
-              </a:spcAft>
-              <a:buSzPts val="2400"/>
-              <a:buChar char="●"/>
-            </a:pPr>
-            <a:r>
-              <a:rPr lang="en-US"/>
-              <a:t>Longer target build time</a:t>
-            </a:r>
-            <a:endParaRPr/>
-          </a:p>
-          <a:p>
-            <a:pPr indent="-381000" lvl="0" marL="457200" rtl="0" algn="l">
-              <a:spcBef>
-                <a:spcPts val="0"/>
-              </a:spcBef>
-              <a:spcAft>
-                <a:spcPts val="0"/>
-              </a:spcAft>
-              <a:buSzPts val="2400"/>
-              <a:buChar char="●"/>
-            </a:pPr>
-            <a:r>
-              <a:rPr lang="en-US"/>
-              <a:t>Longer target upload time</a:t>
-            </a:r>
-            <a:endParaRPr/>
-          </a:p>
-          <a:p>
-            <a:pPr indent="-381000" lvl="0" marL="457200" rtl="0" algn="l">
-              <a:spcBef>
-                <a:spcPts val="0"/>
-              </a:spcBef>
-              <a:spcAft>
-                <a:spcPts val="0"/>
-              </a:spcAft>
-              <a:buSzPts val="2400"/>
-              <a:buChar char="●"/>
-            </a:pPr>
-            <a:r>
-              <a:rPr lang="en-US"/>
-              <a:t>Compiler difference</a:t>
+              <a:buNone/>
+            </a:pPr>
+            <a:r>
+              <a:t/>
             </a:r>
             <a:endParaRPr/>
           </a:p>
         </p:txBody>
       </p:sp>
+      <p:pic>
+        <p:nvPicPr>
+          <p:cNvPr id="459" name="Google Shape;459;p63"/>
+          <p:cNvPicPr preferRelativeResize="0"/>
+          <p:nvPr/>
+        </p:nvPicPr>
+        <p:blipFill>
+          <a:blip r:embed="rId3">
+            <a:alphaModFix/>
+          </a:blip>
+          <a:stretch>
+            <a:fillRect/>
+          </a:stretch>
+        </p:blipFill>
+        <p:spPr>
+          <a:xfrm>
+            <a:off x="1022113" y="1230824"/>
+            <a:ext cx="7118827" cy="2840374"/>
+          </a:xfrm>
+          <a:prstGeom prst="rect">
+            <a:avLst/>
+          </a:prstGeom>
+          <a:noFill/>
+          <a:ln>
+            <a:noFill/>
+          </a:ln>
+        </p:spPr>
+      </p:pic>
     </p:spTree>
   </p:cSld>
   <p:clrMapOvr>
@@ -36840,7 +37304,7 @@
   <p:cSld>
     <p:spTree>
       <p:nvGrpSpPr>
-        <p:cNvPr id="463" name="Shape 463"/>
+        <p:cNvPr id="464" name="Shape 464"/>
         <p:cNvGrpSpPr/>
         <p:nvPr/>
       </p:nvGrpSpPr>
@@ -36854,7 +37318,7 @@
       </p:grpSpPr>
       <p:sp>
         <p:nvSpPr>
-          <p:cNvPr id="464" name="Google Shape;464;p64"/>
+          <p:cNvPr id="465" name="Google Shape;465;p64"/>
           <p:cNvSpPr txBox="1"/>
           <p:nvPr>
             <p:ph type="title"/>
@@ -36886,7 +37350,7 @@
             </a:pPr>
             <a:r>
               <a:rPr lang="en-US"/>
-              <a:t>Embedded TDD Cycle</a:t>
+              <a:t>The target hardware bottleneck</a:t>
             </a:r>
             <a:endParaRPr/>
           </a:p>
@@ -36894,7 +37358,7 @@
       </p:sp>
       <p:sp>
         <p:nvSpPr>
-          <p:cNvPr id="465" name="Google Shape;465;p64"/>
+          <p:cNvPr id="466" name="Google Shape;466;p64"/>
           <p:cNvSpPr txBox="1"/>
           <p:nvPr>
             <p:ph idx="1" type="body"/>
@@ -36926,6 +37390,197 @@
               <a:buChar char="●"/>
             </a:pPr>
             <a:r>
+              <a:rPr lang="en-US"/>
+              <a:t>Target hardware is not ready</a:t>
+            </a:r>
+            <a:endParaRPr/>
+          </a:p>
+          <a:p>
+            <a:pPr indent="-381000" lvl="0" marL="457200" rtl="0" algn="l">
+              <a:spcBef>
+                <a:spcPts val="0"/>
+              </a:spcBef>
+              <a:spcAft>
+                <a:spcPts val="0"/>
+              </a:spcAft>
+              <a:buSzPts val="2400"/>
+              <a:buChar char="●"/>
+            </a:pPr>
+            <a:r>
+              <a:rPr lang="en-US"/>
+              <a:t>Target hardware is expensive/scarce</a:t>
+            </a:r>
+            <a:endParaRPr/>
+          </a:p>
+          <a:p>
+            <a:pPr indent="-381000" lvl="0" marL="457200" rtl="0" algn="l">
+              <a:spcBef>
+                <a:spcPts val="0"/>
+              </a:spcBef>
+              <a:spcAft>
+                <a:spcPts val="0"/>
+              </a:spcAft>
+              <a:buSzPts val="2400"/>
+              <a:buChar char="●"/>
+            </a:pPr>
+            <a:r>
+              <a:rPr lang="en-US"/>
+              <a:t>Target hardware may have bug of its own</a:t>
+            </a:r>
+            <a:endParaRPr/>
+          </a:p>
+          <a:p>
+            <a:pPr indent="-381000" lvl="0" marL="457200" rtl="0" algn="l">
+              <a:spcBef>
+                <a:spcPts val="0"/>
+              </a:spcBef>
+              <a:spcAft>
+                <a:spcPts val="0"/>
+              </a:spcAft>
+              <a:buSzPts val="2400"/>
+              <a:buChar char="●"/>
+            </a:pPr>
+            <a:r>
+              <a:rPr lang="en-US"/>
+              <a:t>Longer target build time</a:t>
+            </a:r>
+            <a:endParaRPr/>
+          </a:p>
+          <a:p>
+            <a:pPr indent="-381000" lvl="0" marL="457200" rtl="0" algn="l">
+              <a:spcBef>
+                <a:spcPts val="0"/>
+              </a:spcBef>
+              <a:spcAft>
+                <a:spcPts val="0"/>
+              </a:spcAft>
+              <a:buSzPts val="2400"/>
+              <a:buChar char="●"/>
+            </a:pPr>
+            <a:r>
+              <a:rPr lang="en-US"/>
+              <a:t>Longer target upload time</a:t>
+            </a:r>
+            <a:endParaRPr/>
+          </a:p>
+          <a:p>
+            <a:pPr indent="-381000" lvl="0" marL="457200" rtl="0" algn="l">
+              <a:spcBef>
+                <a:spcPts val="0"/>
+              </a:spcBef>
+              <a:spcAft>
+                <a:spcPts val="0"/>
+              </a:spcAft>
+              <a:buSzPts val="2400"/>
+              <a:buChar char="●"/>
+            </a:pPr>
+            <a:r>
+              <a:rPr lang="en-US"/>
+              <a:t>Compiler difference</a:t>
+            </a:r>
+            <a:endParaRPr/>
+          </a:p>
+        </p:txBody>
+      </p:sp>
+    </p:spTree>
+  </p:cSld>
+  <p:clrMapOvr>
+    <a:masterClrMapping/>
+  </p:clrMapOvr>
+</p:sld>
+</file>
+
+<file path=ppt/slides/slide47.xml><?xml version="1.0" encoding="utf-8"?>
+<p:sld xmlns:a="http://schemas.openxmlformats.org/drawingml/2006/main" xmlns:r="http://schemas.openxmlformats.org/officeDocument/2006/relationships" xmlns:mc="http://schemas.openxmlformats.org/markup-compatibility/2006" xmlns:mv="urn:schemas-microsoft-com:mac:vml" xmlns:p="http://schemas.openxmlformats.org/presentationml/2006/main" xmlns:c="http://schemas.openxmlformats.org/drawingml/2006/chart" xmlns:dgm="http://schemas.openxmlformats.org/drawingml/2006/diagram" xmlns:o="urn:schemas-microsoft-com:office:office" xmlns:v="urn:schemas-microsoft-com:vml" xmlns:pvml="urn:schemas-microsoft-com:office:powerpoint" xmlns:com="http://schemas.openxmlformats.org/drawingml/2006/compatibility" xmlns:p14="http://schemas.microsoft.com/office/powerpoint/2010/main" xmlns:p15="http://schemas.microsoft.com/office/powerpoint/2012/main" xmlns:ahyp="http://schemas.microsoft.com/office/drawing/2018/hyperlinkcolor">
+  <p:cSld>
+    <p:spTree>
+      <p:nvGrpSpPr>
+        <p:cNvPr id="471" name="Shape 471"/>
+        <p:cNvGrpSpPr/>
+        <p:nvPr/>
+      </p:nvGrpSpPr>
+      <p:grpSpPr>
+        <a:xfrm>
+          <a:off x="0" y="0"/>
+          <a:ext cx="0" cy="0"/>
+          <a:chOff x="0" y="0"/>
+          <a:chExt cx="0" cy="0"/>
+        </a:xfrm>
+      </p:grpSpPr>
+      <p:sp>
+        <p:nvSpPr>
+          <p:cNvPr id="472" name="Google Shape;472;p65"/>
+          <p:cNvSpPr txBox="1"/>
+          <p:nvPr>
+            <p:ph type="title"/>
+          </p:nvPr>
+        </p:nvSpPr>
+        <p:spPr>
+          <a:xfrm>
+            <a:off x="808039" y="201077"/>
+            <a:ext cx="6569100" cy="446100"/>
+          </a:xfrm>
+          <a:prstGeom prst="rect">
+            <a:avLst/>
+          </a:prstGeom>
+        </p:spPr>
+        <p:txBody>
+          <a:bodyPr anchorCtr="0" anchor="t" bIns="0" lIns="0" spcFirstLastPara="1" rIns="0" wrap="square" tIns="0">
+            <a:noAutofit/>
+          </a:bodyPr>
+          <a:lstStyle/>
+          <a:p>
+            <a:pPr indent="0" lvl="0" marL="0" rtl="0" algn="l">
+              <a:spcBef>
+                <a:spcPts val="0"/>
+              </a:spcBef>
+              <a:spcAft>
+                <a:spcPts val="0"/>
+              </a:spcAft>
+              <a:buNone/>
+            </a:pPr>
+            <a:r>
+              <a:rPr lang="en-US"/>
+              <a:t>Embedded TDD Cycle</a:t>
+            </a:r>
+            <a:endParaRPr/>
+          </a:p>
+        </p:txBody>
+      </p:sp>
+      <p:sp>
+        <p:nvSpPr>
+          <p:cNvPr id="473" name="Google Shape;473;p65"/>
+          <p:cNvSpPr txBox="1"/>
+          <p:nvPr>
+            <p:ph idx="1" type="body"/>
+          </p:nvPr>
+        </p:nvSpPr>
+        <p:spPr>
+          <a:xfrm>
+            <a:off x="808038" y="1164165"/>
+            <a:ext cx="8140800" cy="3325500"/>
+          </a:xfrm>
+          <a:prstGeom prst="rect">
+            <a:avLst/>
+          </a:prstGeom>
+        </p:spPr>
+        <p:txBody>
+          <a:bodyPr anchorCtr="0" anchor="t" bIns="0" lIns="0" spcFirstLastPara="1" rIns="0" wrap="square" tIns="0">
+            <a:noAutofit/>
+          </a:bodyPr>
+          <a:lstStyle/>
+          <a:p>
+            <a:pPr indent="-381000" lvl="0" marL="457200" rtl="0" algn="l">
+              <a:spcBef>
+                <a:spcPts val="500"/>
+              </a:spcBef>
+              <a:spcAft>
+                <a:spcPts val="0"/>
+              </a:spcAft>
+              <a:buSzPts val="2400"/>
+              <a:buChar char="●"/>
+            </a:pPr>
+            <a:r>
               <a:t/>
             </a:r>
             <a:endParaRPr/>
@@ -36934,7 +37589,7 @@
       </p:sp>
       <p:pic>
         <p:nvPicPr>
-          <p:cNvPr id="466" name="Google Shape;466;p64"/>
+          <p:cNvPr id="474" name="Google Shape;474;p65"/>
           <p:cNvPicPr preferRelativeResize="0"/>
           <p:nvPr/>
         </p:nvPicPr>
@@ -36968,12 +37623,12 @@
 </p:sld>
 </file>
 
-<file path=ppt/slides/slide47.xml><?xml version="1.0" encoding="utf-8"?>
+<file path=ppt/slides/slide48.xml><?xml version="1.0" encoding="utf-8"?>
 <p:sld xmlns:a="http://schemas.openxmlformats.org/drawingml/2006/main" xmlns:r="http://schemas.openxmlformats.org/officeDocument/2006/relationships" xmlns:mc="http://schemas.openxmlformats.org/markup-compatibility/2006" xmlns:mv="urn:schemas-microsoft-com:mac:vml" xmlns:p="http://schemas.openxmlformats.org/presentationml/2006/main" xmlns:c="http://schemas.openxmlformats.org/drawingml/2006/chart" xmlns:dgm="http://schemas.openxmlformats.org/drawingml/2006/diagram" xmlns:o="urn:schemas-microsoft-com:office:office" xmlns:v="urn:schemas-microsoft-com:vml" xmlns:pvml="urn:schemas-microsoft-com:office:powerpoint" xmlns:com="http://schemas.openxmlformats.org/drawingml/2006/compatibility" xmlns:p14="http://schemas.microsoft.com/office/powerpoint/2010/main" xmlns:p15="http://schemas.microsoft.com/office/powerpoint/2012/main" xmlns:ahyp="http://schemas.microsoft.com/office/drawing/2018/hyperlinkcolor">
   <p:cSld>
     <p:spTree>
       <p:nvGrpSpPr>
-        <p:cNvPr id="470" name="Shape 470"/>
+        <p:cNvPr id="479" name="Shape 479"/>
         <p:cNvGrpSpPr/>
         <p:nvPr/>
       </p:nvGrpSpPr>
@@ -36987,7 +37642,193 @@
       </p:grpSpPr>
       <p:sp>
         <p:nvSpPr>
-          <p:cNvPr id="471" name="Google Shape;471;p65"/>
+          <p:cNvPr id="480" name="Google Shape;480;p66"/>
+          <p:cNvSpPr txBox="1"/>
+          <p:nvPr>
+            <p:ph type="title"/>
+          </p:nvPr>
+        </p:nvSpPr>
+        <p:spPr>
+          <a:xfrm>
+            <a:off x="808039" y="201077"/>
+            <a:ext cx="6569100" cy="446100"/>
+          </a:xfrm>
+          <a:prstGeom prst="rect">
+            <a:avLst/>
+          </a:prstGeom>
+        </p:spPr>
+        <p:txBody>
+          <a:bodyPr anchorCtr="0" anchor="t" bIns="0" lIns="0" spcFirstLastPara="1" rIns="0" wrap="square" tIns="0">
+            <a:noAutofit/>
+          </a:bodyPr>
+          <a:lstStyle/>
+          <a:p>
+            <a:pPr indent="0" lvl="0" marL="0" rtl="0" algn="l">
+              <a:spcBef>
+                <a:spcPts val="0"/>
+              </a:spcBef>
+              <a:spcAft>
+                <a:spcPts val="0"/>
+              </a:spcAft>
+              <a:buNone/>
+            </a:pPr>
+            <a:r>
+              <a:rPr lang="en-US"/>
+              <a:t>Embedded TDD Cycle stages</a:t>
+            </a:r>
+            <a:endParaRPr/>
+          </a:p>
+        </p:txBody>
+      </p:sp>
+      <p:sp>
+        <p:nvSpPr>
+          <p:cNvPr id="481" name="Google Shape;481;p66"/>
+          <p:cNvSpPr txBox="1"/>
+          <p:nvPr>
+            <p:ph idx="1" type="body"/>
+          </p:nvPr>
+        </p:nvSpPr>
+        <p:spPr>
+          <a:xfrm>
+            <a:off x="808038" y="1164165"/>
+            <a:ext cx="8140800" cy="3325500"/>
+          </a:xfrm>
+          <a:prstGeom prst="rect">
+            <a:avLst/>
+          </a:prstGeom>
+        </p:spPr>
+        <p:txBody>
+          <a:bodyPr anchorCtr="0" anchor="t" bIns="0" lIns="0" spcFirstLastPara="1" rIns="0" wrap="square" tIns="0">
+            <a:noAutofit/>
+          </a:bodyPr>
+          <a:lstStyle/>
+          <a:p>
+            <a:pPr indent="-381000" lvl="0" marL="457200" rtl="0" algn="l">
+              <a:spcBef>
+                <a:spcPts val="500"/>
+              </a:spcBef>
+              <a:spcAft>
+                <a:spcPts val="0"/>
+              </a:spcAft>
+              <a:buSzPts val="2400"/>
+              <a:buAutoNum type="arabicPeriod"/>
+            </a:pPr>
+            <a:r>
+              <a:rPr lang="en-US"/>
+              <a:t>TDD microcycle: compile and run platform-independent code on host </a:t>
+            </a:r>
+            <a:r>
+              <a:rPr lang="en-US"/>
+              <a:t>development</a:t>
+            </a:r>
+            <a:r>
+              <a:rPr lang="en-US"/>
+              <a:t> system.</a:t>
+            </a:r>
+            <a:r>
+              <a:rPr lang="en-US"/>
+              <a:t> </a:t>
+            </a:r>
+            <a:endParaRPr/>
+          </a:p>
+          <a:p>
+            <a:pPr indent="-381000" lvl="0" marL="457200" rtl="0" algn="l">
+              <a:spcBef>
+                <a:spcPts val="0"/>
+              </a:spcBef>
+              <a:spcAft>
+                <a:spcPts val="0"/>
+              </a:spcAft>
+              <a:buSzPts val="2400"/>
+              <a:buAutoNum type="arabicPeriod"/>
+            </a:pPr>
+            <a:r>
+              <a:rPr lang="en-US"/>
+              <a:t>Compiler compatibility check: compile for the target.</a:t>
+            </a:r>
+            <a:endParaRPr/>
+          </a:p>
+          <a:p>
+            <a:pPr indent="-381000" lvl="0" marL="457200" rtl="0" algn="l">
+              <a:spcBef>
+                <a:spcPts val="0"/>
+              </a:spcBef>
+              <a:spcAft>
+                <a:spcPts val="0"/>
+              </a:spcAft>
+              <a:buSzPts val="2400"/>
+              <a:buAutoNum type="arabicPeriod"/>
+            </a:pPr>
+            <a:r>
+              <a:rPr lang="en-US"/>
+              <a:t>Run unit tests in an eval board: see if the compiled code  run as expected on target processor.</a:t>
+            </a:r>
+            <a:endParaRPr/>
+          </a:p>
+          <a:p>
+            <a:pPr indent="-381000" lvl="0" marL="457200" rtl="0" algn="l">
+              <a:spcBef>
+                <a:spcPts val="0"/>
+              </a:spcBef>
+              <a:spcAft>
+                <a:spcPts val="0"/>
+              </a:spcAft>
+              <a:buSzPts val="2400"/>
+              <a:buAutoNum type="arabicPeriod"/>
+            </a:pPr>
+            <a:r>
+              <a:rPr lang="en-US"/>
+              <a:t>Run unit tests in the target hardware: same as 3 but on target hardware. Run hardware-specific tests here.</a:t>
+            </a:r>
+            <a:endParaRPr/>
+          </a:p>
+          <a:p>
+            <a:pPr indent="-381000" lvl="0" marL="457200" rtl="0" algn="l">
+              <a:spcBef>
+                <a:spcPts val="0"/>
+              </a:spcBef>
+              <a:spcAft>
+                <a:spcPts val="0"/>
+              </a:spcAft>
+              <a:buSzPts val="2400"/>
+              <a:buAutoNum type="arabicPeriod"/>
+            </a:pPr>
+            <a:r>
+              <a:rPr lang="en-US"/>
+              <a:t>Run acceptance tests in the target: make sure that product features work</a:t>
+            </a:r>
+            <a:endParaRPr/>
+          </a:p>
+        </p:txBody>
+      </p:sp>
+    </p:spTree>
+  </p:cSld>
+  <p:clrMapOvr>
+    <a:masterClrMapping/>
+  </p:clrMapOvr>
+</p:sld>
+</file>
+
+<file path=ppt/slides/slide49.xml><?xml version="1.0" encoding="utf-8"?>
+<p:sld xmlns:a="http://schemas.openxmlformats.org/drawingml/2006/main" xmlns:r="http://schemas.openxmlformats.org/officeDocument/2006/relationships" xmlns:mc="http://schemas.openxmlformats.org/markup-compatibility/2006" xmlns:mv="urn:schemas-microsoft-com:mac:vml" xmlns:p="http://schemas.openxmlformats.org/presentationml/2006/main" xmlns:c="http://schemas.openxmlformats.org/drawingml/2006/chart" xmlns:dgm="http://schemas.openxmlformats.org/drawingml/2006/diagram" xmlns:o="urn:schemas-microsoft-com:office:office" xmlns:v="urn:schemas-microsoft-com:vml" xmlns:pvml="urn:schemas-microsoft-com:office:powerpoint" xmlns:com="http://schemas.openxmlformats.org/drawingml/2006/compatibility" xmlns:p14="http://schemas.microsoft.com/office/powerpoint/2010/main" xmlns:p15="http://schemas.microsoft.com/office/powerpoint/2012/main" xmlns:ahyp="http://schemas.microsoft.com/office/drawing/2018/hyperlinkcolor">
+  <p:cSld>
+    <p:spTree>
+      <p:nvGrpSpPr>
+        <p:cNvPr id="485" name="Shape 485"/>
+        <p:cNvGrpSpPr/>
+        <p:nvPr/>
+      </p:nvGrpSpPr>
+      <p:grpSpPr>
+        <a:xfrm>
+          <a:off x="0" y="0"/>
+          <a:ext cx="0" cy="0"/>
+          <a:chOff x="0" y="0"/>
+          <a:chExt cx="0" cy="0"/>
+        </a:xfrm>
+      </p:grpSpPr>
+      <p:sp>
+        <p:nvSpPr>
+          <p:cNvPr id="486" name="Google Shape;486;p67"/>
           <p:cNvSpPr txBox="1"/>
           <p:nvPr>
             <p:ph idx="1" type="subTitle"/>
@@ -37042,7 +37883,7 @@
       </p:sp>
       <p:sp>
         <p:nvSpPr>
-          <p:cNvPr id="472" name="Google Shape;472;p65"/>
+          <p:cNvPr id="487" name="Google Shape;487;p67"/>
           <p:cNvSpPr txBox="1"/>
           <p:nvPr>
             <p:ph type="ctrTitle"/>
@@ -37101,523 +37942,6 @@
                 <a:sym typeface="Microsoft JhengHei"/>
               </a:rPr>
               <a:t> 簡介</a:t>
-            </a:r>
-            <a:endParaRPr/>
-          </a:p>
-        </p:txBody>
-      </p:sp>
-    </p:spTree>
-  </p:cSld>
-  <p:clrMapOvr>
-    <a:masterClrMapping/>
-  </p:clrMapOvr>
-</p:sld>
-</file>
-
-<file path=ppt/slides/slide48.xml><?xml version="1.0" encoding="utf-8"?>
-<p:sld xmlns:a="http://schemas.openxmlformats.org/drawingml/2006/main" xmlns:r="http://schemas.openxmlformats.org/officeDocument/2006/relationships" xmlns:mc="http://schemas.openxmlformats.org/markup-compatibility/2006" xmlns:mv="urn:schemas-microsoft-com:mac:vml" xmlns:p="http://schemas.openxmlformats.org/presentationml/2006/main" xmlns:c="http://schemas.openxmlformats.org/drawingml/2006/chart" xmlns:dgm="http://schemas.openxmlformats.org/drawingml/2006/diagram" xmlns:o="urn:schemas-microsoft-com:office:office" xmlns:v="urn:schemas-microsoft-com:vml" xmlns:pvml="urn:schemas-microsoft-com:office:powerpoint" xmlns:com="http://schemas.openxmlformats.org/drawingml/2006/compatibility" xmlns:p14="http://schemas.microsoft.com/office/powerpoint/2010/main" xmlns:p15="http://schemas.microsoft.com/office/powerpoint/2012/main" xmlns:ahyp="http://schemas.microsoft.com/office/drawing/2018/hyperlinkcolor">
-  <p:cSld>
-    <p:spTree>
-      <p:nvGrpSpPr>
-        <p:cNvPr id="477" name="Shape 477"/>
-        <p:cNvGrpSpPr/>
-        <p:nvPr/>
-      </p:nvGrpSpPr>
-      <p:grpSpPr>
-        <a:xfrm>
-          <a:off x="0" y="0"/>
-          <a:ext cx="0" cy="0"/>
-          <a:chOff x="0" y="0"/>
-          <a:chExt cx="0" cy="0"/>
-        </a:xfrm>
-      </p:grpSpPr>
-      <p:sp>
-        <p:nvSpPr>
-          <p:cNvPr id="478" name="Google Shape;478;p66"/>
-          <p:cNvSpPr txBox="1"/>
-          <p:nvPr>
-            <p:ph type="title"/>
-          </p:nvPr>
-        </p:nvSpPr>
-        <p:spPr>
-          <a:xfrm>
-            <a:off x="808039" y="201077"/>
-            <a:ext cx="6569100" cy="446100"/>
-          </a:xfrm>
-          <a:prstGeom prst="rect">
-            <a:avLst/>
-          </a:prstGeom>
-          <a:noFill/>
-          <a:ln>
-            <a:noFill/>
-          </a:ln>
-        </p:spPr>
-        <p:txBody>
-          <a:bodyPr anchorCtr="0" anchor="t" bIns="0" lIns="0" spcFirstLastPara="1" rIns="0" wrap="square" tIns="0">
-            <a:noAutofit/>
-          </a:bodyPr>
-          <a:lstStyle/>
-          <a:p>
-            <a:pPr indent="0" lvl="0" marL="0" rtl="0" algn="l">
-              <a:lnSpc>
-                <a:spcPct val="100000"/>
-              </a:lnSpc>
-              <a:spcBef>
-                <a:spcPts val="0"/>
-              </a:spcBef>
-              <a:spcAft>
-                <a:spcPts val="0"/>
-              </a:spcAft>
-              <a:buSzPts val="1400"/>
-              <a:buNone/>
-            </a:pPr>
-            <a:r>
-              <a:rPr lang="en-US"/>
-              <a:t>What is CGreen?</a:t>
-            </a:r>
-            <a:endParaRPr/>
-          </a:p>
-        </p:txBody>
-      </p:sp>
-      <p:sp>
-        <p:nvSpPr>
-          <p:cNvPr id="479" name="Google Shape;479;p66"/>
-          <p:cNvSpPr txBox="1"/>
-          <p:nvPr>
-            <p:ph idx="1" type="body"/>
-          </p:nvPr>
-        </p:nvSpPr>
-        <p:spPr>
-          <a:xfrm>
-            <a:off x="808038" y="1164165"/>
-            <a:ext cx="8140800" cy="3325500"/>
-          </a:xfrm>
-          <a:prstGeom prst="rect">
-            <a:avLst/>
-          </a:prstGeom>
-          <a:noFill/>
-          <a:ln>
-            <a:noFill/>
-          </a:ln>
-        </p:spPr>
-        <p:txBody>
-          <a:bodyPr anchorCtr="0" anchor="t" bIns="0" lIns="0" spcFirstLastPara="1" rIns="0" wrap="square" tIns="0">
-            <a:noAutofit/>
-          </a:bodyPr>
-          <a:lstStyle/>
-          <a:p>
-            <a:pPr indent="-381000" lvl="0" marL="457200" rtl="0" algn="l">
-              <a:lnSpc>
-                <a:spcPct val="100000"/>
-              </a:lnSpc>
-              <a:spcBef>
-                <a:spcPts val="0"/>
-              </a:spcBef>
-              <a:spcAft>
-                <a:spcPts val="0"/>
-              </a:spcAft>
-              <a:buSzPts val="2400"/>
-              <a:buChar char="●"/>
-            </a:pPr>
-            <a:r>
-              <a:rPr lang="en-US"/>
-              <a:t>open source unit tester for C and C++</a:t>
-            </a:r>
-            <a:endParaRPr/>
-          </a:p>
-          <a:p>
-            <a:pPr indent="-381000" lvl="0" marL="457200" rtl="0" algn="l">
-              <a:lnSpc>
-                <a:spcPct val="100000"/>
-              </a:lnSpc>
-              <a:spcBef>
-                <a:spcPts val="0"/>
-              </a:spcBef>
-              <a:spcAft>
-                <a:spcPts val="0"/>
-              </a:spcAft>
-              <a:buSzPts val="2400"/>
-              <a:buChar char="●"/>
-            </a:pPr>
-            <a:r>
-              <a:rPr lang="en-US"/>
-              <a:t>apt-get install cgreenl</a:t>
-            </a:r>
-            <a:endParaRPr/>
-          </a:p>
-          <a:p>
-            <a:pPr indent="0" lvl="0" marL="0" rtl="0" algn="l">
-              <a:lnSpc>
-                <a:spcPct val="100000"/>
-              </a:lnSpc>
-              <a:spcBef>
-                <a:spcPts val="0"/>
-              </a:spcBef>
-              <a:spcAft>
-                <a:spcPts val="0"/>
-              </a:spcAft>
-              <a:buNone/>
-            </a:pPr>
-            <a:r>
-              <a:t/>
-            </a:r>
-            <a:endParaRPr/>
-          </a:p>
-          <a:p>
-            <a:pPr indent="0" lvl="0" marL="0" rtl="0" algn="l">
-              <a:lnSpc>
-                <a:spcPct val="100000"/>
-              </a:lnSpc>
-              <a:spcBef>
-                <a:spcPts val="0"/>
-              </a:spcBef>
-              <a:spcAft>
-                <a:spcPts val="0"/>
-              </a:spcAft>
-              <a:buClr>
-                <a:schemeClr val="dk1"/>
-              </a:buClr>
-              <a:buSzPts val="1100"/>
-              <a:buFont typeface="Arial"/>
-              <a:buNone/>
-            </a:pPr>
-            <a:r>
-              <a:t/>
-            </a:r>
-            <a:endParaRPr sz="1500"/>
-          </a:p>
-          <a:p>
-            <a:pPr indent="0" lvl="0" marL="0" rtl="0" algn="l">
-              <a:lnSpc>
-                <a:spcPct val="100000"/>
-              </a:lnSpc>
-              <a:spcBef>
-                <a:spcPts val="0"/>
-              </a:spcBef>
-              <a:spcAft>
-                <a:spcPts val="0"/>
-              </a:spcAft>
-              <a:buNone/>
-            </a:pPr>
-            <a:r>
-              <a:t/>
-            </a:r>
-            <a:endParaRPr sz="900"/>
-          </a:p>
-          <a:p>
-            <a:pPr indent="0" lvl="0" marL="0" rtl="0" algn="l">
-              <a:lnSpc>
-                <a:spcPct val="100000"/>
-              </a:lnSpc>
-              <a:spcBef>
-                <a:spcPts val="500"/>
-              </a:spcBef>
-              <a:spcAft>
-                <a:spcPts val="200"/>
-              </a:spcAft>
-              <a:buSzPts val="2400"/>
-              <a:buNone/>
-            </a:pPr>
-            <a:r>
-              <a:t/>
-            </a:r>
-            <a:endParaRPr/>
-          </a:p>
-        </p:txBody>
-      </p:sp>
-    </p:spTree>
-  </p:cSld>
-  <p:clrMapOvr>
-    <a:masterClrMapping/>
-  </p:clrMapOvr>
-</p:sld>
-</file>
-
-<file path=ppt/slides/slide49.xml><?xml version="1.0" encoding="utf-8"?>
-<p:sld xmlns:a="http://schemas.openxmlformats.org/drawingml/2006/main" xmlns:r="http://schemas.openxmlformats.org/officeDocument/2006/relationships" xmlns:mc="http://schemas.openxmlformats.org/markup-compatibility/2006" xmlns:mv="urn:schemas-microsoft-com:mac:vml" xmlns:p="http://schemas.openxmlformats.org/presentationml/2006/main" xmlns:c="http://schemas.openxmlformats.org/drawingml/2006/chart" xmlns:dgm="http://schemas.openxmlformats.org/drawingml/2006/diagram" xmlns:o="urn:schemas-microsoft-com:office:office" xmlns:v="urn:schemas-microsoft-com:vml" xmlns:pvml="urn:schemas-microsoft-com:office:powerpoint" xmlns:com="http://schemas.openxmlformats.org/drawingml/2006/compatibility" xmlns:p14="http://schemas.microsoft.com/office/powerpoint/2010/main" xmlns:p15="http://schemas.microsoft.com/office/powerpoint/2012/main" xmlns:ahyp="http://schemas.microsoft.com/office/drawing/2018/hyperlinkcolor">
-  <p:cSld>
-    <p:spTree>
-      <p:nvGrpSpPr>
-        <p:cNvPr id="484" name="Shape 484"/>
-        <p:cNvGrpSpPr/>
-        <p:nvPr/>
-      </p:nvGrpSpPr>
-      <p:grpSpPr>
-        <a:xfrm>
-          <a:off x="0" y="0"/>
-          <a:ext cx="0" cy="0"/>
-          <a:chOff x="0" y="0"/>
-          <a:chExt cx="0" cy="0"/>
-        </a:xfrm>
-      </p:grpSpPr>
-      <p:sp>
-        <p:nvSpPr>
-          <p:cNvPr id="485" name="Google Shape;485;p67"/>
-          <p:cNvSpPr txBox="1"/>
-          <p:nvPr>
-            <p:ph type="title"/>
-          </p:nvPr>
-        </p:nvSpPr>
-        <p:spPr>
-          <a:xfrm>
-            <a:off x="808039" y="201077"/>
-            <a:ext cx="6569100" cy="446100"/>
-          </a:xfrm>
-          <a:prstGeom prst="rect">
-            <a:avLst/>
-          </a:prstGeom>
-        </p:spPr>
-        <p:txBody>
-          <a:bodyPr anchorCtr="0" anchor="t" bIns="0" lIns="0" spcFirstLastPara="1" rIns="0" wrap="square" tIns="0">
-            <a:noAutofit/>
-          </a:bodyPr>
-          <a:lstStyle/>
-          <a:p>
-            <a:pPr indent="0" lvl="0" marL="0" rtl="0" algn="l">
-              <a:spcBef>
-                <a:spcPts val="0"/>
-              </a:spcBef>
-              <a:spcAft>
-                <a:spcPts val="0"/>
-              </a:spcAft>
-              <a:buNone/>
-            </a:pPr>
-            <a:r>
-              <a:rPr lang="en-US"/>
-              <a:t>CGreen </a:t>
-            </a:r>
-            <a:r>
-              <a:rPr lang="en-US"/>
-              <a:t>Testifle part1</a:t>
-            </a:r>
-            <a:endParaRPr/>
-          </a:p>
-        </p:txBody>
-      </p:sp>
-      <p:sp>
-        <p:nvSpPr>
-          <p:cNvPr id="486" name="Google Shape;486;p67"/>
-          <p:cNvSpPr txBox="1"/>
-          <p:nvPr>
-            <p:ph idx="1" type="body"/>
-          </p:nvPr>
-        </p:nvSpPr>
-        <p:spPr>
-          <a:xfrm>
-            <a:off x="808038" y="1164165"/>
-            <a:ext cx="8140800" cy="3325500"/>
-          </a:xfrm>
-          <a:prstGeom prst="rect">
-            <a:avLst/>
-          </a:prstGeom>
-        </p:spPr>
-        <p:txBody>
-          <a:bodyPr anchorCtr="0" anchor="t" bIns="0" lIns="0" spcFirstLastPara="1" rIns="0" wrap="square" tIns="0">
-            <a:noAutofit/>
-          </a:bodyPr>
-          <a:lstStyle/>
-          <a:p>
-            <a:pPr indent="0" lvl="0" marL="0" rtl="0" algn="l">
-              <a:spcBef>
-                <a:spcPts val="500"/>
-              </a:spcBef>
-              <a:spcAft>
-                <a:spcPts val="0"/>
-              </a:spcAft>
-              <a:buClr>
-                <a:schemeClr val="dk1"/>
-              </a:buClr>
-              <a:buSzPts val="1100"/>
-              <a:buFont typeface="Arial"/>
-              <a:buNone/>
-            </a:pPr>
-            <a:r>
-              <a:rPr lang="en-US"/>
-              <a:t>#include &lt;cgreen/cgreen.h&gt;</a:t>
-            </a:r>
-            <a:endParaRPr/>
-          </a:p>
-          <a:p>
-            <a:pPr indent="0" lvl="0" marL="0" rtl="0" algn="l">
-              <a:spcBef>
-                <a:spcPts val="500"/>
-              </a:spcBef>
-              <a:spcAft>
-                <a:spcPts val="0"/>
-              </a:spcAft>
-              <a:buClr>
-                <a:schemeClr val="dk1"/>
-              </a:buClr>
-              <a:buSzPts val="1100"/>
-              <a:buFont typeface="Arial"/>
-              <a:buNone/>
-            </a:pPr>
-            <a:r>
-              <a:t/>
-            </a:r>
-            <a:endParaRPr/>
-          </a:p>
-          <a:p>
-            <a:pPr indent="0" lvl="0" marL="0" rtl="0" algn="l">
-              <a:spcBef>
-                <a:spcPts val="500"/>
-              </a:spcBef>
-              <a:spcAft>
-                <a:spcPts val="0"/>
-              </a:spcAft>
-              <a:buClr>
-                <a:schemeClr val="dk1"/>
-              </a:buClr>
-              <a:buSzPts val="1100"/>
-              <a:buFont typeface="Arial"/>
-              <a:buNone/>
-            </a:pPr>
-            <a:r>
-              <a:rPr lang="en-US"/>
-              <a:t>Describe(FirstTest);</a:t>
-            </a:r>
-            <a:endParaRPr/>
-          </a:p>
-          <a:p>
-            <a:pPr indent="0" lvl="0" marL="0" rtl="0" algn="l">
-              <a:spcBef>
-                <a:spcPts val="500"/>
-              </a:spcBef>
-              <a:spcAft>
-                <a:spcPts val="0"/>
-              </a:spcAft>
-              <a:buClr>
-                <a:schemeClr val="dk1"/>
-              </a:buClr>
-              <a:buSzPts val="1100"/>
-              <a:buFont typeface="Arial"/>
-              <a:buNone/>
-            </a:pPr>
-            <a:r>
-              <a:rPr lang="en-US"/>
-              <a:t>BeforeEach(</a:t>
-            </a:r>
-            <a:r>
-              <a:rPr lang="en-US"/>
-              <a:t>FirstTest</a:t>
-            </a:r>
-            <a:r>
-              <a:rPr lang="en-US"/>
-              <a:t>) {}</a:t>
-            </a:r>
-            <a:endParaRPr/>
-          </a:p>
-          <a:p>
-            <a:pPr indent="0" lvl="0" marL="0" rtl="0" algn="l">
-              <a:spcBef>
-                <a:spcPts val="500"/>
-              </a:spcBef>
-              <a:spcAft>
-                <a:spcPts val="0"/>
-              </a:spcAft>
-              <a:buClr>
-                <a:schemeClr val="dk1"/>
-              </a:buClr>
-              <a:buSzPts val="1100"/>
-              <a:buFont typeface="Arial"/>
-              <a:buNone/>
-            </a:pPr>
-            <a:r>
-              <a:rPr lang="en-US"/>
-              <a:t>AfterEach(</a:t>
-            </a:r>
-            <a:r>
-              <a:rPr lang="en-US"/>
-              <a:t>FirstTest</a:t>
-            </a:r>
-            <a:r>
-              <a:rPr lang="en-US"/>
-              <a:t>) {}</a:t>
-            </a:r>
-            <a:endParaRPr/>
-          </a:p>
-          <a:p>
-            <a:pPr indent="0" lvl="0" marL="0" rtl="0" algn="l">
-              <a:spcBef>
-                <a:spcPts val="500"/>
-              </a:spcBef>
-              <a:spcAft>
-                <a:spcPts val="0"/>
-              </a:spcAft>
-              <a:buNone/>
-            </a:pPr>
-            <a:r>
-              <a:t/>
-            </a:r>
-            <a:endParaRPr/>
-          </a:p>
-          <a:p>
-            <a:pPr indent="0" lvl="0" marL="0" rtl="0" algn="l">
-              <a:spcBef>
-                <a:spcPts val="500"/>
-              </a:spcBef>
-              <a:spcAft>
-                <a:spcPts val="0"/>
-              </a:spcAft>
-              <a:buClr>
-                <a:schemeClr val="dk1"/>
-              </a:buClr>
-              <a:buSzPts val="1100"/>
-              <a:buFont typeface="Arial"/>
-              <a:buNone/>
-            </a:pPr>
-            <a:r>
-              <a:rPr lang="en-US"/>
-              <a:t>Ensure(</a:t>
-            </a:r>
-            <a:r>
-              <a:rPr lang="en-US"/>
-              <a:t>FirstTest</a:t>
-            </a:r>
-            <a:r>
-              <a:rPr lang="en-US"/>
-              <a:t>, addUp) {</a:t>
-            </a:r>
-            <a:endParaRPr/>
-          </a:p>
-          <a:p>
-            <a:pPr indent="0" lvl="0" marL="0" rtl="0" algn="l">
-              <a:spcBef>
-                <a:spcPts val="500"/>
-              </a:spcBef>
-              <a:spcAft>
-                <a:spcPts val="0"/>
-              </a:spcAft>
-              <a:buClr>
-                <a:schemeClr val="dk1"/>
-              </a:buClr>
-              <a:buSzPts val="1100"/>
-              <a:buFont typeface="Arial"/>
-              <a:buNone/>
-            </a:pPr>
-            <a:r>
-              <a:rPr lang="en-US"/>
-              <a:t>	</a:t>
-            </a:r>
-            <a:r>
-              <a:rPr lang="en-US"/>
-              <a:t>	assert_that(strlen(“hello”), is_equal_to(5));</a:t>
-            </a:r>
-            <a:endParaRPr/>
-          </a:p>
-          <a:p>
-            <a:pPr indent="0" lvl="0" marL="0" rtl="0" algn="l">
-              <a:spcBef>
-                <a:spcPts val="500"/>
-              </a:spcBef>
-              <a:spcAft>
-                <a:spcPts val="0"/>
-              </a:spcAft>
-              <a:buNone/>
-            </a:pPr>
-            <a:r>
-              <a:rPr lang="en-US"/>
-              <a:t>}</a:t>
             </a:r>
             <a:endParaRPr/>
           </a:p>
@@ -37958,7 +38282,7 @@
   <p:cSld>
     <p:spTree>
       <p:nvGrpSpPr>
-        <p:cNvPr id="491" name="Shape 491"/>
+        <p:cNvPr id="492" name="Shape 492"/>
         <p:cNvGrpSpPr/>
         <p:nvPr/>
       </p:nvGrpSpPr>
@@ -37972,7 +38296,226 @@
       </p:grpSpPr>
       <p:sp>
         <p:nvSpPr>
-          <p:cNvPr id="492" name="Google Shape;492;p68"/>
+          <p:cNvPr id="493" name="Google Shape;493;p68"/>
+          <p:cNvSpPr txBox="1"/>
+          <p:nvPr>
+            <p:ph type="title"/>
+          </p:nvPr>
+        </p:nvSpPr>
+        <p:spPr>
+          <a:xfrm>
+            <a:off x="808039" y="201077"/>
+            <a:ext cx="6569100" cy="446100"/>
+          </a:xfrm>
+          <a:prstGeom prst="rect">
+            <a:avLst/>
+          </a:prstGeom>
+          <a:noFill/>
+          <a:ln>
+            <a:noFill/>
+          </a:ln>
+        </p:spPr>
+        <p:txBody>
+          <a:bodyPr anchorCtr="0" anchor="t" bIns="0" lIns="0" spcFirstLastPara="1" rIns="0" wrap="square" tIns="0">
+            <a:noAutofit/>
+          </a:bodyPr>
+          <a:lstStyle/>
+          <a:p>
+            <a:pPr indent="0" lvl="0" marL="0" rtl="0" algn="l">
+              <a:lnSpc>
+                <a:spcPct val="100000"/>
+              </a:lnSpc>
+              <a:spcBef>
+                <a:spcPts val="0"/>
+              </a:spcBef>
+              <a:spcAft>
+                <a:spcPts val="0"/>
+              </a:spcAft>
+              <a:buSzPts val="1400"/>
+              <a:buNone/>
+            </a:pPr>
+            <a:r>
+              <a:rPr lang="en-US"/>
+              <a:t>What is CGreen?</a:t>
+            </a:r>
+            <a:endParaRPr/>
+          </a:p>
+        </p:txBody>
+      </p:sp>
+      <p:sp>
+        <p:nvSpPr>
+          <p:cNvPr id="494" name="Google Shape;494;p68"/>
+          <p:cNvSpPr txBox="1"/>
+          <p:nvPr>
+            <p:ph idx="1" type="body"/>
+          </p:nvPr>
+        </p:nvSpPr>
+        <p:spPr>
+          <a:xfrm>
+            <a:off x="808038" y="1164165"/>
+            <a:ext cx="8140800" cy="3325500"/>
+          </a:xfrm>
+          <a:prstGeom prst="rect">
+            <a:avLst/>
+          </a:prstGeom>
+          <a:noFill/>
+          <a:ln>
+            <a:noFill/>
+          </a:ln>
+        </p:spPr>
+        <p:txBody>
+          <a:bodyPr anchorCtr="0" anchor="t" bIns="0" lIns="0" spcFirstLastPara="1" rIns="0" wrap="square" tIns="0">
+            <a:noAutofit/>
+          </a:bodyPr>
+          <a:lstStyle/>
+          <a:p>
+            <a:pPr indent="-381000" lvl="0" marL="457200" rtl="0" algn="l">
+              <a:lnSpc>
+                <a:spcPct val="100000"/>
+              </a:lnSpc>
+              <a:spcBef>
+                <a:spcPts val="0"/>
+              </a:spcBef>
+              <a:spcAft>
+                <a:spcPts val="0"/>
+              </a:spcAft>
+              <a:buSzPts val="2400"/>
+              <a:buChar char="●"/>
+            </a:pPr>
+            <a:r>
+              <a:rPr lang="en-US"/>
+              <a:t>open source unit tester for C and C++</a:t>
+            </a:r>
+            <a:endParaRPr/>
+          </a:p>
+          <a:p>
+            <a:pPr indent="-381000" lvl="0" marL="457200" rtl="0" algn="l">
+              <a:lnSpc>
+                <a:spcPct val="100000"/>
+              </a:lnSpc>
+              <a:spcBef>
+                <a:spcPts val="0"/>
+              </a:spcBef>
+              <a:spcAft>
+                <a:spcPts val="0"/>
+              </a:spcAft>
+              <a:buSzPts val="2400"/>
+              <a:buChar char="●"/>
+            </a:pPr>
+            <a:r>
+              <a:rPr lang="en-US"/>
+              <a:t>apt-get install cgreenl</a:t>
+            </a:r>
+            <a:endParaRPr/>
+          </a:p>
+          <a:p>
+            <a:pPr indent="0" lvl="0" marL="0" rtl="0" algn="l">
+              <a:lnSpc>
+                <a:spcPct val="100000"/>
+              </a:lnSpc>
+              <a:spcBef>
+                <a:spcPts val="0"/>
+              </a:spcBef>
+              <a:spcAft>
+                <a:spcPts val="0"/>
+              </a:spcAft>
+              <a:buNone/>
+            </a:pPr>
+            <a:r>
+              <a:t/>
+            </a:r>
+            <a:endParaRPr/>
+          </a:p>
+          <a:p>
+            <a:pPr indent="0" lvl="0" marL="0" rtl="0" algn="l">
+              <a:lnSpc>
+                <a:spcPct val="100000"/>
+              </a:lnSpc>
+              <a:spcBef>
+                <a:spcPts val="0"/>
+              </a:spcBef>
+              <a:spcAft>
+                <a:spcPts val="0"/>
+              </a:spcAft>
+              <a:buClr>
+                <a:schemeClr val="dk1"/>
+              </a:buClr>
+              <a:buSzPts val="1100"/>
+              <a:buFont typeface="Arial"/>
+              <a:buNone/>
+            </a:pPr>
+            <a:r>
+              <a:t/>
+            </a:r>
+            <a:endParaRPr sz="1500"/>
+          </a:p>
+          <a:p>
+            <a:pPr indent="0" lvl="0" marL="0" rtl="0" algn="l">
+              <a:lnSpc>
+                <a:spcPct val="100000"/>
+              </a:lnSpc>
+              <a:spcBef>
+                <a:spcPts val="0"/>
+              </a:spcBef>
+              <a:spcAft>
+                <a:spcPts val="0"/>
+              </a:spcAft>
+              <a:buNone/>
+            </a:pPr>
+            <a:r>
+              <a:t/>
+            </a:r>
+            <a:endParaRPr sz="900"/>
+          </a:p>
+          <a:p>
+            <a:pPr indent="0" lvl="0" marL="0" rtl="0" algn="l">
+              <a:lnSpc>
+                <a:spcPct val="100000"/>
+              </a:lnSpc>
+              <a:spcBef>
+                <a:spcPts val="500"/>
+              </a:spcBef>
+              <a:spcAft>
+                <a:spcPts val="200"/>
+              </a:spcAft>
+              <a:buSzPts val="2400"/>
+              <a:buNone/>
+            </a:pPr>
+            <a:r>
+              <a:t/>
+            </a:r>
+            <a:endParaRPr/>
+          </a:p>
+        </p:txBody>
+      </p:sp>
+    </p:spTree>
+  </p:cSld>
+  <p:clrMapOvr>
+    <a:masterClrMapping/>
+  </p:clrMapOvr>
+</p:sld>
+</file>
+
+<file path=ppt/slides/slide51.xml><?xml version="1.0" encoding="utf-8"?>
+<p:sld xmlns:a="http://schemas.openxmlformats.org/drawingml/2006/main" xmlns:r="http://schemas.openxmlformats.org/officeDocument/2006/relationships" xmlns:mc="http://schemas.openxmlformats.org/markup-compatibility/2006" xmlns:mv="urn:schemas-microsoft-com:mac:vml" xmlns:p="http://schemas.openxmlformats.org/presentationml/2006/main" xmlns:c="http://schemas.openxmlformats.org/drawingml/2006/chart" xmlns:dgm="http://schemas.openxmlformats.org/drawingml/2006/diagram" xmlns:o="urn:schemas-microsoft-com:office:office" xmlns:v="urn:schemas-microsoft-com:vml" xmlns:pvml="urn:schemas-microsoft-com:office:powerpoint" xmlns:com="http://schemas.openxmlformats.org/drawingml/2006/compatibility" xmlns:p14="http://schemas.microsoft.com/office/powerpoint/2010/main" xmlns:p15="http://schemas.microsoft.com/office/powerpoint/2012/main" xmlns:ahyp="http://schemas.microsoft.com/office/drawing/2018/hyperlinkcolor">
+  <p:cSld>
+    <p:spTree>
+      <p:nvGrpSpPr>
+        <p:cNvPr id="499" name="Shape 499"/>
+        <p:cNvGrpSpPr/>
+        <p:nvPr/>
+      </p:nvGrpSpPr>
+      <p:grpSpPr>
+        <a:xfrm>
+          <a:off x="0" y="0"/>
+          <a:ext cx="0" cy="0"/>
+          <a:chOff x="0" y="0"/>
+          <a:chExt cx="0" cy="0"/>
+        </a:xfrm>
+      </p:grpSpPr>
+      <p:sp>
+        <p:nvSpPr>
+          <p:cNvPr id="500" name="Google Shape;500;p69"/>
           <p:cNvSpPr txBox="1"/>
           <p:nvPr>
             <p:ph type="title"/>
@@ -38008,7 +38551,7 @@
             </a:r>
             <a:r>
               <a:rPr lang="en-US"/>
-              <a:t>Testifle part2 </a:t>
+              <a:t>Testifle part1</a:t>
             </a:r>
             <a:endParaRPr/>
           </a:p>
@@ -38016,7 +38559,7 @@
       </p:sp>
       <p:sp>
         <p:nvSpPr>
-          <p:cNvPr id="493" name="Google Shape;493;p68"/>
+          <p:cNvPr id="501" name="Google Shape;501;p69"/>
           <p:cNvSpPr txBox="1"/>
           <p:nvPr>
             <p:ph idx="1" type="body"/>
@@ -38052,10 +38595,10 @@
               <a:buNone/>
             </a:pPr>
             <a:r>
-              <a:rPr lang="en-US" sz="2000"/>
-              <a:t>Ensure(FirstTest, dummy) {</a:t>
-            </a:r>
-            <a:endParaRPr sz="2000"/>
+              <a:rPr lang="en-US"/>
+              <a:t>#include &lt;cgreen/cgreen.h&gt;</a:t>
+            </a:r>
+            <a:endParaRPr/>
           </a:p>
           <a:p>
             <a:pPr indent="0" lvl="0" marL="0" rtl="0" algn="l">
@@ -38073,10 +38616,9 @@
               <a:buNone/>
             </a:pPr>
             <a:r>
-              <a:rPr lang="en-US" sz="2000"/>
-              <a:t>		assert_that(3, is_equal_to(3));</a:t>
-            </a:r>
-            <a:endParaRPr sz="2000"/>
+              <a:t/>
+            </a:r>
+            <a:endParaRPr/>
           </a:p>
           <a:p>
             <a:pPr indent="0" lvl="0" marL="0" rtl="0" algn="l">
@@ -38094,10 +38636,10 @@
               <a:buNone/>
             </a:pPr>
             <a:r>
-              <a:rPr lang="en-US" sz="2000"/>
-              <a:t>}</a:t>
-            </a:r>
-            <a:endParaRPr sz="1900"/>
+              <a:rPr lang="en-US"/>
+              <a:t>Describe(FirstTest);</a:t>
+            </a:r>
+            <a:endParaRPr/>
           </a:p>
           <a:p>
             <a:pPr indent="0" lvl="0" marL="0" rtl="0" algn="l">
@@ -38115,18 +38657,18 @@
               <a:buNone/>
             </a:pPr>
             <a:r>
-              <a:rPr lang="en-US" sz="2000"/>
-              <a:t>TestSuite *</a:t>
-            </a:r>
-            <a:r>
-              <a:rPr lang="en-US" sz="2000"/>
+              <a:rPr lang="en-US"/>
+              <a:t>BeforeEach(</a:t>
+            </a:r>
+            <a:r>
+              <a:rPr lang="en-US"/>
               <a:t>FirstTest</a:t>
             </a:r>
             <a:r>
-              <a:rPr lang="en-US" sz="2000"/>
-              <a:t>_tests() {</a:t>
-            </a:r>
-            <a:endParaRPr sz="2000"/>
+              <a:rPr lang="en-US"/>
+              <a:t>) {}</a:t>
+            </a:r>
+            <a:endParaRPr/>
           </a:p>
           <a:p>
             <a:pPr indent="0" lvl="0" marL="0" rtl="0" algn="l">
@@ -38144,10 +38686,33 @@
               <a:buNone/>
             </a:pPr>
             <a:r>
-              <a:rPr lang="en-US" sz="2000"/>
-              <a:t>    TestSuite *suite = create_test_suite();</a:t>
-            </a:r>
-            <a:endParaRPr sz="2000"/>
+              <a:rPr lang="en-US"/>
+              <a:t>AfterEach(</a:t>
+            </a:r>
+            <a:r>
+              <a:rPr lang="en-US"/>
+              <a:t>FirstTest</a:t>
+            </a:r>
+            <a:r>
+              <a:rPr lang="en-US"/>
+              <a:t>) {}</a:t>
+            </a:r>
+            <a:endParaRPr/>
+          </a:p>
+          <a:p>
+            <a:pPr indent="0" lvl="0" marL="0" rtl="0" algn="l">
+              <a:spcBef>
+                <a:spcPts val="500"/>
+              </a:spcBef>
+              <a:spcAft>
+                <a:spcPts val="0"/>
+              </a:spcAft>
+              <a:buNone/>
+            </a:pPr>
+            <a:r>
+              <a:t/>
+            </a:r>
+            <a:endParaRPr/>
           </a:p>
           <a:p>
             <a:pPr indent="0" lvl="0" marL="0" rtl="0" algn="l">
@@ -38165,18 +38730,18 @@
               <a:buNone/>
             </a:pPr>
             <a:r>
-              <a:rPr lang="en-US" sz="2000"/>
-              <a:t>    add_test_with_context(suite, </a:t>
-            </a:r>
-            <a:r>
-              <a:rPr lang="en-US" sz="2000"/>
+              <a:rPr lang="en-US"/>
+              <a:t>Ensure(</a:t>
+            </a:r>
+            <a:r>
+              <a:rPr lang="en-US"/>
               <a:t>FirstTest</a:t>
             </a:r>
             <a:r>
-              <a:rPr lang="en-US" sz="2000"/>
-              <a:t>, addUp);</a:t>
-            </a:r>
-            <a:endParaRPr sz="2000"/>
+              <a:rPr lang="en-US"/>
+              <a:t>, addUp) {</a:t>
+            </a:r>
+            <a:endParaRPr/>
           </a:p>
           <a:p>
             <a:pPr indent="0" lvl="0" marL="0" rtl="0" algn="l">
@@ -38194,26 +38759,14 @@
               <a:buNone/>
             </a:pPr>
             <a:r>
-              <a:rPr lang="en-US" sz="2000"/>
-              <a:t>    add_test_with_context(suite, </a:t>
-            </a:r>
-            <a:r>
-              <a:rPr lang="en-US" sz="2000"/>
-              <a:t>FirstTest</a:t>
-            </a:r>
-            <a:r>
-              <a:rPr lang="en-US" sz="2000"/>
-              <a:t>, </a:t>
-            </a:r>
-            <a:r>
-              <a:rPr lang="en-US" sz="2000"/>
-              <a:t>dummy</a:t>
-            </a:r>
-            <a:r>
-              <a:rPr lang="en-US" sz="2000"/>
-              <a:t>);</a:t>
-            </a:r>
-            <a:endParaRPr sz="2000"/>
+              <a:rPr lang="en-US"/>
+              <a:t>	</a:t>
+            </a:r>
+            <a:r>
+              <a:rPr lang="en-US"/>
+              <a:t>	assert_that(strlen(“hello”), is_equal_to(5));</a:t>
+            </a:r>
+            <a:endParaRPr/>
           </a:p>
           <a:p>
             <a:pPr indent="0" lvl="0" marL="0" rtl="0" algn="l">
@@ -38223,34 +38776,13 @@
               <a:spcAft>
                 <a:spcPts val="0"/>
               </a:spcAft>
-              <a:buClr>
-                <a:schemeClr val="dk1"/>
-              </a:buClr>
-              <a:buSzPts val="1100"/>
-              <a:buFont typeface="Arial"/>
-              <a:buNone/>
-            </a:pPr>
-            <a:r>
-              <a:rPr lang="en-US" sz="2000"/>
-              <a:t>    return suite;</a:t>
-            </a:r>
-            <a:endParaRPr sz="2000"/>
-          </a:p>
-          <a:p>
-            <a:pPr indent="0" lvl="0" marL="0" rtl="0" algn="l">
-              <a:spcBef>
-                <a:spcPts val="500"/>
-              </a:spcBef>
-              <a:spcAft>
-                <a:spcPts val="0"/>
-              </a:spcAft>
-              <a:buNone/>
-            </a:pPr>
-            <a:r>
-              <a:rPr lang="en-US" sz="2000"/>
+              <a:buNone/>
+            </a:pPr>
+            <a:r>
+              <a:rPr lang="en-US"/>
               <a:t>}</a:t>
             </a:r>
-            <a:endParaRPr sz="2000"/>
+            <a:endParaRPr/>
           </a:p>
         </p:txBody>
       </p:sp>
@@ -38262,12 +38794,12 @@
 </p:sld>
 </file>
 
-<file path=ppt/slides/slide51.xml><?xml version="1.0" encoding="utf-8"?>
+<file path=ppt/slides/slide52.xml><?xml version="1.0" encoding="utf-8"?>
 <p:sld xmlns:a="http://schemas.openxmlformats.org/drawingml/2006/main" xmlns:r="http://schemas.openxmlformats.org/officeDocument/2006/relationships" xmlns:mc="http://schemas.openxmlformats.org/markup-compatibility/2006" xmlns:mv="urn:schemas-microsoft-com:mac:vml" xmlns:p="http://schemas.openxmlformats.org/presentationml/2006/main" xmlns:c="http://schemas.openxmlformats.org/drawingml/2006/chart" xmlns:dgm="http://schemas.openxmlformats.org/drawingml/2006/diagram" xmlns:o="urn:schemas-microsoft-com:office:office" xmlns:v="urn:schemas-microsoft-com:vml" xmlns:pvml="urn:schemas-microsoft-com:office:powerpoint" xmlns:com="http://schemas.openxmlformats.org/drawingml/2006/compatibility" xmlns:p14="http://schemas.microsoft.com/office/powerpoint/2010/main" xmlns:p15="http://schemas.microsoft.com/office/powerpoint/2012/main" xmlns:ahyp="http://schemas.microsoft.com/office/drawing/2018/hyperlinkcolor">
   <p:cSld>
     <p:spTree>
       <p:nvGrpSpPr>
-        <p:cNvPr id="498" name="Shape 498"/>
+        <p:cNvPr id="506" name="Shape 506"/>
         <p:cNvGrpSpPr/>
         <p:nvPr/>
       </p:nvGrpSpPr>
@@ -38281,7 +38813,7 @@
       </p:grpSpPr>
       <p:sp>
         <p:nvSpPr>
-          <p:cNvPr id="499" name="Google Shape;499;p69"/>
+          <p:cNvPr id="507" name="Google Shape;507;p70"/>
           <p:cNvSpPr txBox="1"/>
           <p:nvPr>
             <p:ph type="title"/>
@@ -38309,16 +38841,15 @@
               <a:spcAft>
                 <a:spcPts val="0"/>
               </a:spcAft>
-              <a:buClr>
-                <a:schemeClr val="dk1"/>
-              </a:buClr>
-              <a:buSzPts val="1400"/>
-              <a:buFont typeface="Arial"/>
               <a:buNone/>
             </a:pPr>
             <a:r>
               <a:rPr lang="en-US"/>
-              <a:t>CGreen main file</a:t>
+              <a:t>CGreen </a:t>
+            </a:r>
+            <a:r>
+              <a:rPr lang="en-US"/>
+              <a:t>Testifle part2 </a:t>
             </a:r>
             <a:endParaRPr/>
           </a:p>
@@ -38326,7 +38857,7 @@
       </p:sp>
       <p:sp>
         <p:nvSpPr>
-          <p:cNvPr id="500" name="Google Shape;500;p69"/>
+          <p:cNvPr id="508" name="Google Shape;508;p70"/>
           <p:cNvSpPr txBox="1"/>
           <p:nvPr>
             <p:ph idx="1" type="body"/>
@@ -38354,37 +38885,6 @@
               <a:spcAft>
                 <a:spcPts val="0"/>
               </a:spcAft>
-              <a:buNone/>
-            </a:pPr>
-            <a:r>
-              <a:rPr lang="en-US" sz="1600"/>
-              <a:t>#include &lt;cgreen/cgreen.h&gt;</a:t>
-            </a:r>
-            <a:endParaRPr sz="1600"/>
-          </a:p>
-          <a:p>
-            <a:pPr indent="0" lvl="0" marL="0" rtl="0" algn="l">
-              <a:spcBef>
-                <a:spcPts val="500"/>
-              </a:spcBef>
-              <a:spcAft>
-                <a:spcPts val="0"/>
-              </a:spcAft>
-              <a:buNone/>
-            </a:pPr>
-            <a:r>
-              <a:t/>
-            </a:r>
-            <a:endParaRPr sz="1600"/>
-          </a:p>
-          <a:p>
-            <a:pPr indent="0" lvl="0" marL="0" rtl="0" algn="l">
-              <a:spcBef>
-                <a:spcPts val="500"/>
-              </a:spcBef>
-              <a:spcAft>
-                <a:spcPts val="0"/>
-              </a:spcAft>
               <a:buClr>
                 <a:schemeClr val="dk1"/>
               </a:buClr>
@@ -38393,10 +38893,10 @@
               <a:buNone/>
             </a:pPr>
             <a:r>
-              <a:rPr lang="en-US" sz="1600"/>
-              <a:t>TestSuite *FirstTest_tests();</a:t>
-            </a:r>
-            <a:endParaRPr sz="1600"/>
+              <a:rPr lang="en-US" sz="2000"/>
+              <a:t>Ensure(FirstTest, dummy) {</a:t>
+            </a:r>
+            <a:endParaRPr sz="2000"/>
           </a:p>
           <a:p>
             <a:pPr indent="0" lvl="0" marL="0" rtl="0" algn="l">
@@ -38406,12 +38906,18 @@
               <a:spcAft>
                 <a:spcPts val="0"/>
               </a:spcAft>
-              <a:buNone/>
-            </a:pPr>
-            <a:r>
-              <a:t/>
-            </a:r>
-            <a:endParaRPr sz="1600"/>
+              <a:buClr>
+                <a:schemeClr val="dk1"/>
+              </a:buClr>
+              <a:buSzPts val="1100"/>
+              <a:buFont typeface="Arial"/>
+              <a:buNone/>
+            </a:pPr>
+            <a:r>
+              <a:rPr lang="en-US" sz="2000"/>
+              <a:t>		assert_that(3, is_equal_to(3));</a:t>
+            </a:r>
+            <a:endParaRPr sz="2000"/>
           </a:p>
           <a:p>
             <a:pPr indent="0" lvl="0" marL="0" rtl="0" algn="l">
@@ -38421,13 +38927,18 @@
               <a:spcAft>
                 <a:spcPts val="0"/>
               </a:spcAft>
-              <a:buNone/>
-            </a:pPr>
-            <a:r>
-              <a:rPr lang="en-US" sz="1600"/>
-              <a:t>int main(int argc, char **argv) {</a:t>
-            </a:r>
-            <a:endParaRPr sz="1600"/>
+              <a:buClr>
+                <a:schemeClr val="dk1"/>
+              </a:buClr>
+              <a:buSzPts val="1100"/>
+              <a:buFont typeface="Arial"/>
+              <a:buNone/>
+            </a:pPr>
+            <a:r>
+              <a:rPr lang="en-US" sz="2000"/>
+              <a:t>}</a:t>
+            </a:r>
+            <a:endParaRPr sz="1900"/>
           </a:p>
           <a:p>
             <a:pPr indent="0" lvl="0" marL="0" rtl="0" algn="l">
@@ -38437,13 +38948,47 @@
               <a:spcAft>
                 <a:spcPts val="0"/>
               </a:spcAft>
-              <a:buNone/>
-            </a:pPr>
-            <a:r>
-              <a:rPr lang="en-US" sz="1600"/>
+              <a:buClr>
+                <a:schemeClr val="dk1"/>
+              </a:buClr>
+              <a:buSzPts val="1100"/>
+              <a:buFont typeface="Arial"/>
+              <a:buNone/>
+            </a:pPr>
+            <a:r>
+              <a:rPr lang="en-US" sz="2000"/>
+              <a:t>TestSuite *</a:t>
+            </a:r>
+            <a:r>
+              <a:rPr lang="en-US" sz="2000"/>
+              <a:t>FirstTest</a:t>
+            </a:r>
+            <a:r>
+              <a:rPr lang="en-US" sz="2000"/>
+              <a:t>_tests() {</a:t>
+            </a:r>
+            <a:endParaRPr sz="2000"/>
+          </a:p>
+          <a:p>
+            <a:pPr indent="0" lvl="0" marL="0" rtl="0" algn="l">
+              <a:spcBef>
+                <a:spcPts val="500"/>
+              </a:spcBef>
+              <a:spcAft>
+                <a:spcPts val="0"/>
+              </a:spcAft>
+              <a:buClr>
+                <a:schemeClr val="dk1"/>
+              </a:buClr>
+              <a:buSzPts val="1100"/>
+              <a:buFont typeface="Arial"/>
+              <a:buNone/>
+            </a:pPr>
+            <a:r>
+              <a:rPr lang="en-US" sz="2000"/>
               <a:t>    TestSuite *suite = create_test_suite();</a:t>
             </a:r>
-            <a:endParaRPr sz="1600"/>
+            <a:endParaRPr sz="2000"/>
           </a:p>
           <a:p>
             <a:pPr indent="0" lvl="0" marL="0" rtl="0" algn="l">
@@ -38453,21 +38998,26 @@
               <a:spcAft>
                 <a:spcPts val="0"/>
               </a:spcAft>
-              <a:buNone/>
-            </a:pPr>
-            <a:r>
-              <a:rPr lang="en-US" sz="1600"/>
-              <a:t>    add_suite(suite, </a:t>
-            </a:r>
-            <a:r>
-              <a:rPr lang="en-US" sz="1600"/>
-              <a:t>FirstTest_tests</a:t>
-            </a:r>
-            <a:r>
-              <a:rPr lang="en-US" sz="1600"/>
-              <a:t>());</a:t>
-            </a:r>
-            <a:endParaRPr sz="1600"/>
+              <a:buClr>
+                <a:schemeClr val="dk1"/>
+              </a:buClr>
+              <a:buSzPts val="1100"/>
+              <a:buFont typeface="Arial"/>
+              <a:buNone/>
+            </a:pPr>
+            <a:r>
+              <a:rPr lang="en-US" sz="2000"/>
+              <a:t>    add_test_with_context(suite, </a:t>
+            </a:r>
+            <a:r>
+              <a:rPr lang="en-US" sz="2000"/>
+              <a:t>FirstTest</a:t>
+            </a:r>
+            <a:r>
+              <a:rPr lang="en-US" sz="2000"/>
+              <a:t>, addUp);</a:t>
+            </a:r>
+            <a:endParaRPr sz="2000"/>
           </a:p>
           <a:p>
             <a:pPr indent="0" lvl="0" marL="0" rtl="0" algn="l">
@@ -38477,13 +39027,34 @@
               <a:spcAft>
                 <a:spcPts val="0"/>
               </a:spcAft>
-              <a:buNone/>
-            </a:pPr>
-            <a:r>
-              <a:rPr lang="en-US" sz="1600"/>
-              <a:t>    if (argc &gt; 1) {</a:t>
-            </a:r>
-            <a:endParaRPr sz="1600"/>
+              <a:buClr>
+                <a:schemeClr val="dk1"/>
+              </a:buClr>
+              <a:buSzPts val="1100"/>
+              <a:buFont typeface="Arial"/>
+              <a:buNone/>
+            </a:pPr>
+            <a:r>
+              <a:rPr lang="en-US" sz="2000"/>
+              <a:t>    add_test_with_context(suite, </a:t>
+            </a:r>
+            <a:r>
+              <a:rPr lang="en-US" sz="2000"/>
+              <a:t>FirstTest</a:t>
+            </a:r>
+            <a:r>
+              <a:rPr lang="en-US" sz="2000"/>
+              <a:t>, </a:t>
+            </a:r>
+            <a:r>
+              <a:rPr lang="en-US" sz="2000"/>
+              <a:t>dummy</a:t>
+            </a:r>
+            <a:r>
+              <a:rPr lang="en-US" sz="2000"/>
+              <a:t>);</a:t>
+            </a:r>
+            <a:endParaRPr sz="2000"/>
           </a:p>
           <a:p>
             <a:pPr indent="0" lvl="0" marL="0" rtl="0" algn="l">
@@ -38493,13 +39064,18 @@
               <a:spcAft>
                 <a:spcPts val="0"/>
               </a:spcAft>
-              <a:buNone/>
-            </a:pPr>
-            <a:r>
-              <a:rPr lang="en-US" sz="1600"/>
-              <a:t>    	return run_single_test(suite, argv[1], create_text_reporter());</a:t>
-            </a:r>
-            <a:endParaRPr sz="1600"/>
+              <a:buClr>
+                <a:schemeClr val="dk1"/>
+              </a:buClr>
+              <a:buSzPts val="1100"/>
+              <a:buFont typeface="Arial"/>
+              <a:buNone/>
+            </a:pPr>
+            <a:r>
+              <a:rPr lang="en-US" sz="2000"/>
+              <a:t>    return suite;</a:t>
+            </a:r>
+            <a:endParaRPr sz="2000"/>
           </a:p>
           <a:p>
             <a:pPr indent="0" lvl="0" marL="0" rtl="0" algn="l">
@@ -38512,42 +39088,10 @@
               <a:buNone/>
             </a:pPr>
             <a:r>
-              <a:rPr lang="en-US" sz="1600"/>
-              <a:t>    }</a:t>
-            </a:r>
-            <a:endParaRPr sz="1600"/>
-          </a:p>
-          <a:p>
-            <a:pPr indent="0" lvl="0" marL="0" rtl="0" algn="l">
-              <a:spcBef>
-                <a:spcPts val="500"/>
-              </a:spcBef>
-              <a:spcAft>
-                <a:spcPts val="0"/>
-              </a:spcAft>
-              <a:buNone/>
-            </a:pPr>
-            <a:r>
-              <a:rPr lang="en-US" sz="1600"/>
-              <a:t>    return run_test_suite(suite, create_text_reporter());</a:t>
-            </a:r>
-            <a:endParaRPr sz="1600"/>
-          </a:p>
-          <a:p>
-            <a:pPr indent="0" lvl="0" marL="0" rtl="0" algn="l">
-              <a:spcBef>
-                <a:spcPts val="500"/>
-              </a:spcBef>
-              <a:spcAft>
-                <a:spcPts val="0"/>
-              </a:spcAft>
-              <a:buNone/>
-            </a:pPr>
-            <a:r>
-              <a:rPr lang="en-US" sz="1600"/>
+              <a:rPr lang="en-US" sz="2000"/>
               <a:t>}</a:t>
             </a:r>
-            <a:endParaRPr sz="1600"/>
+            <a:endParaRPr sz="2000"/>
           </a:p>
         </p:txBody>
       </p:sp>
@@ -38559,12 +39103,12 @@
 </p:sld>
 </file>
 
-<file path=ppt/slides/slide52.xml><?xml version="1.0" encoding="utf-8"?>
+<file path=ppt/slides/slide53.xml><?xml version="1.0" encoding="utf-8"?>
 <p:sld xmlns:a="http://schemas.openxmlformats.org/drawingml/2006/main" xmlns:r="http://schemas.openxmlformats.org/officeDocument/2006/relationships" xmlns:mc="http://schemas.openxmlformats.org/markup-compatibility/2006" xmlns:mv="urn:schemas-microsoft-com:mac:vml" xmlns:p="http://schemas.openxmlformats.org/presentationml/2006/main" xmlns:c="http://schemas.openxmlformats.org/drawingml/2006/chart" xmlns:dgm="http://schemas.openxmlformats.org/drawingml/2006/diagram" xmlns:o="urn:schemas-microsoft-com:office:office" xmlns:v="urn:schemas-microsoft-com:vml" xmlns:pvml="urn:schemas-microsoft-com:office:powerpoint" xmlns:com="http://schemas.openxmlformats.org/drawingml/2006/compatibility" xmlns:p14="http://schemas.microsoft.com/office/powerpoint/2010/main" xmlns:p15="http://schemas.microsoft.com/office/powerpoint/2012/main" xmlns:ahyp="http://schemas.microsoft.com/office/drawing/2018/hyperlinkcolor">
   <p:cSld>
     <p:spTree>
       <p:nvGrpSpPr>
-        <p:cNvPr id="505" name="Shape 505"/>
+        <p:cNvPr id="513" name="Shape 513"/>
         <p:cNvGrpSpPr/>
         <p:nvPr/>
       </p:nvGrpSpPr>
@@ -38578,7 +39122,7 @@
       </p:grpSpPr>
       <p:sp>
         <p:nvSpPr>
-          <p:cNvPr id="506" name="Google Shape;506;p70"/>
+          <p:cNvPr id="514" name="Google Shape;514;p71"/>
           <p:cNvSpPr txBox="1"/>
           <p:nvPr>
             <p:ph type="title"/>
@@ -38606,11 +39150,16 @@
               <a:spcAft>
                 <a:spcPts val="0"/>
               </a:spcAft>
+              <a:buClr>
+                <a:schemeClr val="dk1"/>
+              </a:buClr>
+              <a:buSzPts val="1400"/>
+              <a:buFont typeface="Arial"/>
               <a:buNone/>
             </a:pPr>
             <a:r>
               <a:rPr lang="en-US"/>
-              <a:t>How does CGreen resemble BDD?</a:t>
+              <a:t>CGreen main file</a:t>
             </a:r>
             <a:endParaRPr/>
           </a:p>
@@ -38618,7 +39167,7 @@
       </p:sp>
       <p:sp>
         <p:nvSpPr>
-          <p:cNvPr id="507" name="Google Shape;507;p70"/>
+          <p:cNvPr id="515" name="Google Shape;515;p71"/>
           <p:cNvSpPr txBox="1"/>
           <p:nvPr>
             <p:ph idx="1" type="body"/>
@@ -38646,6 +39195,37 @@
               <a:spcAft>
                 <a:spcPts val="0"/>
               </a:spcAft>
+              <a:buNone/>
+            </a:pPr>
+            <a:r>
+              <a:rPr lang="en-US" sz="1600"/>
+              <a:t>#include &lt;cgreen/cgreen.h&gt;</a:t>
+            </a:r>
+            <a:endParaRPr sz="1600"/>
+          </a:p>
+          <a:p>
+            <a:pPr indent="0" lvl="0" marL="0" rtl="0" algn="l">
+              <a:spcBef>
+                <a:spcPts val="500"/>
+              </a:spcBef>
+              <a:spcAft>
+                <a:spcPts val="0"/>
+              </a:spcAft>
+              <a:buNone/>
+            </a:pPr>
+            <a:r>
+              <a:t/>
+            </a:r>
+            <a:endParaRPr sz="1600"/>
+          </a:p>
+          <a:p>
+            <a:pPr indent="0" lvl="0" marL="0" rtl="0" algn="l">
+              <a:spcBef>
+                <a:spcPts val="500"/>
+              </a:spcBef>
+              <a:spcAft>
+                <a:spcPts val="0"/>
+              </a:spcAft>
               <a:buClr>
                 <a:schemeClr val="dk1"/>
               </a:buClr>
@@ -38654,22 +39234,10 @@
               <a:buNone/>
             </a:pPr>
             <a:r>
-              <a:rPr lang="en-US" sz="1300"/>
-              <a:t>Describe(</a:t>
-            </a:r>
-            <a:r>
-              <a:rPr lang="en-US" sz="1300">
-                <a:solidFill>
-                  <a:srgbClr val="FF6600"/>
-                </a:solidFill>
-              </a:rPr>
-              <a:t>Strlen</a:t>
-            </a:r>
-            <a:r>
-              <a:rPr lang="en-US" sz="1300"/>
-              <a:t>); </a:t>
-            </a:r>
-            <a:endParaRPr sz="1300"/>
+              <a:rPr lang="en-US" sz="1600"/>
+              <a:t>TestSuite *FirstTest_tests();</a:t>
+            </a:r>
+            <a:endParaRPr sz="1600"/>
           </a:p>
           <a:p>
             <a:pPr indent="0" lvl="0" marL="0" rtl="0" algn="l">
@@ -38679,30 +39247,12 @@
               <a:spcAft>
                 <a:spcPts val="0"/>
               </a:spcAft>
-              <a:buClr>
-                <a:schemeClr val="dk1"/>
-              </a:buClr>
-              <a:buSzPts val="1100"/>
-              <a:buFont typeface="Arial"/>
-              <a:buNone/>
-            </a:pPr>
-            <a:r>
-              <a:rPr lang="en-US" sz="1300"/>
-              <a:t>BeforeEach(</a:t>
-            </a:r>
-            <a:r>
-              <a:rPr lang="en-US" sz="1300">
-                <a:solidFill>
-                  <a:srgbClr val="FF6600"/>
-                </a:solidFill>
-              </a:rPr>
-              <a:t>Strlen</a:t>
-            </a:r>
-            <a:r>
-              <a:rPr lang="en-US" sz="1300"/>
-              <a:t>) {} </a:t>
-            </a:r>
-            <a:endParaRPr sz="1300"/>
+              <a:buNone/>
+            </a:pPr>
+            <a:r>
+              <a:t/>
+            </a:r>
+            <a:endParaRPr sz="1600"/>
           </a:p>
           <a:p>
             <a:pPr indent="0" lvl="0" marL="0" rtl="0" algn="l">
@@ -38712,30 +39262,13 @@
               <a:spcAft>
                 <a:spcPts val="0"/>
               </a:spcAft>
-              <a:buClr>
-                <a:schemeClr val="dk1"/>
-              </a:buClr>
-              <a:buSzPts val="1100"/>
-              <a:buFont typeface="Arial"/>
-              <a:buNone/>
-            </a:pPr>
-            <a:r>
-              <a:rPr lang="en-US" sz="1300"/>
-              <a:t>AfterEach(</a:t>
-            </a:r>
-            <a:r>
-              <a:rPr lang="en-US" sz="1300">
-                <a:solidFill>
-                  <a:srgbClr val="FF6600"/>
-                </a:solidFill>
-              </a:rPr>
-              <a:t>Strlen</a:t>
-            </a:r>
-            <a:r>
-              <a:rPr lang="en-US" sz="1300"/>
-              <a:t>) {} </a:t>
-            </a:r>
-            <a:endParaRPr sz="1300"/>
+              <a:buNone/>
+            </a:pPr>
+            <a:r>
+              <a:rPr lang="en-US" sz="1600"/>
+              <a:t>int main(int argc, char **argv) {</a:t>
+            </a:r>
+            <a:endParaRPr sz="1600"/>
           </a:p>
           <a:p>
             <a:pPr indent="0" lvl="0" marL="0" rtl="0" algn="l">
@@ -38748,9 +39281,10 @@
               <a:buNone/>
             </a:pPr>
             <a:r>
-              <a:t/>
-            </a:r>
-            <a:endParaRPr sz="1300"/>
+              <a:rPr lang="en-US" sz="1600"/>
+              <a:t>    TestSuite *suite = create_test_suite();</a:t>
+            </a:r>
+            <a:endParaRPr sz="1600"/>
           </a:p>
           <a:p>
             <a:pPr indent="0" lvl="0" marL="0" rtl="0" algn="l">
@@ -38763,34 +39297,18 @@
               <a:buNone/>
             </a:pPr>
             <a:r>
-              <a:rPr lang="en-US" sz="1300"/>
-              <a:t>Ensure(</a:t>
-            </a:r>
-            <a:r>
-              <a:rPr lang="en-US" sz="1300">
-                <a:solidFill>
-                  <a:srgbClr val="FF6600"/>
-                </a:solidFill>
-              </a:rPr>
-              <a:t>Strlen</a:t>
-            </a:r>
-            <a:r>
-              <a:rPr lang="en-US" sz="1300"/>
-              <a:t>, </a:t>
-            </a:r>
-            <a:r>
-              <a:rPr lang="en-US" sz="1300">
-                <a:solidFill>
-                  <a:srgbClr val="009999"/>
-                </a:solidFill>
-              </a:rPr>
-              <a:t>returns_five_for_hello</a:t>
-            </a:r>
-            <a:r>
-              <a:rPr lang="en-US" sz="1300"/>
-              <a:t>) { </a:t>
-            </a:r>
-            <a:endParaRPr sz="1300"/>
+              <a:rPr lang="en-US" sz="1600"/>
+              <a:t>    add_suite(suite, </a:t>
+            </a:r>
+            <a:r>
+              <a:rPr lang="en-US" sz="1600"/>
+              <a:t>FirstTest_tests</a:t>
+            </a:r>
+            <a:r>
+              <a:rPr lang="en-US" sz="1600"/>
+              <a:t>());</a:t>
+            </a:r>
+            <a:endParaRPr sz="1600"/>
           </a:p>
           <a:p>
             <a:pPr indent="0" lvl="0" marL="0" rtl="0" algn="l">
@@ -38803,10 +39321,10 @@
               <a:buNone/>
             </a:pPr>
             <a:r>
-              <a:rPr lang="en-US" sz="1300"/>
-              <a:t>    assert_that(strlen("Hello"), is_equal_to(5));</a:t>
-            </a:r>
-            <a:endParaRPr sz="1300"/>
+              <a:rPr lang="en-US" sz="1600"/>
+              <a:t>    if (argc &gt; 1) {</a:t>
+            </a:r>
+            <a:endParaRPr sz="1600"/>
           </a:p>
           <a:p>
             <a:pPr indent="0" lvl="0" marL="0" rtl="0" algn="l">
@@ -38819,129 +39337,58 @@
               <a:buNone/>
             </a:pPr>
             <a:r>
-              <a:rPr lang="en-US" sz="1300"/>
+              <a:rPr lang="en-US" sz="1600"/>
+              <a:t>    	return run_single_test(suite, argv[1], create_text_reporter());</a:t>
+            </a:r>
+            <a:endParaRPr sz="1600"/>
+          </a:p>
+          <a:p>
+            <a:pPr indent="0" lvl="0" marL="0" rtl="0" algn="l">
+              <a:spcBef>
+                <a:spcPts val="500"/>
+              </a:spcBef>
+              <a:spcAft>
+                <a:spcPts val="0"/>
+              </a:spcAft>
+              <a:buNone/>
+            </a:pPr>
+            <a:r>
+              <a:rPr lang="en-US" sz="1600"/>
+              <a:t>    }</a:t>
+            </a:r>
+            <a:endParaRPr sz="1600"/>
+          </a:p>
+          <a:p>
+            <a:pPr indent="0" lvl="0" marL="0" rtl="0" algn="l">
+              <a:spcBef>
+                <a:spcPts val="500"/>
+              </a:spcBef>
+              <a:spcAft>
+                <a:spcPts val="0"/>
+              </a:spcAft>
+              <a:buNone/>
+            </a:pPr>
+            <a:r>
+              <a:rPr lang="en-US" sz="1600"/>
+              <a:t>    return run_test_suite(suite, create_text_reporter());</a:t>
+            </a:r>
+            <a:endParaRPr sz="1600"/>
+          </a:p>
+          <a:p>
+            <a:pPr indent="0" lvl="0" marL="0" rtl="0" algn="l">
+              <a:spcBef>
+                <a:spcPts val="500"/>
+              </a:spcBef>
+              <a:spcAft>
+                <a:spcPts val="0"/>
+              </a:spcAft>
+              <a:buNone/>
+            </a:pPr>
+            <a:r>
+              <a:rPr lang="en-US" sz="1600"/>
               <a:t>}</a:t>
             </a:r>
-            <a:endParaRPr sz="1300"/>
-          </a:p>
-          <a:p>
-            <a:pPr indent="0" lvl="0" marL="0" rtl="0" algn="l">
-              <a:spcBef>
-                <a:spcPts val="500"/>
-              </a:spcBef>
-              <a:spcAft>
-                <a:spcPts val="0"/>
-              </a:spcAft>
-              <a:buNone/>
-            </a:pPr>
-            <a:r>
-              <a:t/>
-            </a:r>
-            <a:endParaRPr sz="1300"/>
-          </a:p>
-          <a:p>
-            <a:pPr indent="0" lvl="0" marL="0" rtl="0" algn="l">
-              <a:spcBef>
-                <a:spcPts val="500"/>
-              </a:spcBef>
-              <a:spcAft>
-                <a:spcPts val="0"/>
-              </a:spcAft>
-              <a:buNone/>
-            </a:pPr>
-            <a:r>
-              <a:rPr lang="en-US" sz="1300"/>
-              <a:t>TestSuite *our_tests() {</a:t>
-            </a:r>
-            <a:endParaRPr sz="1300"/>
-          </a:p>
-          <a:p>
-            <a:pPr indent="0" lvl="0" marL="0" rtl="0" algn="l">
-              <a:spcBef>
-                <a:spcPts val="500"/>
-              </a:spcBef>
-              <a:spcAft>
-                <a:spcPts val="0"/>
-              </a:spcAft>
-              <a:buNone/>
-            </a:pPr>
-            <a:r>
-              <a:rPr lang="en-US" sz="1300"/>
-              <a:t>    TestSuite *suite = create_test_suite();</a:t>
-            </a:r>
-            <a:endParaRPr sz="1300"/>
-          </a:p>
-          <a:p>
-            <a:pPr indent="0" lvl="0" marL="0" rtl="0" algn="l">
-              <a:spcBef>
-                <a:spcPts val="500"/>
-              </a:spcBef>
-              <a:spcAft>
-                <a:spcPts val="0"/>
-              </a:spcAft>
-              <a:buNone/>
-            </a:pPr>
-            <a:r>
-              <a:rPr lang="en-US" sz="1300"/>
-              <a:t>    add_test_with_context(suite, </a:t>
-            </a:r>
-            <a:r>
-              <a:rPr lang="en-US" sz="1300">
-                <a:solidFill>
-                  <a:srgbClr val="FF6600"/>
-                </a:solidFill>
-              </a:rPr>
-              <a:t>Strlen</a:t>
-            </a:r>
-            <a:r>
-              <a:rPr lang="en-US" sz="1300"/>
-              <a:t>, </a:t>
-            </a:r>
-            <a:r>
-              <a:rPr lang="en-US" sz="1300">
-                <a:solidFill>
-                  <a:srgbClr val="009999"/>
-                </a:solidFill>
-              </a:rPr>
-              <a:t>returns_five_for_hello</a:t>
-            </a:r>
-            <a:r>
-              <a:rPr lang="en-US" sz="1300"/>
-              <a:t>);</a:t>
-            </a:r>
-            <a:endParaRPr sz="1300"/>
-          </a:p>
-          <a:p>
-            <a:pPr indent="0" lvl="0" marL="0" rtl="0" algn="l">
-              <a:spcBef>
-                <a:spcPts val="500"/>
-              </a:spcBef>
-              <a:spcAft>
-                <a:spcPts val="0"/>
-              </a:spcAft>
-              <a:buNone/>
-            </a:pPr>
-            <a:r>
-              <a:rPr lang="en-US" sz="1300"/>
-              <a:t>    return suite;</a:t>
-            </a:r>
-            <a:endParaRPr sz="1300"/>
-          </a:p>
-          <a:p>
-            <a:pPr indent="0" lvl="0" marL="0" rtl="0" algn="l">
-              <a:spcBef>
-                <a:spcPts val="500"/>
-              </a:spcBef>
-              <a:spcAft>
-                <a:spcPts val="0"/>
-              </a:spcAft>
-              <a:buNone/>
-            </a:pPr>
-            <a:r>
-              <a:rPr lang="en-US" sz="1300"/>
-              <a:t>}</a:t>
-            </a:r>
-            <a:endParaRPr sz="1300"/>
+            <a:endParaRPr sz="1600"/>
           </a:p>
         </p:txBody>
       </p:sp>
@@ -38953,12 +39400,12 @@
 </p:sld>
 </file>
 
-<file path=ppt/slides/slide53.xml><?xml version="1.0" encoding="utf-8"?>
+<file path=ppt/slides/slide54.xml><?xml version="1.0" encoding="utf-8"?>
 <p:sld xmlns:a="http://schemas.openxmlformats.org/drawingml/2006/main" xmlns:r="http://schemas.openxmlformats.org/officeDocument/2006/relationships" xmlns:mc="http://schemas.openxmlformats.org/markup-compatibility/2006" xmlns:mv="urn:schemas-microsoft-com:mac:vml" xmlns:p="http://schemas.openxmlformats.org/presentationml/2006/main" xmlns:c="http://schemas.openxmlformats.org/drawingml/2006/chart" xmlns:dgm="http://schemas.openxmlformats.org/drawingml/2006/diagram" xmlns:o="urn:schemas-microsoft-com:office:office" xmlns:v="urn:schemas-microsoft-com:vml" xmlns:pvml="urn:schemas-microsoft-com:office:powerpoint" xmlns:com="http://schemas.openxmlformats.org/drawingml/2006/compatibility" xmlns:p14="http://schemas.microsoft.com/office/powerpoint/2010/main" xmlns:p15="http://schemas.microsoft.com/office/powerpoint/2012/main" xmlns:ahyp="http://schemas.microsoft.com/office/drawing/2018/hyperlinkcolor">
   <p:cSld>
     <p:spTree>
       <p:nvGrpSpPr>
-        <p:cNvPr id="512" name="Shape 512"/>
+        <p:cNvPr id="520" name="Shape 520"/>
         <p:cNvGrpSpPr/>
         <p:nvPr/>
       </p:nvGrpSpPr>
@@ -38972,7 +39419,7 @@
       </p:grpSpPr>
       <p:sp>
         <p:nvSpPr>
-          <p:cNvPr id="513" name="Google Shape;513;p71"/>
+          <p:cNvPr id="521" name="Google Shape;521;p72"/>
           <p:cNvSpPr txBox="1"/>
           <p:nvPr>
             <p:ph type="title"/>
@@ -39004,7 +39451,7 @@
             </a:pPr>
             <a:r>
               <a:rPr lang="en-US"/>
-              <a:t>CGreen constraints example</a:t>
+              <a:t>How does CGreen resemble BDD?</a:t>
             </a:r>
             <a:endParaRPr/>
           </a:p>
@@ -39012,7 +39459,7 @@
       </p:sp>
       <p:sp>
         <p:nvSpPr>
-          <p:cNvPr id="514" name="Google Shape;514;p71"/>
+          <p:cNvPr id="522" name="Google Shape;522;p72"/>
           <p:cNvSpPr txBox="1"/>
           <p:nvPr>
             <p:ph idx="1" type="body"/>
@@ -39033,84 +39480,37 @@
           </a:bodyPr>
           <a:lstStyle/>
           <a:p>
-            <a:pPr indent="-381000" lvl="0" marL="457200" rtl="0" algn="l">
+            <a:pPr indent="0" lvl="0" marL="0" rtl="0" algn="l">
               <a:spcBef>
                 <a:spcPts val="500"/>
               </a:spcBef>
               <a:spcAft>
                 <a:spcPts val="0"/>
               </a:spcAft>
-              <a:buSzPts val="2400"/>
-              <a:buChar char="●"/>
-            </a:pPr>
-            <a:r>
-              <a:rPr lang="en-US"/>
-              <a:t>is_true, is_non_null (Basic)</a:t>
-            </a:r>
-            <a:endParaRPr/>
-          </a:p>
-          <a:p>
-            <a:pPr indent="-381000" lvl="0" marL="457200" rtl="0" algn="l">
-              <a:spcBef>
-                <a:spcPts val="0"/>
-              </a:spcBef>
-              <a:spcAft>
-                <a:spcPts val="0"/>
-              </a:spcAft>
-              <a:buSzPts val="2400"/>
-              <a:buChar char="●"/>
-            </a:pPr>
-            <a:r>
-              <a:rPr lang="en-US"/>
-              <a:t>is_equal_to(value), is_less_than(value) (Integer)</a:t>
-            </a:r>
-            <a:endParaRPr/>
-          </a:p>
-          <a:p>
-            <a:pPr indent="-381000" lvl="0" marL="457200" rtl="0" algn="l">
-              <a:spcBef>
-                <a:spcPts val="0"/>
-              </a:spcBef>
-              <a:spcAft>
-                <a:spcPts val="0"/>
-              </a:spcAft>
-              <a:buSzPts val="2400"/>
-              <a:buChar char="●"/>
-            </a:pPr>
-            <a:r>
-              <a:rPr lang="en-US"/>
-              <a:t>is_equal_to_string(value), ends_with_string(value) (String)</a:t>
-            </a:r>
-            <a:endParaRPr/>
-          </a:p>
-          <a:p>
-            <a:pPr indent="-381000" lvl="0" marL="457200" rtl="0" algn="l">
-              <a:spcBef>
-                <a:spcPts val="0"/>
-              </a:spcBef>
-              <a:spcAft>
-                <a:spcPts val="0"/>
-              </a:spcAft>
-              <a:buSzPts val="2400"/>
-              <a:buChar char="●"/>
-            </a:pPr>
-            <a:r>
-              <a:rPr lang="en-US"/>
-              <a:t>is_equal_to_double(value), is_greater_than_double(value) (</a:t>
-            </a:r>
-            <a:r>
-              <a:rPr lang="en-US">
+              <a:buClr>
+                <a:schemeClr val="dk1"/>
+              </a:buClr>
+              <a:buSzPts val="1100"/>
+              <a:buFont typeface="Arial"/>
+              <a:buNone/>
+            </a:pPr>
+            <a:r>
+              <a:rPr lang="en-US" sz="1300"/>
+              <a:t>Describe(</a:t>
+            </a:r>
+            <a:r>
+              <a:rPr lang="en-US" sz="1300">
                 <a:solidFill>
-                  <a:schemeClr val="dk2"/>
+                  <a:srgbClr val="FF6600"/>
                 </a:solidFill>
               </a:rPr>
-              <a:t>Double</a:t>
-            </a:r>
-            <a:r>
-              <a:rPr lang="en-US"/>
-              <a:t>)</a:t>
-            </a:r>
-            <a:endParaRPr/>
+              <a:t>Strlen</a:t>
+            </a:r>
+            <a:r>
+              <a:rPr lang="en-US" sz="1300"/>
+              <a:t>); </a:t>
+            </a:r>
+            <a:endParaRPr sz="1300"/>
           </a:p>
           <a:p>
             <a:pPr indent="0" lvl="0" marL="0" rtl="0" algn="l">
@@ -39120,54 +39520,269 @@
               <a:spcAft>
                 <a:spcPts val="0"/>
               </a:spcAft>
-              <a:buNone/>
-            </a:pPr>
-            <a:r>
-              <a:t/>
-            </a:r>
-            <a:endParaRPr/>
-          </a:p>
-          <a:p>
-            <a:pPr indent="-381000" lvl="0" marL="457200" rtl="0" algn="l">
-              <a:spcBef>
-                <a:spcPts val="500"/>
-              </a:spcBef>
-              <a:spcAft>
-                <a:spcPts val="0"/>
-              </a:spcAft>
-              <a:buSzPts val="2400"/>
-              <a:buChar char="+"/>
-            </a:pPr>
-            <a:r>
-              <a:rPr lang="en-US"/>
-              <a:t>assert_that(expected, constraint)</a:t>
-            </a:r>
-            <a:endParaRPr/>
-          </a:p>
-          <a:p>
-            <a:pPr indent="-381000" lvl="0" marL="457200" rtl="0" algn="l">
-              <a:spcBef>
-                <a:spcPts val="0"/>
-              </a:spcBef>
-              <a:spcAft>
-                <a:spcPts val="0"/>
-              </a:spcAft>
-              <a:buSzPts val="2400"/>
-              <a:buChar char="+"/>
-            </a:pPr>
-            <a:r>
-              <a:rPr lang="en-US">
+              <a:buClr>
+                <a:schemeClr val="dk1"/>
+              </a:buClr>
+              <a:buSzPts val="1100"/>
+              <a:buFont typeface="Arial"/>
+              <a:buNone/>
+            </a:pPr>
+            <a:r>
+              <a:rPr lang="en-US" sz="1300"/>
+              <a:t>BeforeEach(</a:t>
+            </a:r>
+            <a:r>
+              <a:rPr lang="en-US" sz="1300">
                 <a:solidFill>
-                  <a:schemeClr val="dk2"/>
+                  <a:srgbClr val="FF6600"/>
                 </a:solidFill>
               </a:rPr>
-              <a:t>assert_that_double</a:t>
-            </a:r>
-            <a:r>
-              <a:rPr lang="en-US"/>
-              <a:t>(expected, constraint)</a:t>
-            </a:r>
-            <a:endParaRPr/>
+              <a:t>Strlen</a:t>
+            </a:r>
+            <a:r>
+              <a:rPr lang="en-US" sz="1300"/>
+              <a:t>) {} </a:t>
+            </a:r>
+            <a:endParaRPr sz="1300"/>
+          </a:p>
+          <a:p>
+            <a:pPr indent="0" lvl="0" marL="0" rtl="0" algn="l">
+              <a:spcBef>
+                <a:spcPts val="500"/>
+              </a:spcBef>
+              <a:spcAft>
+                <a:spcPts val="0"/>
+              </a:spcAft>
+              <a:buClr>
+                <a:schemeClr val="dk1"/>
+              </a:buClr>
+              <a:buSzPts val="1100"/>
+              <a:buFont typeface="Arial"/>
+              <a:buNone/>
+            </a:pPr>
+            <a:r>
+              <a:rPr lang="en-US" sz="1300"/>
+              <a:t>AfterEach(</a:t>
+            </a:r>
+            <a:r>
+              <a:rPr lang="en-US" sz="1300">
+                <a:solidFill>
+                  <a:srgbClr val="FF6600"/>
+                </a:solidFill>
+              </a:rPr>
+              <a:t>Strlen</a:t>
+            </a:r>
+            <a:r>
+              <a:rPr lang="en-US" sz="1300"/>
+              <a:t>) {} </a:t>
+            </a:r>
+            <a:endParaRPr sz="1300"/>
+          </a:p>
+          <a:p>
+            <a:pPr indent="0" lvl="0" marL="0" rtl="0" algn="l">
+              <a:spcBef>
+                <a:spcPts val="500"/>
+              </a:spcBef>
+              <a:spcAft>
+                <a:spcPts val="0"/>
+              </a:spcAft>
+              <a:buNone/>
+            </a:pPr>
+            <a:r>
+              <a:t/>
+            </a:r>
+            <a:endParaRPr sz="1300"/>
+          </a:p>
+          <a:p>
+            <a:pPr indent="0" lvl="0" marL="0" rtl="0" algn="l">
+              <a:spcBef>
+                <a:spcPts val="500"/>
+              </a:spcBef>
+              <a:spcAft>
+                <a:spcPts val="0"/>
+              </a:spcAft>
+              <a:buNone/>
+            </a:pPr>
+            <a:r>
+              <a:rPr lang="en-US" sz="1300"/>
+              <a:t>Ensure(</a:t>
+            </a:r>
+            <a:r>
+              <a:rPr lang="en-US" sz="1300">
+                <a:solidFill>
+                  <a:srgbClr val="FF6600"/>
+                </a:solidFill>
+              </a:rPr>
+              <a:t>Strlen</a:t>
+            </a:r>
+            <a:r>
+              <a:rPr lang="en-US" sz="1300"/>
+              <a:t>, </a:t>
+            </a:r>
+            <a:r>
+              <a:rPr lang="en-US" sz="1300">
+                <a:solidFill>
+                  <a:srgbClr val="009999"/>
+                </a:solidFill>
+              </a:rPr>
+              <a:t>returns_five_for_hello</a:t>
+            </a:r>
+            <a:r>
+              <a:rPr lang="en-US" sz="1300"/>
+              <a:t>) { </a:t>
+            </a:r>
+            <a:endParaRPr sz="1300"/>
+          </a:p>
+          <a:p>
+            <a:pPr indent="0" lvl="0" marL="0" rtl="0" algn="l">
+              <a:spcBef>
+                <a:spcPts val="500"/>
+              </a:spcBef>
+              <a:spcAft>
+                <a:spcPts val="0"/>
+              </a:spcAft>
+              <a:buNone/>
+            </a:pPr>
+            <a:r>
+              <a:rPr lang="en-US" sz="1300"/>
+              <a:t>    assert_that(strlen("Hello"), is_equal_to(5));</a:t>
+            </a:r>
+            <a:endParaRPr sz="1300"/>
+          </a:p>
+          <a:p>
+            <a:pPr indent="0" lvl="0" marL="0" rtl="0" algn="l">
+              <a:spcBef>
+                <a:spcPts val="500"/>
+              </a:spcBef>
+              <a:spcAft>
+                <a:spcPts val="0"/>
+              </a:spcAft>
+              <a:buNone/>
+            </a:pPr>
+            <a:r>
+              <a:rPr lang="en-US" sz="1300"/>
+              <a:t>}</a:t>
+            </a:r>
+            <a:endParaRPr sz="1300"/>
+          </a:p>
+          <a:p>
+            <a:pPr indent="0" lvl="0" marL="0" rtl="0" algn="l">
+              <a:spcBef>
+                <a:spcPts val="500"/>
+              </a:spcBef>
+              <a:spcAft>
+                <a:spcPts val="0"/>
+              </a:spcAft>
+              <a:buNone/>
+            </a:pPr>
+            <a:r>
+              <a:t/>
+            </a:r>
+            <a:endParaRPr sz="1300"/>
+          </a:p>
+          <a:p>
+            <a:pPr indent="0" lvl="0" marL="0" rtl="0" algn="l">
+              <a:spcBef>
+                <a:spcPts val="500"/>
+              </a:spcBef>
+              <a:spcAft>
+                <a:spcPts val="0"/>
+              </a:spcAft>
+              <a:buNone/>
+            </a:pPr>
+            <a:r>
+              <a:rPr lang="en-US" sz="1300"/>
+              <a:t>TestSuite *our_tests() {</a:t>
+            </a:r>
+            <a:endParaRPr sz="1300"/>
+          </a:p>
+          <a:p>
+            <a:pPr indent="0" lvl="0" marL="0" rtl="0" algn="l">
+              <a:spcBef>
+                <a:spcPts val="500"/>
+              </a:spcBef>
+              <a:spcAft>
+                <a:spcPts val="0"/>
+              </a:spcAft>
+              <a:buNone/>
+            </a:pPr>
+            <a:r>
+              <a:rPr lang="en-US" sz="1300"/>
+              <a:t>    TestSuite *suite = create_test_suite();</a:t>
+            </a:r>
+            <a:endParaRPr sz="1300"/>
+          </a:p>
+          <a:p>
+            <a:pPr indent="0" lvl="0" marL="0" rtl="0" algn="l">
+              <a:spcBef>
+                <a:spcPts val="500"/>
+              </a:spcBef>
+              <a:spcAft>
+                <a:spcPts val="0"/>
+              </a:spcAft>
+              <a:buNone/>
+            </a:pPr>
+            <a:r>
+              <a:rPr lang="en-US" sz="1300"/>
+              <a:t>    add_test_with_context(suite, </a:t>
+            </a:r>
+            <a:r>
+              <a:rPr lang="en-US" sz="1300">
+                <a:solidFill>
+                  <a:srgbClr val="FF6600"/>
+                </a:solidFill>
+              </a:rPr>
+              <a:t>Strlen</a:t>
+            </a:r>
+            <a:r>
+              <a:rPr lang="en-US" sz="1300"/>
+              <a:t>, </a:t>
+            </a:r>
+            <a:r>
+              <a:rPr lang="en-US" sz="1300">
+                <a:solidFill>
+                  <a:srgbClr val="009999"/>
+                </a:solidFill>
+              </a:rPr>
+              <a:t>returns_five_for_hello</a:t>
+            </a:r>
+            <a:r>
+              <a:rPr lang="en-US" sz="1300"/>
+              <a:t>);</a:t>
+            </a:r>
+            <a:endParaRPr sz="1300"/>
+          </a:p>
+          <a:p>
+            <a:pPr indent="0" lvl="0" marL="0" rtl="0" algn="l">
+              <a:spcBef>
+                <a:spcPts val="500"/>
+              </a:spcBef>
+              <a:spcAft>
+                <a:spcPts val="0"/>
+              </a:spcAft>
+              <a:buNone/>
+            </a:pPr>
+            <a:r>
+              <a:rPr lang="en-US" sz="1300"/>
+              <a:t>    return suite;</a:t>
+            </a:r>
+            <a:endParaRPr sz="1300"/>
+          </a:p>
+          <a:p>
+            <a:pPr indent="0" lvl="0" marL="0" rtl="0" algn="l">
+              <a:spcBef>
+                <a:spcPts val="500"/>
+              </a:spcBef>
+              <a:spcAft>
+                <a:spcPts val="0"/>
+              </a:spcAft>
+              <a:buNone/>
+            </a:pPr>
+            <a:r>
+              <a:rPr lang="en-US" sz="1300"/>
+              <a:t>}</a:t>
+            </a:r>
+            <a:endParaRPr sz="1300"/>
           </a:p>
         </p:txBody>
       </p:sp>
@@ -39179,12 +39794,12 @@
 </p:sld>
 </file>
 
-<file path=ppt/slides/slide54.xml><?xml version="1.0" encoding="utf-8"?>
+<file path=ppt/slides/slide55.xml><?xml version="1.0" encoding="utf-8"?>
 <p:sld xmlns:a="http://schemas.openxmlformats.org/drawingml/2006/main" xmlns:r="http://schemas.openxmlformats.org/officeDocument/2006/relationships" xmlns:mc="http://schemas.openxmlformats.org/markup-compatibility/2006" xmlns:mv="urn:schemas-microsoft-com:mac:vml" xmlns:p="http://schemas.openxmlformats.org/presentationml/2006/main" xmlns:c="http://schemas.openxmlformats.org/drawingml/2006/chart" xmlns:dgm="http://schemas.openxmlformats.org/drawingml/2006/diagram" xmlns:o="urn:schemas-microsoft-com:office:office" xmlns:v="urn:schemas-microsoft-com:vml" xmlns:pvml="urn:schemas-microsoft-com:office:powerpoint" xmlns:com="http://schemas.openxmlformats.org/drawingml/2006/compatibility" xmlns:p14="http://schemas.microsoft.com/office/powerpoint/2010/main" xmlns:p15="http://schemas.microsoft.com/office/powerpoint/2012/main" xmlns:ahyp="http://schemas.microsoft.com/office/drawing/2018/hyperlinkcolor">
   <p:cSld>
     <p:spTree>
       <p:nvGrpSpPr>
-        <p:cNvPr id="518" name="Shape 518"/>
+        <p:cNvPr id="527" name="Shape 527"/>
         <p:cNvGrpSpPr/>
         <p:nvPr/>
       </p:nvGrpSpPr>
@@ -39198,7 +39813,233 @@
       </p:grpSpPr>
       <p:sp>
         <p:nvSpPr>
-          <p:cNvPr id="519" name="Google Shape;519;p72"/>
+          <p:cNvPr id="528" name="Google Shape;528;p73"/>
+          <p:cNvSpPr txBox="1"/>
+          <p:nvPr>
+            <p:ph type="title"/>
+          </p:nvPr>
+        </p:nvSpPr>
+        <p:spPr>
+          <a:xfrm>
+            <a:off x="808039" y="201077"/>
+            <a:ext cx="6569100" cy="446100"/>
+          </a:xfrm>
+          <a:prstGeom prst="rect">
+            <a:avLst/>
+          </a:prstGeom>
+        </p:spPr>
+        <p:txBody>
+          <a:bodyPr anchorCtr="0" anchor="t" bIns="0" lIns="0" spcFirstLastPara="1" rIns="0" wrap="square" tIns="0">
+            <a:noAutofit/>
+          </a:bodyPr>
+          <a:lstStyle/>
+          <a:p>
+            <a:pPr indent="0" lvl="0" marL="0" rtl="0" algn="l">
+              <a:spcBef>
+                <a:spcPts val="0"/>
+              </a:spcBef>
+              <a:spcAft>
+                <a:spcPts val="0"/>
+              </a:spcAft>
+              <a:buNone/>
+            </a:pPr>
+            <a:r>
+              <a:rPr lang="en-US"/>
+              <a:t>CGreen constraints example</a:t>
+            </a:r>
+            <a:endParaRPr/>
+          </a:p>
+        </p:txBody>
+      </p:sp>
+      <p:sp>
+        <p:nvSpPr>
+          <p:cNvPr id="529" name="Google Shape;529;p73"/>
+          <p:cNvSpPr txBox="1"/>
+          <p:nvPr>
+            <p:ph idx="1" type="body"/>
+          </p:nvPr>
+        </p:nvSpPr>
+        <p:spPr>
+          <a:xfrm>
+            <a:off x="808038" y="1164165"/>
+            <a:ext cx="8140800" cy="3325500"/>
+          </a:xfrm>
+          <a:prstGeom prst="rect">
+            <a:avLst/>
+          </a:prstGeom>
+        </p:spPr>
+        <p:txBody>
+          <a:bodyPr anchorCtr="0" anchor="t" bIns="0" lIns="0" spcFirstLastPara="1" rIns="0" wrap="square" tIns="0">
+            <a:noAutofit/>
+          </a:bodyPr>
+          <a:lstStyle/>
+          <a:p>
+            <a:pPr indent="-381000" lvl="0" marL="457200" rtl="0" algn="l">
+              <a:spcBef>
+                <a:spcPts val="500"/>
+              </a:spcBef>
+              <a:spcAft>
+                <a:spcPts val="0"/>
+              </a:spcAft>
+              <a:buSzPts val="2400"/>
+              <a:buChar char="●"/>
+            </a:pPr>
+            <a:r>
+              <a:rPr lang="en-US"/>
+              <a:t>is_true, is_non_null (Basic)</a:t>
+            </a:r>
+            <a:endParaRPr/>
+          </a:p>
+          <a:p>
+            <a:pPr indent="-381000" lvl="0" marL="457200" rtl="0" algn="l">
+              <a:spcBef>
+                <a:spcPts val="0"/>
+              </a:spcBef>
+              <a:spcAft>
+                <a:spcPts val="0"/>
+              </a:spcAft>
+              <a:buSzPts val="2400"/>
+              <a:buChar char="●"/>
+            </a:pPr>
+            <a:r>
+              <a:rPr lang="en-US"/>
+              <a:t>is_equal_to(value), is_less_than(value) (Integer)</a:t>
+            </a:r>
+            <a:endParaRPr/>
+          </a:p>
+          <a:p>
+            <a:pPr indent="-381000" lvl="0" marL="457200" rtl="0" algn="l">
+              <a:spcBef>
+                <a:spcPts val="0"/>
+              </a:spcBef>
+              <a:spcAft>
+                <a:spcPts val="0"/>
+              </a:spcAft>
+              <a:buSzPts val="2400"/>
+              <a:buChar char="●"/>
+            </a:pPr>
+            <a:r>
+              <a:rPr lang="en-US"/>
+              <a:t>is_equal_to_string(value), ends_with_string(value) (String)</a:t>
+            </a:r>
+            <a:endParaRPr/>
+          </a:p>
+          <a:p>
+            <a:pPr indent="-381000" lvl="0" marL="457200" rtl="0" algn="l">
+              <a:spcBef>
+                <a:spcPts val="0"/>
+              </a:spcBef>
+              <a:spcAft>
+                <a:spcPts val="0"/>
+              </a:spcAft>
+              <a:buSzPts val="2400"/>
+              <a:buChar char="●"/>
+            </a:pPr>
+            <a:r>
+              <a:rPr lang="en-US"/>
+              <a:t>is_equal_to_double(value), is_greater_than_double(value) (</a:t>
+            </a:r>
+            <a:r>
+              <a:rPr lang="en-US">
+                <a:solidFill>
+                  <a:schemeClr val="dk2"/>
+                </a:solidFill>
+              </a:rPr>
+              <a:t>Double</a:t>
+            </a:r>
+            <a:r>
+              <a:rPr lang="en-US"/>
+              <a:t>)</a:t>
+            </a:r>
+            <a:endParaRPr/>
+          </a:p>
+          <a:p>
+            <a:pPr indent="0" lvl="0" marL="0" rtl="0" algn="l">
+              <a:spcBef>
+                <a:spcPts val="500"/>
+              </a:spcBef>
+              <a:spcAft>
+                <a:spcPts val="0"/>
+              </a:spcAft>
+              <a:buNone/>
+            </a:pPr>
+            <a:r>
+              <a:t/>
+            </a:r>
+            <a:endParaRPr/>
+          </a:p>
+          <a:p>
+            <a:pPr indent="-381000" lvl="0" marL="457200" rtl="0" algn="l">
+              <a:spcBef>
+                <a:spcPts val="500"/>
+              </a:spcBef>
+              <a:spcAft>
+                <a:spcPts val="0"/>
+              </a:spcAft>
+              <a:buSzPts val="2400"/>
+              <a:buChar char="+"/>
+            </a:pPr>
+            <a:r>
+              <a:rPr lang="en-US"/>
+              <a:t>assert_that(expected, constraint)</a:t>
+            </a:r>
+            <a:endParaRPr/>
+          </a:p>
+          <a:p>
+            <a:pPr indent="-381000" lvl="0" marL="457200" rtl="0" algn="l">
+              <a:spcBef>
+                <a:spcPts val="0"/>
+              </a:spcBef>
+              <a:spcAft>
+                <a:spcPts val="0"/>
+              </a:spcAft>
+              <a:buSzPts val="2400"/>
+              <a:buChar char="+"/>
+            </a:pPr>
+            <a:r>
+              <a:rPr lang="en-US">
+                <a:solidFill>
+                  <a:schemeClr val="dk2"/>
+                </a:solidFill>
+              </a:rPr>
+              <a:t>assert_that_double</a:t>
+            </a:r>
+            <a:r>
+              <a:rPr lang="en-US"/>
+              <a:t>(expected, constraint)</a:t>
+            </a:r>
+            <a:endParaRPr/>
+          </a:p>
+        </p:txBody>
+      </p:sp>
+    </p:spTree>
+  </p:cSld>
+  <p:clrMapOvr>
+    <a:masterClrMapping/>
+  </p:clrMapOvr>
+</p:sld>
+</file>
+
+<file path=ppt/slides/slide56.xml><?xml version="1.0" encoding="utf-8"?>
+<p:sld xmlns:a="http://schemas.openxmlformats.org/drawingml/2006/main" xmlns:r="http://schemas.openxmlformats.org/officeDocument/2006/relationships" xmlns:mc="http://schemas.openxmlformats.org/markup-compatibility/2006" xmlns:mv="urn:schemas-microsoft-com:mac:vml" xmlns:p="http://schemas.openxmlformats.org/presentationml/2006/main" xmlns:c="http://schemas.openxmlformats.org/drawingml/2006/chart" xmlns:dgm="http://schemas.openxmlformats.org/drawingml/2006/diagram" xmlns:o="urn:schemas-microsoft-com:office:office" xmlns:v="urn:schemas-microsoft-com:vml" xmlns:pvml="urn:schemas-microsoft-com:office:powerpoint" xmlns:com="http://schemas.openxmlformats.org/drawingml/2006/compatibility" xmlns:p14="http://schemas.microsoft.com/office/powerpoint/2010/main" xmlns:p15="http://schemas.microsoft.com/office/powerpoint/2012/main" xmlns:ahyp="http://schemas.microsoft.com/office/drawing/2018/hyperlinkcolor">
+  <p:cSld>
+    <p:spTree>
+      <p:nvGrpSpPr>
+        <p:cNvPr id="533" name="Shape 533"/>
+        <p:cNvGrpSpPr/>
+        <p:nvPr/>
+      </p:nvGrpSpPr>
+      <p:grpSpPr>
+        <a:xfrm>
+          <a:off x="0" y="0"/>
+          <a:ext cx="0" cy="0"/>
+          <a:chOff x="0" y="0"/>
+          <a:chExt cx="0" cy="0"/>
+        </a:xfrm>
+      </p:grpSpPr>
+      <p:sp>
+        <p:nvSpPr>
+          <p:cNvPr id="534" name="Google Shape;534;p74"/>
           <p:cNvSpPr txBox="1"/>
           <p:nvPr>
             <p:ph type="title"/>
@@ -40645,7 +41486,7 @@
 </file>
 
 <file path=ppt/theme/theme1.xml><?xml version="1.0" encoding="utf-8"?>
-<a:theme xmlns:a="http://schemas.openxmlformats.org/drawingml/2006/main" xmlns:r="http://schemas.openxmlformats.org/officeDocument/2006/relationships" name="6_Corporate_PPT_Template_10x5.6_v2">
+<a:theme xmlns:a="http://schemas.openxmlformats.org/drawingml/2006/main" xmlns:r="http://schemas.openxmlformats.org/officeDocument/2006/relationships" name="2_Corporate_PPT_Template_10x5.6_v2">
   <a:themeElements>
     <a:clrScheme name="Custom 2">
       <a:dk1>
@@ -40924,7 +41765,7 @@
 </file>
 
 <file path=ppt/theme/theme2.xml><?xml version="1.0" encoding="utf-8"?>
-<a:theme xmlns:a="http://schemas.openxmlformats.org/drawingml/2006/main" xmlns:r="http://schemas.openxmlformats.org/officeDocument/2006/relationships" name="2_Corporate_PPT_Template_10x5.6_v2">
+<a:theme xmlns:a="http://schemas.openxmlformats.org/drawingml/2006/main" xmlns:r="http://schemas.openxmlformats.org/officeDocument/2006/relationships" name="5_Corporate_PPT_Template_10x5.6_v2">
   <a:themeElements>
     <a:clrScheme name="Custom 2">
       <a:dk1>
@@ -41203,9 +42044,9 @@
 </file>
 
 <file path=ppt/theme/theme3.xml><?xml version="1.0" encoding="utf-8"?>
-<a:theme xmlns:a="http://schemas.openxmlformats.org/drawingml/2006/main" xmlns:r="http://schemas.openxmlformats.org/officeDocument/2006/relationships" name="Corporate_PPT_Template_10x5.6_v2">
+<a:theme xmlns:a="http://schemas.openxmlformats.org/drawingml/2006/main" xmlns:r="http://schemas.openxmlformats.org/officeDocument/2006/relationships">
   <a:themeElements>
-    <a:clrScheme name="Custom 2">
+    <a:clrScheme name="Default">
       <a:dk1>
         <a:srgbClr val="000000"/>
       </a:dk1>
@@ -41213,34 +42054,34 @@
         <a:srgbClr val="FFFFFF"/>
       </a:lt1>
       <a:dk2>
-        <a:srgbClr val="FF0000"/>
+        <a:srgbClr val="158158"/>
       </a:dk2>
       <a:lt2>
-        <a:srgbClr val="C9C9C9"/>
+        <a:srgbClr val="F3F3F3"/>
       </a:lt2>
       <a:accent1>
-        <a:srgbClr val="829E7E"/>
+        <a:srgbClr val="058DC7"/>
       </a:accent1>
       <a:accent2>
-        <a:srgbClr val="7F7F7F"/>
+        <a:srgbClr val="50B432"/>
       </a:accent2>
       <a:accent3>
-        <a:srgbClr val="C8CC94"/>
+        <a:srgbClr val="ED561B"/>
       </a:accent3>
       <a:accent4>
-        <a:srgbClr val="9FB3A9"/>
+        <a:srgbClr val="EDEF00"/>
       </a:accent4>
       <a:accent5>
-        <a:srgbClr val="5B6981"/>
+        <a:srgbClr val="24CBE5"/>
       </a:accent5>
       <a:accent6>
-        <a:srgbClr val="D3CAAF"/>
+        <a:srgbClr val="64E572"/>
       </a:accent6>
       <a:hlink>
-        <a:srgbClr val="0070C0"/>
+        <a:srgbClr val="2200CC"/>
       </a:hlink>
       <a:folHlink>
-        <a:srgbClr val="292929"/>
+        <a:srgbClr val="551A8B"/>
       </a:folHlink>
     </a:clrScheme>
     <a:fontScheme name="Office">
@@ -41761,7 +42602,7 @@
 </file>
 
 <file path=ppt/theme/theme5.xml><?xml version="1.0" encoding="utf-8"?>
-<a:theme xmlns:a="http://schemas.openxmlformats.org/drawingml/2006/main" xmlns:r="http://schemas.openxmlformats.org/officeDocument/2006/relationships" name="5_Corporate_PPT_Template_10x5.6_v2">
+<a:theme xmlns:a="http://schemas.openxmlformats.org/drawingml/2006/main" xmlns:r="http://schemas.openxmlformats.org/officeDocument/2006/relationships" name="6_Corporate_PPT_Template_10x5.6_v2">
   <a:themeElements>
     <a:clrScheme name="Custom 2">
       <a:dk1>
@@ -42040,9 +42881,9 @@
 </file>
 
 <file path=ppt/theme/theme6.xml><?xml version="1.0" encoding="utf-8"?>
-<a:theme xmlns:a="http://schemas.openxmlformats.org/drawingml/2006/main" xmlns:r="http://schemas.openxmlformats.org/officeDocument/2006/relationships">
+<a:theme xmlns:a="http://schemas.openxmlformats.org/drawingml/2006/main" xmlns:r="http://schemas.openxmlformats.org/officeDocument/2006/relationships" name="Corporate_PPT_Template_10x5.6_v2">
   <a:themeElements>
-    <a:clrScheme name="Default">
+    <a:clrScheme name="Custom 2">
       <a:dk1>
         <a:srgbClr val="000000"/>
       </a:dk1>
@@ -42050,34 +42891,34 @@
         <a:srgbClr val="FFFFFF"/>
       </a:lt1>
       <a:dk2>
-        <a:srgbClr val="158158"/>
+        <a:srgbClr val="FF0000"/>
       </a:dk2>
       <a:lt2>
-        <a:srgbClr val="F3F3F3"/>
+        <a:srgbClr val="C9C9C9"/>
       </a:lt2>
       <a:accent1>
-        <a:srgbClr val="058DC7"/>
+        <a:srgbClr val="829E7E"/>
       </a:accent1>
       <a:accent2>
-        <a:srgbClr val="50B432"/>
+        <a:srgbClr val="7F7F7F"/>
       </a:accent2>
       <a:accent3>
-        <a:srgbClr val="ED561B"/>
+        <a:srgbClr val="C8CC94"/>
       </a:accent3>
       <a:accent4>
-        <a:srgbClr val="EDEF00"/>
+        <a:srgbClr val="9FB3A9"/>
       </a:accent4>
       <a:accent5>
-        <a:srgbClr val="24CBE5"/>
+        <a:srgbClr val="5B6981"/>
       </a:accent5>
       <a:accent6>
-        <a:srgbClr val="64E572"/>
+        <a:srgbClr val="D3CAAF"/>
       </a:accent6>
       <a:hlink>
-        <a:srgbClr val="2200CC"/>
+        <a:srgbClr val="0070C0"/>
       </a:hlink>
       <a:folHlink>
-        <a:srgbClr val="551A8B"/>
+        <a:srgbClr val="292929"/>
       </a:folHlink>
     </a:clrScheme>
     <a:fontScheme name="Office">
